--- a/Apresentacoes/comparação de resultados - v5.pptx
+++ b/Apresentacoes/comparação de resultados - v5.pptx
@@ -10,45 +10,42 @@
   <p:sldIdLst>
     <p:sldId id="256" r:id="rId3"/>
     <p:sldId id="259" r:id="rId5"/>
-    <p:sldId id="477" r:id="rId6"/>
-    <p:sldId id="512" r:id="rId7"/>
+    <p:sldId id="512" r:id="rId6"/>
+    <p:sldId id="551" r:id="rId7"/>
     <p:sldId id="447" r:id="rId8"/>
-    <p:sldId id="461" r:id="rId9"/>
-    <p:sldId id="465" r:id="rId10"/>
-    <p:sldId id="466" r:id="rId11"/>
-    <p:sldId id="467" r:id="rId12"/>
-    <p:sldId id="468" r:id="rId13"/>
-    <p:sldId id="469" r:id="rId14"/>
-    <p:sldId id="470" r:id="rId15"/>
-    <p:sldId id="514" r:id="rId16"/>
-    <p:sldId id="515" r:id="rId17"/>
-    <p:sldId id="516" r:id="rId18"/>
-    <p:sldId id="478" r:id="rId19"/>
-    <p:sldId id="472" r:id="rId20"/>
-    <p:sldId id="473" r:id="rId21"/>
-    <p:sldId id="474" r:id="rId22"/>
-    <p:sldId id="475" r:id="rId23"/>
-    <p:sldId id="476" r:id="rId24"/>
-    <p:sldId id="448" r:id="rId25"/>
-    <p:sldId id="464" r:id="rId26"/>
-    <p:sldId id="462" r:id="rId27"/>
-    <p:sldId id="463" r:id="rId28"/>
-    <p:sldId id="417" r:id="rId29"/>
-    <p:sldId id="269" r:id="rId30"/>
-    <p:sldId id="281" r:id="rId31"/>
-    <p:sldId id="271" r:id="rId32"/>
-    <p:sldId id="339" r:id="rId33"/>
-    <p:sldId id="272" r:id="rId34"/>
-    <p:sldId id="338" r:id="rId35"/>
-    <p:sldId id="341" r:id="rId36"/>
-    <p:sldId id="333" r:id="rId37"/>
-    <p:sldId id="342" r:id="rId38"/>
-    <p:sldId id="343" r:id="rId39"/>
-    <p:sldId id="344" r:id="rId40"/>
-    <p:sldId id="321" r:id="rId41"/>
-    <p:sldId id="313" r:id="rId42"/>
-    <p:sldId id="304" r:id="rId43"/>
-    <p:sldId id="261" r:id="rId44"/>
+    <p:sldId id="468" r:id="rId9"/>
+    <p:sldId id="469" r:id="rId10"/>
+    <p:sldId id="470" r:id="rId11"/>
+    <p:sldId id="550" r:id="rId12"/>
+    <p:sldId id="552" r:id="rId13"/>
+    <p:sldId id="553" r:id="rId14"/>
+    <p:sldId id="554" r:id="rId15"/>
+    <p:sldId id="555" r:id="rId16"/>
+    <p:sldId id="514" r:id="rId17"/>
+    <p:sldId id="515" r:id="rId18"/>
+    <p:sldId id="516" r:id="rId19"/>
+    <p:sldId id="584" r:id="rId20"/>
+    <p:sldId id="605" r:id="rId21"/>
+    <p:sldId id="606" r:id="rId22"/>
+    <p:sldId id="448" r:id="rId23"/>
+    <p:sldId id="464" r:id="rId24"/>
+    <p:sldId id="462" r:id="rId25"/>
+    <p:sldId id="463" r:id="rId26"/>
+    <p:sldId id="417" r:id="rId27"/>
+    <p:sldId id="269" r:id="rId28"/>
+    <p:sldId id="281" r:id="rId29"/>
+    <p:sldId id="271" r:id="rId30"/>
+    <p:sldId id="339" r:id="rId31"/>
+    <p:sldId id="338" r:id="rId32"/>
+    <p:sldId id="341" r:id="rId33"/>
+    <p:sldId id="333" r:id="rId34"/>
+    <p:sldId id="342" r:id="rId35"/>
+    <p:sldId id="343" r:id="rId36"/>
+    <p:sldId id="344" r:id="rId37"/>
+    <p:sldId id="321" r:id="rId38"/>
+    <p:sldId id="313" r:id="rId39"/>
+    <p:sldId id="304" r:id="rId40"/>
+    <p:sldId id="261" r:id="rId41"/>
   </p:sldIdLst>
   <p:sldSz cx="9144000" cy="5147945" type="screen16x9"/>
   <p:notesSz cx="6858000" cy="9144000"/>
@@ -4855,53 +4852,17 @@
         <p:cNvGrpSpPr/>
         <p:nvPr/>
       </p:nvGrpSpPr>
-      <p:grpSpPr>
-        <a:xfrm>
-          <a:off x="0" y="0"/>
-          <a:ext cx="0" cy="0"/>
-          <a:chOff x="0" y="0"/>
-          <a:chExt cx="0" cy="0"/>
-        </a:xfrm>
-      </p:grpSpPr>
+      <p:grpSpPr/>
       <p:sp>
         <p:nvSpPr>
-          <p:cNvPr id="4" name="CaixaDeTexto 3"/>
+          <p:cNvPr id="7" name="Text Box 6"/>
           <p:cNvSpPr txBox="1"/>
           <p:nvPr/>
         </p:nvSpPr>
         <p:spPr>
           <a:xfrm>
-            <a:off x="7523901" y="395173"/>
-            <a:ext cx="1101090" cy="306705"/>
-          </a:xfrm>
-          <a:prstGeom prst="rect">
-            <a:avLst/>
-          </a:prstGeom>
-          <a:noFill/>
-        </p:spPr>
-        <p:txBody>
-          <a:bodyPr wrap="none" rtlCol="0">
-            <a:spAutoFit/>
-          </a:bodyPr>
-          <a:p>
-            <a:r>
-              <a:rPr lang="pt-PT" altLang="pt-BR" sz="1400" b="1" dirty="0" smtClean="0"/>
-              <a:t>Conclusões</a:t>
-            </a:r>
-            <a:endParaRPr lang="pt-PT" altLang="pt-BR" sz="1400" b="1" dirty="0" smtClean="0"/>
-          </a:p>
-        </p:txBody>
-      </p:sp>
-      <p:sp>
-        <p:nvSpPr>
-          <p:cNvPr id="10" name="Text Box 9"/>
-          <p:cNvSpPr txBox="1"/>
-          <p:nvPr/>
-        </p:nvSpPr>
-        <p:spPr>
-          <a:xfrm>
-            <a:off x="626110" y="989965"/>
-            <a:ext cx="7882255" cy="877570"/>
+            <a:off x="611505" y="989965"/>
+            <a:ext cx="8042910" cy="3415030"/>
           </a:xfrm>
           <a:prstGeom prst="rect">
             <a:avLst/>
@@ -4913,782 +4874,127 @@
             <a:spAutoFit/>
           </a:bodyPr>
           <a:p>
-            <a:pPr marL="285750" indent="-285750">
-              <a:buFont typeface="Arial" panose="020B0604020202020204" pitchFamily="34" charset="0"/>
-              <a:buChar char="•"/>
-            </a:pPr>
-            <a:r>
-              <a:rPr lang="pt-PT" altLang="en-US" sz="1400"/>
-              <a:t>A versão 2 foi superior em todas as execuções em relação a versão 1,</a:t>
-            </a:r>
-            <a:r>
-              <a:rPr lang="pt-PT" altLang="en-US" sz="1400" baseline="-25000"/>
-              <a:t> </a:t>
-            </a:r>
-            <a:r>
-              <a:rPr lang="pt-PT" altLang="en-US" sz="1400"/>
-              <a:t>tanto no A-GEO quanto no A-GEO</a:t>
-            </a:r>
-            <a:r>
-              <a:rPr lang="pt-PT" altLang="en-US" sz="1400" baseline="-25000"/>
-              <a:t>var</a:t>
-            </a:r>
-            <a:r>
-              <a:rPr lang="pt-PT" altLang="en-US" sz="1400"/>
-              <a:t>.</a:t>
-            </a:r>
-            <a:endParaRPr lang="pt-PT" altLang="en-US" sz="1400"/>
-          </a:p>
-          <a:p>
-            <a:pPr marL="285750" indent="-285750">
-              <a:buFont typeface="Arial" panose="020B0604020202020204" pitchFamily="34" charset="0"/>
-              <a:buChar char="•"/>
-            </a:pPr>
-            <a:endParaRPr lang="pt-PT" altLang="en-US" sz="1400" baseline="-25000"/>
-          </a:p>
-          <a:p>
-            <a:pPr marL="285750" indent="-285750">
-              <a:buFont typeface="Arial" panose="020B0604020202020204" pitchFamily="34" charset="0"/>
-              <a:buChar char="•"/>
-            </a:pPr>
-            <a:r>
-              <a:rPr lang="pt-PT" altLang="en-US" sz="1400"/>
-              <a:t>A-GEO</a:t>
-            </a:r>
-            <a:r>
-              <a:rPr lang="pt-PT" altLang="en-US" sz="1400" baseline="-25000"/>
-              <a:t>2</a:t>
-            </a:r>
-            <a:r>
-              <a:rPr lang="pt-PT" altLang="en-US" sz="1400"/>
-              <a:t>var foi melhor que A-GEO</a:t>
-            </a:r>
-            <a:r>
-              <a:rPr lang="pt-PT" altLang="en-US" sz="1400" baseline="-25000"/>
-              <a:t>2 </a:t>
-            </a:r>
-            <a:r>
-              <a:rPr lang="pt-PT" altLang="en-US" sz="1400"/>
-              <a:t>em todas as funções, exceto na Ackley e na Rosenbrock</a:t>
-            </a:r>
-            <a:endParaRPr lang="pt-PT" altLang="en-US" sz="1400"/>
-          </a:p>
-        </p:txBody>
-      </p:sp>
-      <p:grpSp>
-        <p:nvGrpSpPr>
-          <p:cNvPr id="58" name="Group 57"/>
-          <p:cNvGrpSpPr/>
-          <p:nvPr/>
-        </p:nvGrpSpPr>
-        <p:grpSpPr>
-          <a:xfrm>
-            <a:off x="755015" y="2305685"/>
-            <a:ext cx="3816350" cy="1943100"/>
-            <a:chOff x="282" y="85"/>
-            <a:chExt cx="6010" cy="3060"/>
-          </a:xfrm>
-        </p:grpSpPr>
-        <p:sp>
-          <p:nvSpPr>
-            <p:cNvPr id="2" name="CaixaDeTexto 9"/>
-            <p:cNvSpPr txBox="1"/>
-            <p:nvPr/>
-          </p:nvSpPr>
-          <p:spPr>
-            <a:xfrm>
-              <a:off x="622" y="312"/>
-              <a:ext cx="813" cy="471"/>
-            </a:xfrm>
-            <a:prstGeom prst="rect">
-              <a:avLst/>
-            </a:prstGeom>
-            <a:noFill/>
-            <a:ln>
-              <a:solidFill>
-                <a:schemeClr val="tx1"/>
-              </a:solidFill>
-            </a:ln>
-          </p:spPr>
-          <p:txBody>
-            <a:bodyPr wrap="none" rtlCol="0">
-              <a:spAutoFit/>
-            </a:bodyPr>
-            <a:p>
-              <a:r>
-                <a:rPr lang="pt-BR" sz="1350" b="1" dirty="0" smtClean="0"/>
-                <a:t>GEO</a:t>
-              </a:r>
-              <a:endParaRPr lang="pt-BR" sz="1350" b="1" dirty="0"/>
-            </a:p>
-          </p:txBody>
-        </p:sp>
-        <p:sp>
-          <p:nvSpPr>
-            <p:cNvPr id="11" name="CaixaDeTexto 10"/>
-            <p:cNvSpPr txBox="1"/>
-            <p:nvPr/>
-          </p:nvSpPr>
-          <p:spPr>
-            <a:xfrm>
-              <a:off x="1353" y="1164"/>
-              <a:ext cx="1186" cy="471"/>
-            </a:xfrm>
-            <a:prstGeom prst="rect">
-              <a:avLst/>
-            </a:prstGeom>
-            <a:noFill/>
-            <a:ln>
-              <a:solidFill>
-                <a:schemeClr val="tx1"/>
-              </a:solidFill>
-            </a:ln>
-          </p:spPr>
-          <p:txBody>
-            <a:bodyPr wrap="none" rtlCol="0">
-              <a:spAutoFit/>
-            </a:bodyPr>
-            <a:p>
-              <a:r>
-                <a:rPr lang="pt-BR" sz="1350" b="1" dirty="0" smtClean="0">
-                  <a:solidFill>
-                    <a:srgbClr val="FF0000"/>
-                  </a:solidFill>
-                </a:rPr>
-                <a:t>A-GEO</a:t>
-              </a:r>
-              <a:r>
-                <a:rPr lang="pt-BR" sz="1350" b="1" baseline="-25000" dirty="0" smtClean="0">
-                  <a:solidFill>
-                    <a:srgbClr val="FF0000"/>
-                  </a:solidFill>
-                </a:rPr>
-                <a:t>1</a:t>
-              </a:r>
-              <a:endParaRPr lang="pt-BR" sz="1350" b="1" baseline="-25000" dirty="0">
-                <a:solidFill>
-                  <a:srgbClr val="FF0000"/>
-                </a:solidFill>
-              </a:endParaRPr>
-            </a:p>
-          </p:txBody>
-        </p:sp>
-        <p:sp>
-          <p:nvSpPr>
-            <p:cNvPr id="12" name="CaixaDeTexto 11"/>
-            <p:cNvSpPr txBox="1"/>
-            <p:nvPr/>
-          </p:nvSpPr>
-          <p:spPr>
-            <a:xfrm>
-              <a:off x="1353" y="1731"/>
-              <a:ext cx="1186" cy="471"/>
-            </a:xfrm>
-            <a:prstGeom prst="rect">
-              <a:avLst/>
-            </a:prstGeom>
-            <a:noFill/>
-            <a:ln>
-              <a:solidFill>
-                <a:schemeClr val="tx1"/>
-              </a:solidFill>
-            </a:ln>
-          </p:spPr>
-          <p:txBody>
-            <a:bodyPr wrap="none" rtlCol="0">
-              <a:spAutoFit/>
-            </a:bodyPr>
-            <a:p>
-              <a:r>
-                <a:rPr lang="pt-BR" sz="1350" b="1" dirty="0" smtClean="0">
-                  <a:solidFill>
-                    <a:schemeClr val="accent3">
-                      <a:lumMod val="75000"/>
-                    </a:schemeClr>
-                  </a:solidFill>
-                </a:rPr>
-                <a:t>A-GEO</a:t>
-              </a:r>
-              <a:r>
-                <a:rPr lang="pt-BR" sz="1350" b="1" baseline="-25000" dirty="0" smtClean="0">
-                  <a:solidFill>
-                    <a:schemeClr val="accent3">
-                      <a:lumMod val="75000"/>
-                    </a:schemeClr>
-                  </a:solidFill>
-                </a:rPr>
-                <a:t>2</a:t>
-              </a:r>
-              <a:endParaRPr lang="pt-BR" sz="1350" b="1" baseline="-25000" dirty="0" smtClean="0">
-                <a:solidFill>
-                  <a:schemeClr val="accent3">
-                    <a:lumMod val="75000"/>
-                  </a:schemeClr>
-                </a:solidFill>
-              </a:endParaRPr>
-            </a:p>
-          </p:txBody>
-        </p:sp>
-        <p:cxnSp>
-          <p:nvCxnSpPr>
-            <p:cNvPr id="15" name="Conector angulado 14"/>
-            <p:cNvCxnSpPr>
-              <a:stCxn id="2" idx="2"/>
-              <a:endCxn id="12" idx="1"/>
-            </p:cNvCxnSpPr>
-            <p:nvPr/>
-          </p:nvCxnSpPr>
-          <p:spPr>
-            <a:xfrm rot="5400000" flipV="1">
-              <a:off x="600" y="1212"/>
-              <a:ext cx="1183" cy="324"/>
-            </a:xfrm>
-            <a:prstGeom prst="bentConnector2">
-              <a:avLst/>
-            </a:prstGeom>
-            <a:ln>
-              <a:solidFill>
-                <a:schemeClr val="tx1"/>
-              </a:solidFill>
-              <a:tailEnd type="arrow"/>
-            </a:ln>
-          </p:spPr>
-          <p:style>
-            <a:lnRef idx="1">
-              <a:schemeClr val="accent1"/>
-            </a:lnRef>
-            <a:fillRef idx="0">
-              <a:schemeClr val="accent1"/>
-            </a:fillRef>
-            <a:effectRef idx="0">
-              <a:schemeClr val="accent1"/>
-            </a:effectRef>
-            <a:fontRef idx="minor">
-              <a:schemeClr val="tx1"/>
-            </a:fontRef>
-          </p:style>
-        </p:cxnSp>
-        <p:cxnSp>
-          <p:nvCxnSpPr>
-            <p:cNvPr id="3" name="Conector angulado 14"/>
-            <p:cNvCxnSpPr>
-              <a:stCxn id="2" idx="2"/>
-              <a:endCxn id="11" idx="1"/>
-            </p:cNvCxnSpPr>
-            <p:nvPr/>
-          </p:nvCxnSpPr>
-          <p:spPr>
-            <a:xfrm rot="5400000" flipV="1">
-              <a:off x="883" y="930"/>
-              <a:ext cx="617" cy="324"/>
-            </a:xfrm>
-            <a:prstGeom prst="bentConnector2">
-              <a:avLst/>
-            </a:prstGeom>
-            <a:ln>
-              <a:solidFill>
-                <a:schemeClr val="tx1"/>
-              </a:solidFill>
-              <a:tailEnd type="arrow"/>
-            </a:ln>
-          </p:spPr>
-          <p:style>
-            <a:lnRef idx="1">
-              <a:schemeClr val="accent1"/>
-            </a:lnRef>
-            <a:fillRef idx="0">
-              <a:schemeClr val="accent1"/>
-            </a:fillRef>
-            <a:effectRef idx="0">
-              <a:schemeClr val="accent1"/>
-            </a:effectRef>
-            <a:fontRef idx="minor">
-              <a:schemeClr val="tx1"/>
-            </a:fontRef>
-          </p:style>
-        </p:cxnSp>
-        <p:sp>
-          <p:nvSpPr>
-            <p:cNvPr id="5" name="CaixaDeTexto 9"/>
-            <p:cNvSpPr txBox="1"/>
-            <p:nvPr/>
-          </p:nvSpPr>
-          <p:spPr>
-            <a:xfrm>
-              <a:off x="4801" y="312"/>
-              <a:ext cx="1214" cy="471"/>
-            </a:xfrm>
-            <a:prstGeom prst="rect">
-              <a:avLst/>
-            </a:prstGeom>
-            <a:noFill/>
-            <a:ln>
-              <a:solidFill>
-                <a:schemeClr val="tx1"/>
-              </a:solidFill>
-            </a:ln>
-          </p:spPr>
-          <p:txBody>
-            <a:bodyPr wrap="none" rtlCol="0">
-              <a:spAutoFit/>
-            </a:bodyPr>
-            <a:p>
-              <a:r>
-                <a:rPr lang="pt-BR" sz="1350" b="1" dirty="0" smtClean="0"/>
-                <a:t>GEO</a:t>
-              </a:r>
-              <a:r>
-                <a:rPr lang="pt-PT" altLang="pt-BR" sz="1350" b="1" dirty="0" smtClean="0"/>
-                <a:t>var</a:t>
-              </a:r>
-              <a:endParaRPr lang="pt-PT" altLang="pt-BR" sz="1350" b="1" dirty="0" smtClean="0"/>
-            </a:p>
-          </p:txBody>
-        </p:sp>
-        <p:sp>
-          <p:nvSpPr>
-            <p:cNvPr id="6" name="CaixaDeTexto 10"/>
-            <p:cNvSpPr txBox="1"/>
-            <p:nvPr/>
-          </p:nvSpPr>
-          <p:spPr>
-            <a:xfrm>
-              <a:off x="3554" y="1164"/>
-              <a:ext cx="1587" cy="471"/>
-            </a:xfrm>
-            <a:prstGeom prst="rect">
-              <a:avLst/>
-            </a:prstGeom>
-            <a:noFill/>
-            <a:ln>
-              <a:solidFill>
-                <a:schemeClr val="tx1"/>
-              </a:solidFill>
-            </a:ln>
-          </p:spPr>
-          <p:txBody>
-            <a:bodyPr wrap="none" rtlCol="0">
-              <a:spAutoFit/>
-            </a:bodyPr>
-            <a:p>
-              <a:r>
-                <a:rPr lang="pt-BR" sz="1350" b="1" dirty="0" smtClean="0">
-                  <a:solidFill>
-                    <a:srgbClr val="FF0000"/>
-                  </a:solidFill>
-                </a:rPr>
-                <a:t>A-GEO</a:t>
-              </a:r>
-              <a:r>
-                <a:rPr lang="pt-BR" sz="1350" b="1" baseline="-25000" dirty="0" smtClean="0">
-                  <a:solidFill>
-                    <a:srgbClr val="FF0000"/>
-                  </a:solidFill>
-                </a:rPr>
-                <a:t>1</a:t>
-              </a:r>
-              <a:r>
-                <a:rPr lang="pt-PT" altLang="pt-BR" sz="1350" b="1" dirty="0" smtClean="0">
-                  <a:solidFill>
-                    <a:srgbClr val="FF0000"/>
-                  </a:solidFill>
-                </a:rPr>
-                <a:t>var</a:t>
-              </a:r>
-              <a:endParaRPr lang="pt-PT" altLang="pt-BR" sz="1350" b="1" dirty="0" smtClean="0">
-                <a:solidFill>
-                  <a:srgbClr val="FF0000"/>
-                </a:solidFill>
-              </a:endParaRPr>
-            </a:p>
-          </p:txBody>
-        </p:sp>
-        <p:sp>
-          <p:nvSpPr>
-            <p:cNvPr id="7" name="CaixaDeTexto 11"/>
-            <p:cNvSpPr txBox="1"/>
-            <p:nvPr/>
-          </p:nvSpPr>
-          <p:spPr>
-            <a:xfrm>
-              <a:off x="3554" y="1731"/>
-              <a:ext cx="1587" cy="471"/>
-            </a:xfrm>
-            <a:prstGeom prst="rect">
-              <a:avLst/>
-            </a:prstGeom>
-            <a:noFill/>
-            <a:ln>
-              <a:solidFill>
-                <a:schemeClr val="tx1"/>
-              </a:solidFill>
-            </a:ln>
-          </p:spPr>
-          <p:txBody>
-            <a:bodyPr wrap="none" rtlCol="0">
-              <a:spAutoFit/>
-            </a:bodyPr>
-            <a:p>
-              <a:r>
-                <a:rPr lang="pt-BR" sz="1350" b="1" dirty="0" smtClean="0">
-                  <a:solidFill>
-                    <a:schemeClr val="accent3">
-                      <a:lumMod val="75000"/>
-                    </a:schemeClr>
-                  </a:solidFill>
-                </a:rPr>
-                <a:t>A-GEO</a:t>
-              </a:r>
-              <a:r>
-                <a:rPr lang="pt-BR" sz="1350" b="1" baseline="-25000" dirty="0" smtClean="0">
-                  <a:solidFill>
-                    <a:schemeClr val="accent3">
-                      <a:lumMod val="75000"/>
-                    </a:schemeClr>
-                  </a:solidFill>
-                </a:rPr>
-                <a:t>2</a:t>
-              </a:r>
-              <a:r>
-                <a:rPr lang="pt-PT" altLang="pt-BR" sz="1350" b="1" dirty="0" smtClean="0">
-                  <a:solidFill>
-                    <a:schemeClr val="accent3">
-                      <a:lumMod val="75000"/>
-                    </a:schemeClr>
-                  </a:solidFill>
-                </a:rPr>
-                <a:t>var</a:t>
-              </a:r>
-              <a:endParaRPr lang="pt-PT" altLang="pt-BR" sz="1350" b="1" dirty="0" smtClean="0">
-                <a:solidFill>
-                  <a:schemeClr val="accent3">
-                    <a:lumMod val="75000"/>
-                  </a:schemeClr>
-                </a:solidFill>
-              </a:endParaRPr>
-            </a:p>
-          </p:txBody>
-        </p:sp>
-        <p:cxnSp>
-          <p:nvCxnSpPr>
-            <p:cNvPr id="8" name="Conector angulado 14"/>
-            <p:cNvCxnSpPr>
-              <a:stCxn id="5" idx="2"/>
-              <a:endCxn id="7" idx="3"/>
-            </p:cNvCxnSpPr>
-            <p:nvPr/>
-          </p:nvCxnSpPr>
-          <p:spPr>
-            <a:xfrm rot="5400000">
-              <a:off x="4683" y="1242"/>
-              <a:ext cx="1184" cy="267"/>
-            </a:xfrm>
-            <a:prstGeom prst="bentConnector2">
-              <a:avLst/>
-            </a:prstGeom>
-            <a:ln>
-              <a:solidFill>
-                <a:schemeClr val="tx1"/>
-              </a:solidFill>
-              <a:tailEnd type="arrow"/>
-            </a:ln>
-          </p:spPr>
-          <p:style>
-            <a:lnRef idx="1">
-              <a:schemeClr val="accent1"/>
-            </a:lnRef>
-            <a:fillRef idx="0">
-              <a:schemeClr val="accent1"/>
-            </a:fillRef>
-            <a:effectRef idx="0">
-              <a:schemeClr val="accent1"/>
-            </a:effectRef>
-            <a:fontRef idx="minor">
-              <a:schemeClr val="tx1"/>
-            </a:fontRef>
-          </p:style>
-        </p:cxnSp>
-        <p:cxnSp>
-          <p:nvCxnSpPr>
-            <p:cNvPr id="9" name="Conector angulado 14"/>
-            <p:cNvCxnSpPr>
-              <a:stCxn id="5" idx="2"/>
-              <a:endCxn id="6" idx="3"/>
-            </p:cNvCxnSpPr>
-            <p:nvPr/>
-          </p:nvCxnSpPr>
-          <p:spPr>
-            <a:xfrm rot="5400000">
-              <a:off x="4966" y="957"/>
-              <a:ext cx="616" cy="267"/>
-            </a:xfrm>
-            <a:prstGeom prst="bentConnector2">
-              <a:avLst/>
-            </a:prstGeom>
-            <a:ln>
-              <a:solidFill>
-                <a:schemeClr val="tx1"/>
-              </a:solidFill>
-              <a:tailEnd type="arrow"/>
-            </a:ln>
-          </p:spPr>
-          <p:style>
-            <a:lnRef idx="1">
-              <a:schemeClr val="accent1"/>
-            </a:lnRef>
-            <a:fillRef idx="0">
-              <a:schemeClr val="accent1"/>
-            </a:fillRef>
-            <a:effectRef idx="0">
-              <a:schemeClr val="accent1"/>
-            </a:effectRef>
-            <a:fontRef idx="minor">
-              <a:schemeClr val="tx1"/>
-            </a:fontRef>
-          </p:style>
-        </p:cxnSp>
-        <p:sp>
-          <p:nvSpPr>
-            <p:cNvPr id="13" name="CaixaDeTexto 10"/>
-            <p:cNvSpPr txBox="1"/>
-            <p:nvPr/>
-          </p:nvSpPr>
-          <p:spPr>
-            <a:xfrm>
-              <a:off x="2306" y="2412"/>
-              <a:ext cx="1587" cy="471"/>
-            </a:xfrm>
-            <a:prstGeom prst="rect">
-              <a:avLst/>
-            </a:prstGeom>
-            <a:noFill/>
-            <a:ln>
-              <a:solidFill>
-                <a:schemeClr val="tx1"/>
-              </a:solidFill>
-            </a:ln>
-          </p:spPr>
-          <p:txBody>
-            <a:bodyPr wrap="none" rtlCol="0">
-              <a:spAutoFit/>
-            </a:bodyPr>
-            <a:p>
-              <a:r>
-                <a:rPr lang="pt-BR" sz="1350" b="1" dirty="0" smtClean="0">
-                  <a:solidFill>
-                    <a:schemeClr val="accent3">
-                      <a:lumMod val="75000"/>
-                    </a:schemeClr>
-                  </a:solidFill>
-                </a:rPr>
-                <a:t>A-GEO</a:t>
-              </a:r>
-              <a:r>
-                <a:rPr lang="pt-PT" altLang="pt-BR" sz="1350" b="1" baseline="-25000" dirty="0" smtClean="0">
-                  <a:solidFill>
-                    <a:schemeClr val="accent3">
-                      <a:lumMod val="75000"/>
-                    </a:schemeClr>
-                  </a:solidFill>
-                </a:rPr>
-                <a:t>2</a:t>
-              </a:r>
-              <a:r>
-                <a:rPr lang="pt-PT" altLang="pt-BR" sz="1350" b="1" dirty="0" smtClean="0">
-                  <a:solidFill>
-                    <a:schemeClr val="accent3">
-                      <a:lumMod val="75000"/>
-                    </a:schemeClr>
-                  </a:solidFill>
-                </a:rPr>
-                <a:t>var</a:t>
-              </a:r>
-              <a:endParaRPr lang="pt-PT" altLang="pt-BR" sz="1350" b="1" dirty="0" smtClean="0">
-                <a:solidFill>
-                  <a:schemeClr val="accent3">
-                    <a:lumMod val="75000"/>
-                  </a:schemeClr>
-                </a:solidFill>
-              </a:endParaRPr>
-            </a:p>
-          </p:txBody>
-        </p:sp>
-        <p:cxnSp>
-          <p:nvCxnSpPr>
-            <p:cNvPr id="14" name="Conector angulado 14"/>
-            <p:cNvCxnSpPr>
-              <a:stCxn id="12" idx="3"/>
-              <a:endCxn id="13" idx="0"/>
-            </p:cNvCxnSpPr>
-            <p:nvPr/>
-          </p:nvCxnSpPr>
-          <p:spPr>
-            <a:xfrm>
-              <a:off x="2539" y="1967"/>
-              <a:ext cx="561" cy="445"/>
-            </a:xfrm>
-            <a:prstGeom prst="bentConnector2">
-              <a:avLst/>
-            </a:prstGeom>
-            <a:ln>
-              <a:solidFill>
-                <a:schemeClr val="tx1"/>
-              </a:solidFill>
-              <a:tailEnd type="arrow"/>
-            </a:ln>
-          </p:spPr>
-          <p:style>
-            <a:lnRef idx="1">
-              <a:schemeClr val="accent1"/>
-            </a:lnRef>
-            <a:fillRef idx="0">
-              <a:schemeClr val="accent1"/>
-            </a:fillRef>
-            <a:effectRef idx="0">
-              <a:schemeClr val="accent1"/>
-            </a:effectRef>
-            <a:fontRef idx="minor">
-              <a:schemeClr val="tx1"/>
-            </a:fontRef>
-          </p:style>
-        </p:cxnSp>
-        <p:cxnSp>
-          <p:nvCxnSpPr>
-            <p:cNvPr id="19" name="Conector angulado 14"/>
-            <p:cNvCxnSpPr>
-              <a:stCxn id="7" idx="1"/>
-              <a:endCxn id="13" idx="0"/>
-            </p:cNvCxnSpPr>
-            <p:nvPr/>
-          </p:nvCxnSpPr>
-          <p:spPr>
-            <a:xfrm rot="10800000" flipV="1">
-              <a:off x="3100" y="1967"/>
-              <a:ext cx="454" cy="445"/>
-            </a:xfrm>
-            <a:prstGeom prst="bentConnector2">
-              <a:avLst/>
-            </a:prstGeom>
-            <a:ln>
-              <a:solidFill>
-                <a:schemeClr val="tx1"/>
-              </a:solidFill>
-              <a:tailEnd type="arrow"/>
-            </a:ln>
-          </p:spPr>
-          <p:style>
-            <a:lnRef idx="1">
-              <a:schemeClr val="accent1"/>
-            </a:lnRef>
-            <a:fillRef idx="0">
-              <a:schemeClr val="accent1"/>
-            </a:fillRef>
-            <a:effectRef idx="0">
-              <a:schemeClr val="accent1"/>
-            </a:effectRef>
-            <a:fontRef idx="minor">
-              <a:schemeClr val="tx1"/>
-            </a:fontRef>
-          </p:style>
-        </p:cxnSp>
-        <p:sp>
-          <p:nvSpPr>
-            <p:cNvPr id="24" name="Rectangles 23"/>
-            <p:cNvSpPr/>
-            <p:nvPr/>
-          </p:nvSpPr>
-          <p:spPr>
-            <a:xfrm>
-              <a:off x="282" y="85"/>
-              <a:ext cx="6010" cy="3061"/>
-            </a:xfrm>
-            <a:prstGeom prst="rect">
-              <a:avLst/>
-            </a:prstGeom>
-            <a:noFill/>
-            <a:ln w="28575">
-              <a:solidFill>
-                <a:srgbClr val="0070C0"/>
-              </a:solidFill>
-              <a:prstDash val="dash"/>
-            </a:ln>
-            <a:extLst>
-              <a:ext uri="{909E8E84-426E-40DD-AFC4-6F175D3DCCD1}">
-                <a14:hiddenFill xmlns:a14="http://schemas.microsoft.com/office/drawing/2010/main">
-                  <a:solidFill>
-                    <a:schemeClr val="accent1"/>
-                  </a:solidFill>
-                </a14:hiddenFill>
-              </a:ext>
-            </a:extLst>
-          </p:spPr>
-          <p:style>
-            <a:lnRef idx="2">
-              <a:schemeClr val="accent1">
-                <a:shade val="50000"/>
-              </a:schemeClr>
-            </a:lnRef>
-            <a:fillRef idx="1">
-              <a:schemeClr val="accent1"/>
-            </a:fillRef>
-            <a:effectRef idx="0">
-              <a:schemeClr val="accent1"/>
-            </a:effectRef>
-            <a:fontRef idx="minor">
-              <a:schemeClr val="lt1"/>
-            </a:fontRef>
-          </p:style>
-          <p:txBody>
-            <a:bodyPr rtlCol="0" anchor="ctr"/>
-            <a:p>
-              <a:pPr algn="ctr"/>
-              <a:endParaRPr lang="en-US"/>
-            </a:p>
-          </p:txBody>
-        </p:sp>
-      </p:grpSp>
-      <p:sp>
-        <p:nvSpPr>
-          <p:cNvPr id="16" name="Text Box 15"/>
-          <p:cNvSpPr txBox="1"/>
-          <p:nvPr/>
-        </p:nvSpPr>
-        <p:spPr>
-          <a:xfrm>
-            <a:off x="4932045" y="2449830"/>
-            <a:ext cx="3649345" cy="1706880"/>
-          </a:xfrm>
-          <a:prstGeom prst="rect">
-            <a:avLst/>
-          </a:prstGeom>
-          <a:noFill/>
-        </p:spPr>
-        <p:txBody>
-          <a:bodyPr wrap="square" rtlCol="0">
-            <a:spAutoFit/>
-          </a:bodyPr>
-          <a:p>
-            <a:pPr indent="0" algn="l" fontAlgn="auto">
+            <a:pPr marL="171450" indent="-171450" algn="l" fontAlgn="auto">
               <a:lnSpc>
-                <a:spcPct val="150000"/>
+                <a:spcPct val="200000"/>
               </a:lnSpc>
               <a:spcAft>
                 <a:spcPts val="0"/>
               </a:spcAft>
               <a:buFont typeface="Arial" panose="020B0604020202020204" pitchFamily="34" charset="0"/>
-              <a:buNone/>
+              <a:buChar char="•"/>
             </a:pPr>
             <a:r>
-              <a:rPr lang="pt-PT" sz="1400" b="1">
+              <a:rPr lang="pt-PT" altLang="en-US" sz="1200" b="1">
+                <a:solidFill>
+                  <a:schemeClr val="tx1"/>
+                </a:solidFill>
                 <a:sym typeface="+mn-ea"/>
               </a:rPr>
-              <a:t>Essas são conclusões foram feitas em FEV/21 e publicadas no CSBC. Porém, um erro foi encontrado na implementação e novas conclusões foram geradas, que serão apresentadas nos próximos slides.</a:t>
+              <a:t>Essa estagnação está ocorrendo porque a condição “if (CoI == 0) não está sendo atingida.</a:t>
             </a:r>
-            <a:endParaRPr lang="pt-PT" sz="1400" b="1">
+            <a:endParaRPr lang="pt-PT" altLang="en-US" sz="1200" b="1">
               <a:solidFill>
-                <a:schemeClr val="accent1">
-                  <a:lumMod val="75000"/>
-                </a:schemeClr>
+                <a:schemeClr val="tx1"/>
+              </a:solidFill>
+              <a:sym typeface="+mn-ea"/>
+            </a:endParaRPr>
+          </a:p>
+          <a:p>
+            <a:pPr marL="628650" lvl="1" indent="-171450" algn="l" fontAlgn="auto">
+              <a:lnSpc>
+                <a:spcPct val="200000"/>
+              </a:lnSpc>
+              <a:spcAft>
+                <a:spcPts val="0"/>
+              </a:spcAft>
+              <a:buFont typeface="Arial" panose="020B0604020202020204" pitchFamily="34" charset="0"/>
+              <a:buChar char="•"/>
+            </a:pPr>
+            <a:r>
+              <a:rPr lang="pt-PT" altLang="en-US" sz="1200">
+                <a:solidFill>
+                  <a:schemeClr val="tx1"/>
+                </a:solidFill>
+                <a:sym typeface="+mn-ea"/>
+              </a:rPr>
+              <a:t>Pra testar o código: Se essa condição não está sendo atingida, o tau está muito determinístico, correto? Então o GEOvar com um tau muito alto tem que ter o mesmo desempenho, correto? Pra testar, eu executei o GEOvar com tau=20 e as curvas foram iguais a essas, com o melhor f(x) não melhorando. </a:t>
+            </a:r>
+            <a:endParaRPr lang="pt-PT" altLang="en-US" sz="1200" b="1">
+              <a:solidFill>
+                <a:schemeClr val="tx1"/>
+              </a:solidFill>
+              <a:sym typeface="+mn-ea"/>
+            </a:endParaRPr>
+          </a:p>
+          <a:p>
+            <a:pPr marL="628650" lvl="1" indent="-171450" algn="l" fontAlgn="auto">
+              <a:lnSpc>
+                <a:spcPct val="200000"/>
+              </a:lnSpc>
+              <a:spcAft>
+                <a:spcPts val="0"/>
+              </a:spcAft>
+              <a:buFont typeface="Arial" panose="020B0604020202020204" pitchFamily="34" charset="0"/>
+              <a:buChar char="•"/>
+            </a:pPr>
+            <a:endParaRPr lang="pt-PT" altLang="en-US" sz="1200" b="1">
+              <a:solidFill>
+                <a:schemeClr val="tx1"/>
+              </a:solidFill>
+              <a:sym typeface="+mn-ea"/>
+            </a:endParaRPr>
+          </a:p>
+          <a:p>
+            <a:pPr marL="171450" indent="-171450" algn="l" fontAlgn="auto">
+              <a:lnSpc>
+                <a:spcPct val="200000"/>
+              </a:lnSpc>
+              <a:spcAft>
+                <a:spcPts val="0"/>
+              </a:spcAft>
+              <a:buFont typeface="Arial" panose="020B0604020202020204" pitchFamily="34" charset="0"/>
+              <a:buChar char="•"/>
+            </a:pPr>
+            <a:r>
+              <a:rPr lang="pt-PT" altLang="en-US" sz="1200" b="1">
+                <a:solidFill>
+                  <a:schemeClr val="tx1"/>
+                </a:solidFill>
+                <a:sym typeface="+mn-ea"/>
+              </a:rPr>
+              <a:t>Talvez o ponto chave seja: </a:t>
+            </a:r>
+            <a:endParaRPr lang="pt-PT" altLang="en-US" sz="1200" b="1">
+              <a:solidFill>
+                <a:schemeClr val="tx1"/>
+              </a:solidFill>
+              <a:sym typeface="+mn-ea"/>
+            </a:endParaRPr>
+          </a:p>
+          <a:p>
+            <a:pPr marL="628650" lvl="1" indent="-171450" algn="l" fontAlgn="auto">
+              <a:lnSpc>
+                <a:spcPct val="200000"/>
+              </a:lnSpc>
+              <a:spcAft>
+                <a:spcPts val="0"/>
+              </a:spcAft>
+              <a:buFont typeface="Arial" panose="020B0604020202020204" pitchFamily="34" charset="0"/>
+              <a:buChar char="•"/>
+            </a:pPr>
+            <a:r>
+              <a:rPr lang="pt-PT" altLang="en-US" sz="1200" b="1">
+                <a:solidFill>
+                  <a:schemeClr val="tx1"/>
+                </a:solidFill>
+                <a:sym typeface="+mn-ea"/>
+              </a:rPr>
+              <a:t>No A-GEOvar, o f(x) da população atual é calculado após aceitar uma mutação por variável, então mesmo se o tau fosse bem determinístico, esse novo f(x) da popuação atual nem sempre é o menor como acontece no A-GEO2.</a:t>
+            </a:r>
+            <a:endParaRPr lang="pt-PT" altLang="en-US" sz="1200">
+              <a:solidFill>
+                <a:schemeClr val="tx1"/>
               </a:solidFill>
               <a:sym typeface="+mn-ea"/>
             </a:endParaRPr>
@@ -5697,28 +5003,28 @@
       </p:sp>
       <p:grpSp>
         <p:nvGrpSpPr>
-          <p:cNvPr id="17" name="Group 16"/>
+          <p:cNvPr id="2" name="Group 1"/>
           <p:cNvGrpSpPr/>
           <p:nvPr/>
         </p:nvGrpSpPr>
         <p:grpSpPr>
           <a:xfrm>
             <a:off x="467360" y="269875"/>
-            <a:ext cx="6287135" cy="431800"/>
+            <a:ext cx="6638290" cy="431800"/>
             <a:chOff x="736" y="425"/>
-            <a:chExt cx="9901" cy="680"/>
+            <a:chExt cx="10454" cy="680"/>
           </a:xfrm>
         </p:grpSpPr>
         <p:sp>
           <p:nvSpPr>
-            <p:cNvPr id="18" name="Text Box 17"/>
+            <p:cNvPr id="3" name="Text Box 2"/>
             <p:cNvSpPr txBox="1"/>
             <p:nvPr/>
           </p:nvSpPr>
           <p:spPr>
             <a:xfrm>
               <a:off x="736" y="425"/>
-              <a:ext cx="9901" cy="531"/>
+              <a:ext cx="10454" cy="531"/>
             </a:xfrm>
             <a:prstGeom prst="rect">
               <a:avLst/>
@@ -5735,7 +5041,13 @@
                 <a:rPr lang="pt-PT" altLang="en-US" sz="1600">
                   <a:sym typeface="+mn-ea"/>
                 </a:rPr>
-                <a:t>3.1 Implementação das versões A-GEO e A-GEOvar (fev/21)</a:t>
+                <a:t>3.2 Correção das implementações </a:t>
+              </a:r>
+              <a:r>
+                <a:rPr lang="pt-PT" altLang="en-US" sz="1600">
+                  <a:sym typeface="+mn-ea"/>
+                </a:rPr>
+                <a:t>A-GEO e A-GEOvar (nov/21)</a:t>
               </a:r>
               <a:endParaRPr lang="pt-PT" altLang="en-US" sz="1600">
                 <a:sym typeface="+mn-ea"/>
@@ -5745,7 +5057,7 @@
         </p:sp>
         <p:cxnSp>
           <p:nvCxnSpPr>
-            <p:cNvPr id="20" name="Straight Connector 19"/>
+            <p:cNvPr id="5" name="Straight Connector 4"/>
             <p:cNvCxnSpPr/>
             <p:nvPr/>
           </p:nvCxnSpPr>
@@ -5807,8 +5119,8 @@
         </p:nvSpPr>
         <p:spPr>
           <a:xfrm>
-            <a:off x="683260" y="989965"/>
-            <a:ext cx="7848600" cy="3907790"/>
+            <a:off x="600075" y="1421765"/>
+            <a:ext cx="7943850" cy="2768600"/>
           </a:xfrm>
           <a:prstGeom prst="rect">
             <a:avLst/>
@@ -5820,9 +5132,9 @@
             <a:spAutoFit/>
           </a:bodyPr>
           <a:p>
-            <a:pPr indent="0" algn="l" fontAlgn="auto">
+            <a:pPr marL="171450" indent="0" algn="l" fontAlgn="auto">
               <a:lnSpc>
-                <a:spcPct val="100000"/>
+                <a:spcPct val="200000"/>
               </a:lnSpc>
               <a:spcAft>
                 <a:spcPts val="1200"/>
@@ -5832,24 +5144,42 @@
             </a:pPr>
             <a:r>
               <a:rPr lang="pt-PT" altLang="en-US" sz="1200" b="1">
+                <a:solidFill>
+                  <a:schemeClr val="tx1"/>
+                </a:solidFill>
                 <a:sym typeface="+mn-ea"/>
               </a:rPr>
-              <a:t>1) </a:t>
+              <a:t>Diferença do mecanismo adaptativo no A-GEO2 e A-GEO2var:</a:t>
             </a:r>
-            <a:r>
-              <a:rPr lang="pt-PT" altLang="en-US" sz="1200">
-                <a:sym typeface="+mn-ea"/>
-              </a:rPr>
-              <a:t>População binária vinha sendo passada por referência (modificada dentro do algoritmo) e o próximo algoritmo perdia a população gerada originalmente.</a:t>
-            </a:r>
+            <a:endParaRPr lang="pt-PT" altLang="en-US" sz="1200" b="1">
+              <a:solidFill>
+                <a:schemeClr val="tx1"/>
+              </a:solidFill>
+              <a:sym typeface="+mn-ea"/>
+            </a:endParaRPr>
+          </a:p>
+          <a:p>
+            <a:pPr marL="171450" indent="0" algn="l" fontAlgn="auto">
+              <a:lnSpc>
+                <a:spcPct val="200000"/>
+              </a:lnSpc>
+              <a:spcAft>
+                <a:spcPts val="1200"/>
+              </a:spcAft>
+              <a:buFont typeface="Arial" panose="020B0604020202020204" pitchFamily="34" charset="0"/>
+              <a:buNone/>
+            </a:pPr>
             <a:endParaRPr lang="pt-PT" altLang="en-US" sz="1200">
+              <a:solidFill>
+                <a:schemeClr val="tx1"/>
+              </a:solidFill>
               <a:sym typeface="+mn-ea"/>
             </a:endParaRPr>
           </a:p>
           <a:p>
             <a:pPr marL="628650" lvl="1" indent="-171450" algn="l" fontAlgn="auto">
               <a:lnSpc>
-                <a:spcPct val="100000"/>
+                <a:spcPct val="200000"/>
               </a:lnSpc>
               <a:spcAft>
                 <a:spcPts val="1200"/>
@@ -5858,109 +5188,43 @@
               <a:buChar char="•"/>
             </a:pPr>
             <a:r>
-              <a:rPr lang="pt-PT" altLang="en-US" sz="1200">
+              <a:rPr lang="pt-PT" altLang="en-US" sz="1200" b="1">
+                <a:solidFill>
+                  <a:schemeClr val="tx1"/>
+                </a:solidFill>
                 <a:sym typeface="+mn-ea"/>
               </a:rPr>
-              <a:t>As curvas partiam de pontos diferentes e com o conserto passaram a sair todas do mesmo ponto.</a:t>
-            </a:r>
-            <a:endParaRPr lang="pt-PT" altLang="en-US" sz="1200">
-              <a:sym typeface="+mn-ea"/>
-            </a:endParaRPr>
-          </a:p>
-          <a:p>
-            <a:pPr marL="171450" indent="-171450" algn="l" fontAlgn="auto">
-              <a:lnSpc>
-                <a:spcPct val="100000"/>
-              </a:lnSpc>
-              <a:spcAft>
-                <a:spcPts val="1200"/>
-              </a:spcAft>
-              <a:buFont typeface="Arial" panose="020B0604020202020204" pitchFamily="34" charset="0"/>
-              <a:buNone/>
-            </a:pPr>
-            <a:r>
-              <a:rPr lang="pt-PT" altLang="en-US" sz="1200" b="1">
-                <a:sym typeface="+mn-ea"/>
-              </a:rPr>
-              <a:t>2) </a:t>
+              <a:t>A-GEO2: </a:t>
             </a:r>
             <a:r>
               <a:rPr lang="pt-PT" altLang="en-US" sz="1200">
+                <a:solidFill>
+                  <a:schemeClr val="tx1"/>
+                </a:solidFill>
                 <a:sym typeface="+mn-ea"/>
               </a:rPr>
-              <a:t>CoI</a:t>
+              <a:t>Escolhe uma perturbação para ser aceita</a:t>
             </a:r>
             <a:r>
-              <a:rPr lang="pt-PT" altLang="en-US" sz="1200" baseline="-25000">
+              <a:rPr lang="pt-PT" altLang="en-US" sz="1200" b="1">
+                <a:solidFill>
+                  <a:schemeClr val="tx1"/>
+                </a:solidFill>
                 <a:sym typeface="+mn-ea"/>
               </a:rPr>
-              <a:t>i-1</a:t>
+              <a:t>, já se sabe o f(x) que vai resultar quando escolhe.</a:t>
             </a:r>
-            <a:r>
-              <a:rPr lang="pt-PT" altLang="en-US" sz="1200">
-                <a:sym typeface="+mn-ea"/>
-              </a:rPr>
-              <a:t> vinha sendo atualizado antes do cálculo do tau. Apesar do erro no código, os resultados continuaram iguais porque continuava entrando em “if(CoI</a:t>
-            </a:r>
-            <a:r>
-              <a:rPr lang="pt-PT" altLang="en-US" sz="1200" baseline="-25000">
-                <a:sym typeface="+mn-ea"/>
-              </a:rPr>
-              <a:t>i</a:t>
-            </a:r>
-            <a:r>
-              <a:rPr lang="pt-PT" altLang="en-US" sz="1200">
-                <a:sym typeface="+mn-ea"/>
-              </a:rPr>
-              <a:t>&lt;=CoI</a:t>
-            </a:r>
-            <a:r>
-              <a:rPr lang="pt-PT" altLang="en-US" sz="1200" baseline="-25000">
-                <a:sym typeface="+mn-ea"/>
-              </a:rPr>
-              <a:t>i-1</a:t>
-            </a:r>
-            <a:r>
-              <a:rPr lang="pt-PT" altLang="en-US" sz="1200">
-                <a:sym typeface="+mn-ea"/>
-              </a:rPr>
-              <a:t>)” a não ser que entrasse em “if(CoI==0)”. </a:t>
-            </a:r>
-            <a:endParaRPr lang="pt-PT" altLang="en-US" sz="1200">
-              <a:sym typeface="+mn-ea"/>
-            </a:endParaRPr>
-          </a:p>
-          <a:p>
-            <a:pPr indent="0" algn="l" fontAlgn="auto">
-              <a:lnSpc>
-                <a:spcPct val="100000"/>
-              </a:lnSpc>
-              <a:spcAft>
-                <a:spcPts val="1200"/>
-              </a:spcAft>
-              <a:buFont typeface="Arial" panose="020B0604020202020204" pitchFamily="34" charset="0"/>
-              <a:buNone/>
-            </a:pPr>
-            <a:r>
-              <a:rPr lang="pt-PT" altLang="en-US" sz="1200" b="1">
-                <a:sym typeface="+mn-ea"/>
-              </a:rPr>
-              <a:t>3) </a:t>
-            </a:r>
-            <a:r>
-              <a:rPr lang="pt-PT" altLang="en-US" sz="1200">
-                <a:sym typeface="+mn-ea"/>
-              </a:rPr>
-              <a:t>No A-GEOvar, após confirmar um flip de bit por variável, não era feito o cálculo da população atual pra atualizar, então o o f(x) atual permanecia sempre o mesmo. </a:t>
-            </a:r>
-            <a:endParaRPr lang="pt-PT" altLang="en-US" sz="1200">
+            <a:endParaRPr lang="pt-PT" altLang="en-US" sz="1200" b="1">
+              <a:solidFill>
+                <a:schemeClr val="tx1"/>
+              </a:solidFill>
               <a:sym typeface="+mn-ea"/>
             </a:endParaRPr>
           </a:p>
           <a:p>
             <a:pPr marL="628650" lvl="1" indent="-171450" algn="l" fontAlgn="auto">
               <a:lnSpc>
-                <a:spcPct val="100000"/>
+                <a:spcPct val="200000"/>
               </a:lnSpc>
               <a:spcAft>
                 <a:spcPts val="1200"/>
@@ -5969,96 +5233,53 @@
               <a:buChar char="•"/>
             </a:pPr>
             <a:r>
-              <a:rPr lang="pt-PT" altLang="en-US" sz="1200">
+              <a:rPr lang="pt-PT" altLang="en-US" sz="1200" b="1">
+                <a:solidFill>
+                  <a:schemeClr val="tx1"/>
+                </a:solidFill>
                 <a:sym typeface="+mn-ea"/>
               </a:rPr>
-              <a:t>Após essa correção, os resultados finais melhoraram muito.</a:t>
+              <a:t>A-GEO2var</a:t>
             </a:r>
-            <a:endParaRPr lang="pt-PT" altLang="en-US" sz="1200">
-              <a:sym typeface="+mn-ea"/>
-            </a:endParaRPr>
-          </a:p>
-          <a:p>
-            <a:pPr indent="0" algn="l" fontAlgn="auto">
-              <a:lnSpc>
-                <a:spcPct val="100000"/>
-              </a:lnSpc>
-              <a:spcAft>
-                <a:spcPts val="1200"/>
-              </a:spcAft>
-              <a:buFont typeface="Arial" panose="020B0604020202020204" pitchFamily="34" charset="0"/>
-              <a:buNone/>
-            </a:pPr>
-            <a:endParaRPr lang="pt-PT" altLang="en-US" sz="1200" b="1">
-              <a:sym typeface="+mn-ea"/>
-            </a:endParaRPr>
-          </a:p>
-          <a:p>
-            <a:pPr indent="0" algn="l" fontAlgn="auto">
-              <a:lnSpc>
-                <a:spcPct val="100000"/>
-              </a:lnSpc>
-              <a:spcAft>
-                <a:spcPts val="1200"/>
-              </a:spcAft>
-              <a:buFont typeface="Arial" panose="020B0604020202020204" pitchFamily="34" charset="0"/>
-              <a:buNone/>
-            </a:pPr>
+            <a:r>
+              <a:rPr lang="pt-PT" altLang="en-US" sz="1200">
+                <a:solidFill>
+                  <a:schemeClr val="tx1"/>
+                </a:solidFill>
+                <a:sym typeface="+mn-ea"/>
+              </a:rPr>
+              <a:t>: Escolhe uma perturbação por variável e </a:t>
+            </a:r>
             <a:r>
               <a:rPr lang="pt-PT" altLang="en-US" sz="1200" b="1">
+                <a:solidFill>
+                  <a:schemeClr val="tx1"/>
+                </a:solidFill>
                 <a:sym typeface="+mn-ea"/>
               </a:rPr>
-              <a:t>Após essas modificações, as curvas passaram a fazer sentido (curvas partem do mesmo ponto e vão melhorando sempre, não ficando retas horizontais).</a:t>
+              <a:t>no fim calcula o f(x) da população atual</a:t>
             </a:r>
-            <a:endParaRPr lang="pt-PT" altLang="en-US" sz="1200" b="1">
-              <a:sym typeface="+mn-ea"/>
-            </a:endParaRPr>
-          </a:p>
-          <a:p>
-            <a:pPr indent="0" algn="l" fontAlgn="auto">
-              <a:lnSpc>
-                <a:spcPct val="100000"/>
-              </a:lnSpc>
-              <a:spcAft>
-                <a:spcPts val="1200"/>
-              </a:spcAft>
-              <a:buFont typeface="Arial" panose="020B0604020202020204" pitchFamily="34" charset="0"/>
-              <a:buNone/>
-            </a:pPr>
-            <a:endParaRPr lang="pt-PT" altLang="en-US" sz="1200" b="1">
-              <a:sym typeface="+mn-ea"/>
-            </a:endParaRPr>
-          </a:p>
-          <a:p>
-            <a:pPr indent="0" algn="l" fontAlgn="auto">
-              <a:lnSpc>
-                <a:spcPct val="100000"/>
-              </a:lnSpc>
-              <a:spcAft>
-                <a:spcPts val="1200"/>
-              </a:spcAft>
-              <a:buFont typeface="Arial" panose="020B0604020202020204" pitchFamily="34" charset="0"/>
-              <a:buNone/>
-            </a:pPr>
             <a:r>
-              <a:rPr lang="pt-PT" altLang="en-US" sz="1200" b="1">
+              <a:rPr lang="pt-PT" altLang="en-US" sz="1200">
+                <a:solidFill>
+                  <a:schemeClr val="tx1"/>
+                </a:solidFill>
                 <a:sym typeface="+mn-ea"/>
               </a:rPr>
-              <a:t>Esses problemas só aconteciam nas versões binárias, então não afetam todos os resultados das versões com codificação real.</a:t>
+              <a:t>, que pode ser bem alto, fazendo com que sempre haja pelo menos uma nova solução melhor e CoI nunca seja 0</a:t>
             </a:r>
             <a:endParaRPr lang="pt-PT" altLang="en-US" sz="1200">
               <a:solidFill>
-                <a:schemeClr val="accent1">
-                  <a:lumMod val="75000"/>
-                </a:schemeClr>
+                <a:schemeClr val="tx1"/>
               </a:solidFill>
+              <a:sym typeface="+mn-ea"/>
             </a:endParaRPr>
           </a:p>
         </p:txBody>
       </p:sp>
       <p:grpSp>
         <p:nvGrpSpPr>
-          <p:cNvPr id="17" name="Group 16"/>
+          <p:cNvPr id="2" name="Group 1"/>
           <p:cNvGrpSpPr/>
           <p:nvPr/>
         </p:nvGrpSpPr>
@@ -6072,7 +5293,7 @@
         </p:grpSpPr>
         <p:sp>
           <p:nvSpPr>
-            <p:cNvPr id="18" name="Text Box 17"/>
+            <p:cNvPr id="3" name="Text Box 2"/>
             <p:cNvSpPr txBox="1"/>
             <p:nvPr/>
           </p:nvSpPr>
@@ -6112,7 +5333,7 @@
         </p:sp>
         <p:cxnSp>
           <p:nvCxnSpPr>
-            <p:cNvPr id="20" name="Straight Connector 19"/>
+            <p:cNvPr id="5" name="Straight Connector 4"/>
             <p:cNvCxnSpPr/>
             <p:nvPr/>
           </p:nvCxnSpPr>
@@ -6165,14 +5386,7 @@
         <p:cNvGrpSpPr/>
         <p:nvPr/>
       </p:nvGrpSpPr>
-      <p:grpSpPr>
-        <a:xfrm>
-          <a:off x="0" y="0"/>
-          <a:ext cx="0" cy="0"/>
-          <a:chOff x="0" y="0"/>
-          <a:chExt cx="0" cy="0"/>
-        </a:xfrm>
-      </p:grpSpPr>
+      <p:grpSpPr/>
       <p:sp>
         <p:nvSpPr>
           <p:cNvPr id="7" name="Text Box 6"/>
@@ -6181,8 +5395,8 @@
         </p:nvSpPr>
         <p:spPr>
           <a:xfrm>
-            <a:off x="755015" y="1061720"/>
-            <a:ext cx="8066405" cy="2091690"/>
+            <a:off x="611505" y="989965"/>
+            <a:ext cx="8066405" cy="3661410"/>
           </a:xfrm>
           <a:prstGeom prst="rect">
             <a:avLst/>
@@ -6196,7 +5410,7 @@
           <a:p>
             <a:pPr indent="0" algn="l" fontAlgn="auto">
               <a:lnSpc>
-                <a:spcPct val="150000"/>
+                <a:spcPct val="200000"/>
               </a:lnSpc>
               <a:spcAft>
                 <a:spcPts val="1200"/>
@@ -6208,16 +5422,70 @@
               <a:rPr lang="pt-PT" altLang="en-US" sz="1200" b="1">
                 <a:sym typeface="+mn-ea"/>
               </a:rPr>
-              <a:t>Problema:</a:t>
+              <a:t>Novas conclusões sobre A-GEO e A-GEOvar</a:t>
             </a:r>
             <a:endParaRPr lang="pt-PT" altLang="en-US" sz="1200" b="1">
               <a:sym typeface="+mn-ea"/>
             </a:endParaRPr>
           </a:p>
           <a:p>
-            <a:pPr indent="0" algn="l" fontAlgn="auto">
+            <a:pPr marL="628650" lvl="1" indent="0" algn="l" fontAlgn="auto">
               <a:lnSpc>
-                <a:spcPct val="150000"/>
+                <a:spcPct val="200000"/>
+              </a:lnSpc>
+              <a:spcAft>
+                <a:spcPts val="1200"/>
+              </a:spcAft>
+              <a:buFont typeface="Arial" panose="020B0604020202020204" pitchFamily="34" charset="0"/>
+              <a:buChar char="•"/>
+            </a:pPr>
+            <a:r>
+              <a:rPr lang="pt-PT" altLang="en-US" sz="1200">
+                <a:sym typeface="+mn-ea"/>
+              </a:rPr>
+              <a:t> A-GEOvar foi sempre </a:t>
+            </a:r>
+            <a:r>
+              <a:rPr lang="pt-PT" altLang="en-US" sz="1200" b="1">
+                <a:sym typeface="+mn-ea"/>
+              </a:rPr>
+              <a:t>pior </a:t>
+            </a:r>
+            <a:r>
+              <a:rPr lang="pt-PT" altLang="en-US" sz="1200">
+                <a:sym typeface="+mn-ea"/>
+              </a:rPr>
+              <a:t>que o A-GEO (Conclusões do CSBC incorretas)</a:t>
+            </a:r>
+            <a:endParaRPr lang="pt-PT" altLang="en-US" sz="1200">
+              <a:sym typeface="+mn-ea"/>
+            </a:endParaRPr>
+          </a:p>
+          <a:p>
+            <a:pPr marL="628650" lvl="1" indent="0" algn="l" fontAlgn="auto">
+              <a:lnSpc>
+                <a:spcPct val="200000"/>
+              </a:lnSpc>
+              <a:spcAft>
+                <a:spcPts val="1200"/>
+              </a:spcAft>
+              <a:buFont typeface="Arial" panose="020B0604020202020204" pitchFamily="34" charset="0"/>
+              <a:buChar char="•"/>
+            </a:pPr>
+            <a:r>
+              <a:rPr lang="pt-PT" altLang="en-US" sz="1200">
+                <a:sym typeface="+mn-ea"/>
+              </a:rPr>
+              <a:t> No A-GEO2var, sempre vai ter uma mutação que melhora em comparação a população atual, então nunca reseta. Por isso que aquele (CoI==0 || tau&gt;5) forçando o tau a resetar se &gt;5 funcionou melhor.</a:t>
+            </a:r>
+            <a:endParaRPr lang="pt-PT" altLang="en-US" sz="1200">
+              <a:sym typeface="+mn-ea"/>
+            </a:endParaRPr>
+          </a:p>
+          <a:p>
+            <a:pPr marL="628650" lvl="1" indent="0" algn="l" fontAlgn="auto">
+              <a:lnSpc>
+                <a:spcPct val="200000"/>
               </a:lnSpc>
               <a:spcAft>
                 <a:spcPts val="1200"/>
@@ -6226,18 +5494,13 @@
               <a:buNone/>
             </a:pPr>
             <a:endParaRPr lang="pt-PT" altLang="en-US" sz="1200" b="1">
-              <a:solidFill>
-                <a:schemeClr val="accent1">
-                  <a:lumMod val="75000"/>
-                </a:schemeClr>
-              </a:solidFill>
               <a:sym typeface="+mn-ea"/>
             </a:endParaRPr>
           </a:p>
           <a:p>
-            <a:pPr indent="0" algn="l" fontAlgn="auto">
+            <a:pPr marL="171450" indent="0" algn="l" fontAlgn="auto">
               <a:lnSpc>
-                <a:spcPct val="150000"/>
+                <a:spcPct val="200000"/>
               </a:lnSpc>
               <a:spcAft>
                 <a:spcPts val="1200"/>
@@ -6247,113 +5510,47 @@
             </a:pPr>
             <a:r>
               <a:rPr lang="pt-PT" altLang="en-US" sz="1200" b="1">
-                <a:solidFill>
-                  <a:schemeClr val="accent1">
-                    <a:lumMod val="75000"/>
-                  </a:schemeClr>
-                </a:solidFill>
                 <a:sym typeface="+mn-ea"/>
               </a:rPr>
-              <a:t>Encontrei no código que tava “if(CoI==0 || tau&gt;5)” que eu tinha copiado do Eric. </a:t>
+              <a:t>Alerta:</a:t>
             </a:r>
-            <a:endParaRPr lang="pt-PT" altLang="en-US" sz="1200" b="1">
+            <a:r>
+              <a:rPr lang="pt-PT" altLang="en-US" sz="1200">
+                <a:sym typeface="+mn-ea"/>
+              </a:rPr>
+              <a:t> Quando for implementar o mecanismo no </a:t>
+            </a:r>
+            <a:r>
+              <a:rPr lang="pt-PT" altLang="en-US" sz="1200" b="1">
+                <a:sym typeface="+mn-ea"/>
+              </a:rPr>
+              <a:t>real2 </a:t>
+            </a:r>
+            <a:r>
+              <a:rPr lang="pt-PT" altLang="en-US" sz="1200">
+                <a:sym typeface="+mn-ea"/>
+              </a:rPr>
+              <a:t>é diferente. Ao invés de considerar para o CoI as N perturbações feitas como no GEOreal1, haverão N*P perturbações. Será preciso estudar uma abordagem. (</a:t>
+            </a:r>
+            <a:r>
+              <a:rPr lang="pt-PT" altLang="en-US" sz="1200">
+                <a:sym typeface="+mn-ea"/>
+              </a:rPr>
+              <a:t>Considerar por ex. a condição sendo CoI &lt; 1/5?)</a:t>
+            </a:r>
+            <a:endParaRPr lang="pt-PT" altLang="en-US" sz="1200">
               <a:solidFill>
                 <a:schemeClr val="accent1">
                   <a:lumMod val="75000"/>
                 </a:schemeClr>
               </a:solidFill>
-              <a:sym typeface="+mn-ea"/>
-            </a:endParaRPr>
-          </a:p>
-          <a:p>
-            <a:pPr indent="0" algn="l" fontAlgn="auto">
-              <a:lnSpc>
-                <a:spcPct val="150000"/>
-              </a:lnSpc>
-              <a:spcAft>
-                <a:spcPts val="1200"/>
-              </a:spcAft>
-              <a:buFont typeface="Arial" panose="020B0604020202020204" pitchFamily="34" charset="0"/>
-              <a:buNone/>
-            </a:pPr>
-            <a:r>
-              <a:rPr lang="pt-PT" altLang="en-US" sz="1200" b="1">
-                <a:solidFill>
-                  <a:schemeClr val="accent1">
-                    <a:lumMod val="75000"/>
-                  </a:schemeClr>
-                </a:solidFill>
-                <a:sym typeface="+mn-ea"/>
-              </a:rPr>
-              <a:t>Arrumei isso, o fx_atual e o CoI que tava atualizando errado.</a:t>
-            </a:r>
-            <a:endParaRPr lang="pt-PT" altLang="en-US" sz="1200" b="1">
-              <a:solidFill>
-                <a:schemeClr val="accent1">
-                  <a:lumMod val="75000"/>
-                </a:schemeClr>
-              </a:solidFill>
-              <a:sym typeface="+mn-ea"/>
-            </a:endParaRPr>
-          </a:p>
-          <a:p>
-            <a:pPr indent="0" algn="l" fontAlgn="auto">
-              <a:lnSpc>
-                <a:spcPct val="150000"/>
-              </a:lnSpc>
-              <a:spcAft>
-                <a:spcPts val="1200"/>
-              </a:spcAft>
-              <a:buFont typeface="Arial" panose="020B0604020202020204" pitchFamily="34" charset="0"/>
-              <a:buNone/>
-            </a:pPr>
-            <a:r>
-              <a:rPr lang="pt-PT" altLang="en-US" sz="1200" b="1">
-                <a:solidFill>
-                  <a:schemeClr val="accent1">
-                    <a:lumMod val="75000"/>
-                  </a:schemeClr>
-                </a:solidFill>
-                <a:sym typeface="+mn-ea"/>
-              </a:rPr>
-              <a:t>Ao mudar pra “</a:t>
-            </a:r>
-            <a:r>
-              <a:rPr lang="pt-PT" altLang="en-US" sz="1200" b="1">
-                <a:solidFill>
-                  <a:schemeClr val="accent1">
-                    <a:lumMod val="75000"/>
-                  </a:schemeClr>
-                </a:solidFill>
-                <a:sym typeface="+mn-ea"/>
-              </a:rPr>
-              <a:t>if(CoI==0), </a:t>
-            </a:r>
-            <a:r>
-              <a:rPr lang="pt-PT" altLang="en-US" sz="1200" b="1">
-                <a:solidFill>
-                  <a:schemeClr val="accent1">
-                    <a:lumMod val="75000"/>
-                  </a:schemeClr>
-                </a:solidFill>
-                <a:sym typeface="+mn-ea"/>
-              </a:rPr>
-              <a:t>o resultado deu pior. Por quê? Descobri o verdadeiro A-GEOvar</a:t>
-            </a:r>
-            <a:endParaRPr lang="pt-PT" altLang="en-US" sz="1200" b="1">
-              <a:solidFill>
-                <a:schemeClr val="accent1">
-                  <a:lumMod val="75000"/>
-                </a:schemeClr>
-              </a:solidFill>
-              <a:sym typeface="+mn-ea"/>
             </a:endParaRPr>
           </a:p>
         </p:txBody>
       </p:sp>
       <p:grpSp>
         <p:nvGrpSpPr>
-          <p:cNvPr id="17" name="Group 16"/>
+          <p:cNvPr id="2" name="Group 1"/>
           <p:cNvGrpSpPr/>
           <p:nvPr/>
         </p:nvGrpSpPr>
@@ -6367,7 +5564,7 @@
         </p:grpSpPr>
         <p:sp>
           <p:nvSpPr>
-            <p:cNvPr id="18" name="Text Box 17"/>
+            <p:cNvPr id="3" name="Text Box 2"/>
             <p:cNvSpPr txBox="1"/>
             <p:nvPr/>
           </p:nvSpPr>
@@ -6407,7 +5604,7 @@
         </p:sp>
         <p:cxnSp>
           <p:nvCxnSpPr>
-            <p:cNvPr id="20" name="Straight Connector 19"/>
+            <p:cNvPr id="5" name="Straight Connector 4"/>
             <p:cNvCxnSpPr/>
             <p:nvPr/>
           </p:nvCxnSpPr>
@@ -6452,6 +5649,341 @@
 </file>
 
 <file path=ppt/slides/slide13.xml><?xml version="1.0" encoding="utf-8"?>
+<p:sld xmlns:a="http://schemas.openxmlformats.org/drawingml/2006/main" xmlns:r="http://schemas.openxmlformats.org/officeDocument/2006/relationships" xmlns:p="http://schemas.openxmlformats.org/presentationml/2006/main">
+  <p:cSld>
+    <p:spTree>
+      <p:nvGrpSpPr>
+        <p:cNvPr id="1" name=""/>
+        <p:cNvGrpSpPr/>
+        <p:nvPr/>
+      </p:nvGrpSpPr>
+      <p:grpSpPr/>
+      <p:sp>
+        <p:nvSpPr>
+          <p:cNvPr id="7" name="Text Box 6"/>
+          <p:cNvSpPr txBox="1"/>
+          <p:nvPr/>
+        </p:nvSpPr>
+        <p:spPr>
+          <a:xfrm>
+            <a:off x="290195" y="125730"/>
+            <a:ext cx="4857750" cy="460375"/>
+          </a:xfrm>
+          <a:prstGeom prst="rect">
+            <a:avLst/>
+          </a:prstGeom>
+          <a:noFill/>
+        </p:spPr>
+        <p:txBody>
+          <a:bodyPr wrap="square" rtlCol="0">
+            <a:spAutoFit/>
+          </a:bodyPr>
+          <a:p>
+            <a:pPr indent="0" algn="l" fontAlgn="auto">
+              <a:lnSpc>
+                <a:spcPct val="200000"/>
+              </a:lnSpc>
+              <a:spcAft>
+                <a:spcPts val="1200"/>
+              </a:spcAft>
+              <a:buFont typeface="Arial" panose="020B0604020202020204" pitchFamily="34" charset="0"/>
+              <a:buNone/>
+            </a:pPr>
+            <a:r>
+              <a:rPr lang="pt-PT" altLang="en-US" sz="1200" b="1">
+                <a:sym typeface="+mn-ea"/>
+              </a:rPr>
+              <a:t>1 execução da GRIEWANGK com A-GEO2var e GEOvar (tau=20):</a:t>
+            </a:r>
+            <a:endParaRPr lang="pt-PT" altLang="en-US" sz="1200">
+              <a:solidFill>
+                <a:schemeClr val="accent1">
+                  <a:lumMod val="75000"/>
+                </a:schemeClr>
+              </a:solidFill>
+            </a:endParaRPr>
+          </a:p>
+        </p:txBody>
+      </p:sp>
+      <p:pic>
+        <p:nvPicPr>
+          <p:cNvPr id="4" name="Picture 3" descr="GRI_fxatual"/>
+          <p:cNvPicPr>
+            <a:picLocks noChangeAspect="1"/>
+          </p:cNvPicPr>
+          <p:nvPr/>
+        </p:nvPicPr>
+        <p:blipFill>
+          <a:blip r:embed="rId1"/>
+          <a:stretch>
+            <a:fillRect/>
+          </a:stretch>
+        </p:blipFill>
+        <p:spPr>
+          <a:xfrm>
+            <a:off x="5147945" y="774065"/>
+            <a:ext cx="3128645" cy="2159000"/>
+          </a:xfrm>
+          <a:prstGeom prst="rect">
+            <a:avLst/>
+          </a:prstGeom>
+        </p:spPr>
+      </p:pic>
+      <p:pic>
+        <p:nvPicPr>
+          <p:cNvPr id="6" name="Picture 5" descr="GRI_melhorfx"/>
+          <p:cNvPicPr>
+            <a:picLocks noChangeAspect="1"/>
+          </p:cNvPicPr>
+          <p:nvPr/>
+        </p:nvPicPr>
+        <p:blipFill>
+          <a:blip r:embed="rId2"/>
+          <a:stretch>
+            <a:fillRect/>
+          </a:stretch>
+        </p:blipFill>
+        <p:spPr>
+          <a:xfrm>
+            <a:off x="683260" y="773430"/>
+            <a:ext cx="3128645" cy="2159000"/>
+          </a:xfrm>
+          <a:prstGeom prst="rect">
+            <a:avLst/>
+          </a:prstGeom>
+        </p:spPr>
+      </p:pic>
+      <p:pic>
+        <p:nvPicPr>
+          <p:cNvPr id="8" name="Picture 7" descr="GRI_tau_iteracao"/>
+          <p:cNvPicPr>
+            <a:picLocks noChangeAspect="1"/>
+          </p:cNvPicPr>
+          <p:nvPr/>
+        </p:nvPicPr>
+        <p:blipFill>
+          <a:blip r:embed="rId3"/>
+          <a:stretch>
+            <a:fillRect/>
+          </a:stretch>
+        </p:blipFill>
+        <p:spPr>
+          <a:xfrm>
+            <a:off x="2843530" y="2933065"/>
+            <a:ext cx="3128645" cy="2142490"/>
+          </a:xfrm>
+          <a:prstGeom prst="rect">
+            <a:avLst/>
+          </a:prstGeom>
+        </p:spPr>
+      </p:pic>
+      <p:sp>
+        <p:nvSpPr>
+          <p:cNvPr id="9" name="Text Box 8"/>
+          <p:cNvSpPr txBox="1"/>
+          <p:nvPr/>
+        </p:nvSpPr>
+        <p:spPr>
+          <a:xfrm>
+            <a:off x="7452360" y="3006090"/>
+            <a:ext cx="1017270" cy="521970"/>
+          </a:xfrm>
+          <a:prstGeom prst="rect">
+            <a:avLst/>
+          </a:prstGeom>
+          <a:noFill/>
+        </p:spPr>
+        <p:txBody>
+          <a:bodyPr wrap="square" rtlCol="0">
+            <a:spAutoFit/>
+          </a:bodyPr>
+          <a:p>
+            <a:pPr algn="ctr"/>
+            <a:r>
+              <a:rPr lang="pt-PT" altLang="en-US" sz="1400"/>
+              <a:t>População oscilando</a:t>
+            </a:r>
+            <a:endParaRPr lang="pt-PT" altLang="en-US" sz="1400"/>
+          </a:p>
+        </p:txBody>
+      </p:sp>
+      <p:cxnSp>
+        <p:nvCxnSpPr>
+          <p:cNvPr id="10" name="Elbow Connector 9"/>
+          <p:cNvCxnSpPr>
+            <a:stCxn id="9" idx="1"/>
+            <a:endCxn id="4" idx="2"/>
+          </p:cNvCxnSpPr>
+          <p:nvPr/>
+        </p:nvCxnSpPr>
+        <p:spPr>
+          <a:xfrm rot="10800000">
+            <a:off x="6712585" y="2933065"/>
+            <a:ext cx="739775" cy="334010"/>
+          </a:xfrm>
+          <a:prstGeom prst="bentConnector2">
+            <a:avLst/>
+          </a:prstGeom>
+          <a:ln>
+            <a:tailEnd type="arrow" w="med" len="med"/>
+          </a:ln>
+        </p:spPr>
+        <p:style>
+          <a:lnRef idx="1">
+            <a:schemeClr val="dk1"/>
+          </a:lnRef>
+          <a:fillRef idx="0">
+            <a:schemeClr val="dk1"/>
+          </a:fillRef>
+          <a:effectRef idx="0">
+            <a:schemeClr val="dk1"/>
+          </a:effectRef>
+          <a:fontRef idx="minor">
+            <a:schemeClr val="tx1"/>
+          </a:fontRef>
+        </p:style>
+      </p:cxnSp>
+      <p:cxnSp>
+        <p:nvCxnSpPr>
+          <p:cNvPr id="11" name="Elbow Connector 10"/>
+          <p:cNvCxnSpPr>
+            <a:stCxn id="14" idx="0"/>
+            <a:endCxn id="8" idx="1"/>
+          </p:cNvCxnSpPr>
+          <p:nvPr/>
+        </p:nvCxnSpPr>
+        <p:spPr>
+          <a:xfrm rot="16200000">
+            <a:off x="2360295" y="3891280"/>
+            <a:ext cx="369570" cy="596265"/>
+          </a:xfrm>
+          <a:prstGeom prst="bentConnector2">
+            <a:avLst/>
+          </a:prstGeom>
+          <a:ln>
+            <a:tailEnd type="arrow" w="med" len="med"/>
+          </a:ln>
+        </p:spPr>
+        <p:style>
+          <a:lnRef idx="1">
+            <a:schemeClr val="dk1"/>
+          </a:lnRef>
+          <a:fillRef idx="0">
+            <a:schemeClr val="dk1"/>
+          </a:fillRef>
+          <a:effectRef idx="0">
+            <a:schemeClr val="dk1"/>
+          </a:effectRef>
+          <a:fontRef idx="minor">
+            <a:schemeClr val="tx1"/>
+          </a:fontRef>
+        </p:style>
+      </p:cxnSp>
+      <p:sp>
+        <p:nvSpPr>
+          <p:cNvPr id="12" name="Text Box 11"/>
+          <p:cNvSpPr txBox="1"/>
+          <p:nvPr/>
+        </p:nvSpPr>
+        <p:spPr>
+          <a:xfrm>
+            <a:off x="290195" y="3006090"/>
+            <a:ext cx="895350" cy="521970"/>
+          </a:xfrm>
+          <a:prstGeom prst="rect">
+            <a:avLst/>
+          </a:prstGeom>
+          <a:noFill/>
+        </p:spPr>
+        <p:txBody>
+          <a:bodyPr wrap="square" rtlCol="0">
+            <a:spAutoFit/>
+          </a:bodyPr>
+          <a:p>
+            <a:pPr algn="ctr"/>
+            <a:r>
+              <a:rPr lang="pt-PT" altLang="en-US" sz="1400"/>
+              <a:t>f(x) não melhora</a:t>
+            </a:r>
+            <a:endParaRPr lang="pt-PT" altLang="en-US" sz="1400"/>
+          </a:p>
+        </p:txBody>
+      </p:sp>
+      <p:cxnSp>
+        <p:nvCxnSpPr>
+          <p:cNvPr id="13" name="Elbow Connector 12"/>
+          <p:cNvCxnSpPr>
+            <a:stCxn id="12" idx="3"/>
+            <a:endCxn id="6" idx="2"/>
+          </p:cNvCxnSpPr>
+          <p:nvPr/>
+        </p:nvCxnSpPr>
+        <p:spPr>
+          <a:xfrm flipV="1">
+            <a:off x="1185545" y="2932430"/>
+            <a:ext cx="1062355" cy="334645"/>
+          </a:xfrm>
+          <a:prstGeom prst="bentConnector2">
+            <a:avLst/>
+          </a:prstGeom>
+          <a:ln>
+            <a:tailEnd type="arrow" w="med" len="med"/>
+          </a:ln>
+        </p:spPr>
+        <p:style>
+          <a:lnRef idx="1">
+            <a:schemeClr val="dk1"/>
+          </a:lnRef>
+          <a:fillRef idx="0">
+            <a:schemeClr val="dk1"/>
+          </a:fillRef>
+          <a:effectRef idx="0">
+            <a:schemeClr val="dk1"/>
+          </a:effectRef>
+          <a:fontRef idx="minor">
+            <a:schemeClr val="tx1"/>
+          </a:fontRef>
+        </p:style>
+      </p:cxnSp>
+      <p:sp>
+        <p:nvSpPr>
+          <p:cNvPr id="14" name="Text Box 13"/>
+          <p:cNvSpPr txBox="1"/>
+          <p:nvPr/>
+        </p:nvSpPr>
+        <p:spPr>
+          <a:xfrm>
+            <a:off x="1738630" y="4373880"/>
+            <a:ext cx="1017270" cy="521970"/>
+          </a:xfrm>
+          <a:prstGeom prst="rect">
+            <a:avLst/>
+          </a:prstGeom>
+          <a:noFill/>
+        </p:spPr>
+        <p:txBody>
+          <a:bodyPr wrap="square" rtlCol="0">
+            <a:spAutoFit/>
+          </a:bodyPr>
+          <a:p>
+            <a:pPr algn="ctr"/>
+            <a:r>
+              <a:rPr lang="pt-PT" altLang="en-US" sz="1400"/>
+              <a:t>Tau não reseta</a:t>
+            </a:r>
+            <a:endParaRPr lang="pt-PT" altLang="en-US" sz="1400"/>
+          </a:p>
+        </p:txBody>
+      </p:sp>
+    </p:spTree>
+  </p:cSld>
+  <p:clrMapOvr>
+    <a:masterClrMapping/>
+  </p:clrMapOvr>
+</p:sld>
+</file>
+
+<file path=ppt/slides/slide14.xml><?xml version="1.0" encoding="utf-8"?>
 <p:sld xmlns:a="http://schemas.openxmlformats.org/drawingml/2006/main" xmlns:r="http://schemas.openxmlformats.org/officeDocument/2006/relationships" xmlns:p="http://schemas.openxmlformats.org/presentationml/2006/main">
   <p:cSld>
     <p:spTree>
@@ -8599,7 +8131,7 @@
 </p:sld>
 </file>
 
-<file path=ppt/slides/slide14.xml><?xml version="1.0" encoding="utf-8"?>
+<file path=ppt/slides/slide15.xml><?xml version="1.0" encoding="utf-8"?>
 <p:sld xmlns:a="http://schemas.openxmlformats.org/drawingml/2006/main" xmlns:r="http://schemas.openxmlformats.org/officeDocument/2006/relationships" xmlns:p="http://schemas.openxmlformats.org/presentationml/2006/main">
   <p:cSld>
     <p:spTree>
@@ -10663,6 +10195,84 @@
           </a:p>
         </p:txBody>
       </p:sp>
+      <p:sp>
+        <p:nvSpPr>
+          <p:cNvPr id="2" name="Text Box 1"/>
+          <p:cNvSpPr txBox="1"/>
+          <p:nvPr/>
+        </p:nvSpPr>
+        <p:spPr>
+          <a:xfrm>
+            <a:off x="5507990" y="197485"/>
+            <a:ext cx="1726565" cy="368300"/>
+          </a:xfrm>
+          <a:prstGeom prst="rect">
+            <a:avLst/>
+          </a:prstGeom>
+          <a:noFill/>
+        </p:spPr>
+        <p:txBody>
+          <a:bodyPr wrap="square" rtlCol="0">
+            <a:spAutoFit/>
+          </a:bodyPr>
+          <a:p>
+            <a:pPr indent="0" algn="ctr" fontAlgn="auto">
+              <a:lnSpc>
+                <a:spcPct val="150000"/>
+              </a:lnSpc>
+              <a:spcAft>
+                <a:spcPts val="0"/>
+              </a:spcAft>
+              <a:buFont typeface="Arial" panose="020B0604020202020204" pitchFamily="34" charset="0"/>
+              <a:buNone/>
+            </a:pPr>
+            <a:r>
+              <a:rPr lang="pt-PT" altLang="en-US" sz="1200" b="1">
+                <a:sym typeface="+mn-ea"/>
+              </a:rPr>
+              <a:t>1 bit foi mutado</a:t>
+            </a:r>
+            <a:endParaRPr lang="pt-PT" altLang="en-US" sz="1200" b="1">
+              <a:sym typeface="+mn-ea"/>
+            </a:endParaRPr>
+          </a:p>
+        </p:txBody>
+      </p:sp>
+      <p:cxnSp>
+        <p:nvCxnSpPr>
+          <p:cNvPr id="42" name="Elbow Connector 41"/>
+          <p:cNvCxnSpPr>
+            <a:stCxn id="2" idx="1"/>
+          </p:cNvCxnSpPr>
+          <p:nvPr/>
+        </p:nvCxnSpPr>
+        <p:spPr>
+          <a:xfrm rot="10800000" flipV="1">
+            <a:off x="4592955" y="381635"/>
+            <a:ext cx="915035" cy="838200"/>
+          </a:xfrm>
+          <a:prstGeom prst="bentConnector2">
+            <a:avLst/>
+          </a:prstGeom>
+          <a:ln>
+            <a:tailEnd type="arrow" w="med" len="med"/>
+          </a:ln>
+        </p:spPr>
+        <p:style>
+          <a:lnRef idx="1">
+            <a:schemeClr val="dk1"/>
+          </a:lnRef>
+          <a:fillRef idx="0">
+            <a:schemeClr val="dk1"/>
+          </a:fillRef>
+          <a:effectRef idx="0">
+            <a:schemeClr val="dk1"/>
+          </a:effectRef>
+          <a:fontRef idx="minor">
+            <a:schemeClr val="tx1"/>
+          </a:fontRef>
+        </p:style>
+      </p:cxnSp>
     </p:spTree>
   </p:cSld>
   <p:clrMapOvr>
@@ -10671,7 +10281,7 @@
 </p:sld>
 </file>
 
-<file path=ppt/slides/slide15.xml><?xml version="1.0" encoding="utf-8"?>
+<file path=ppt/slides/slide16.xml><?xml version="1.0" encoding="utf-8"?>
 <p:sld xmlns:a="http://schemas.openxmlformats.org/drawingml/2006/main" xmlns:r="http://schemas.openxmlformats.org/officeDocument/2006/relationships" xmlns:p="http://schemas.openxmlformats.org/presentationml/2006/main">
   <p:cSld>
     <p:spTree>
@@ -12827,178 +12437,16 @@
           </p:txBody>
         </p:sp>
       </p:grpSp>
-    </p:spTree>
-  </p:cSld>
-  <p:clrMapOvr>
-    <a:masterClrMapping/>
-  </p:clrMapOvr>
-</p:sld>
-</file>
-
-<file path=ppt/slides/slide16.xml><?xml version="1.0" encoding="utf-8"?>
-<p:sld xmlns:a="http://schemas.openxmlformats.org/drawingml/2006/main" xmlns:r="http://schemas.openxmlformats.org/officeDocument/2006/relationships" xmlns:p="http://schemas.openxmlformats.org/presentationml/2006/main">
-  <p:cSld>
-    <p:spTree>
-      <p:nvGrpSpPr>
-        <p:cNvPr id="1" name=""/>
-        <p:cNvGrpSpPr/>
-        <p:nvPr/>
-      </p:nvGrpSpPr>
-      <p:grpSpPr/>
-      <p:pic>
-        <p:nvPicPr>
-          <p:cNvPr id="4" name="Picture 3" descr="AGEO12_ACK"/>
-          <p:cNvPicPr>
-            <a:picLocks noChangeAspect="1"/>
-          </p:cNvPicPr>
-          <p:nvPr/>
-        </p:nvPicPr>
-        <p:blipFill>
-          <a:blip r:embed="rId1"/>
-          <a:stretch>
-            <a:fillRect/>
-          </a:stretch>
-        </p:blipFill>
-        <p:spPr>
-          <a:xfrm>
-            <a:off x="6094730" y="989965"/>
-            <a:ext cx="2891155" cy="1877695"/>
-          </a:xfrm>
-          <a:prstGeom prst="rect">
-            <a:avLst/>
-          </a:prstGeom>
-        </p:spPr>
-      </p:pic>
-      <p:pic>
-        <p:nvPicPr>
-          <p:cNvPr id="10" name="Picture 9" descr="AGEO12_BEA"/>
-          <p:cNvPicPr>
-            <a:picLocks noChangeAspect="1"/>
-          </p:cNvPicPr>
-          <p:nvPr/>
-        </p:nvPicPr>
-        <p:blipFill>
-          <a:blip r:embed="rId2"/>
-          <a:stretch>
-            <a:fillRect/>
-          </a:stretch>
-        </p:blipFill>
-        <p:spPr>
-          <a:xfrm>
-            <a:off x="6094730" y="2862580"/>
-            <a:ext cx="2891155" cy="1877695"/>
-          </a:xfrm>
-          <a:prstGeom prst="rect">
-            <a:avLst/>
-          </a:prstGeom>
-        </p:spPr>
-      </p:pic>
-      <p:pic>
-        <p:nvPicPr>
-          <p:cNvPr id="11" name="Picture 10" descr="AGEO12_GRI"/>
-          <p:cNvPicPr>
-            <a:picLocks noChangeAspect="1"/>
-          </p:cNvPicPr>
-          <p:nvPr/>
-        </p:nvPicPr>
-        <p:blipFill>
-          <a:blip r:embed="rId3"/>
-          <a:stretch>
-            <a:fillRect/>
-          </a:stretch>
-        </p:blipFill>
-        <p:spPr>
-          <a:xfrm>
-            <a:off x="323215" y="989965"/>
-            <a:ext cx="2891155" cy="1877695"/>
-          </a:xfrm>
-          <a:prstGeom prst="rect">
-            <a:avLst/>
-          </a:prstGeom>
-        </p:spPr>
-      </p:pic>
-      <p:pic>
-        <p:nvPicPr>
-          <p:cNvPr id="12" name="Picture 11" descr="AGEO12_RAS"/>
-          <p:cNvPicPr>
-            <a:picLocks noChangeAspect="1"/>
-          </p:cNvPicPr>
-          <p:nvPr/>
-        </p:nvPicPr>
-        <p:blipFill>
-          <a:blip r:embed="rId4"/>
-          <a:stretch>
-            <a:fillRect/>
-          </a:stretch>
-        </p:blipFill>
-        <p:spPr>
-          <a:xfrm>
-            <a:off x="3203575" y="989965"/>
-            <a:ext cx="2891155" cy="1877695"/>
-          </a:xfrm>
-          <a:prstGeom prst="rect">
-            <a:avLst/>
-          </a:prstGeom>
-        </p:spPr>
-      </p:pic>
-      <p:pic>
-        <p:nvPicPr>
-          <p:cNvPr id="13" name="Picture 12" descr="AGEO12_ROS"/>
-          <p:cNvPicPr>
-            <a:picLocks noChangeAspect="1"/>
-          </p:cNvPicPr>
-          <p:nvPr/>
-        </p:nvPicPr>
-        <p:blipFill>
-          <a:blip r:embed="rId5"/>
-          <a:stretch>
-            <a:fillRect/>
-          </a:stretch>
-        </p:blipFill>
-        <p:spPr>
-          <a:xfrm>
-            <a:off x="312420" y="2867660"/>
-            <a:ext cx="2891155" cy="1877695"/>
-          </a:xfrm>
-          <a:prstGeom prst="rect">
-            <a:avLst/>
-          </a:prstGeom>
-        </p:spPr>
-      </p:pic>
-      <p:pic>
-        <p:nvPicPr>
-          <p:cNvPr id="14" name="Picture 13" descr="AGEO12_SCH"/>
-          <p:cNvPicPr>
-            <a:picLocks noChangeAspect="1"/>
-          </p:cNvPicPr>
-          <p:nvPr/>
-        </p:nvPicPr>
-        <p:blipFill>
-          <a:blip r:embed="rId6"/>
-          <a:stretch>
-            <a:fillRect/>
-          </a:stretch>
-        </p:blipFill>
-        <p:spPr>
-          <a:xfrm>
-            <a:off x="3214370" y="2862580"/>
-            <a:ext cx="2891155" cy="1877695"/>
-          </a:xfrm>
-          <a:prstGeom prst="rect">
-            <a:avLst/>
-          </a:prstGeom>
-        </p:spPr>
-      </p:pic>
       <p:sp>
         <p:nvSpPr>
-          <p:cNvPr id="15" name="Text Box 14"/>
+          <p:cNvPr id="5" name="Text Box 4"/>
           <p:cNvSpPr txBox="1"/>
           <p:nvPr/>
         </p:nvSpPr>
         <p:spPr>
           <a:xfrm>
-            <a:off x="539115" y="4733925"/>
-            <a:ext cx="8151495" cy="368300"/>
+            <a:off x="5507990" y="197485"/>
+            <a:ext cx="1726565" cy="368300"/>
           </a:xfrm>
           <a:prstGeom prst="rect">
             <a:avLst/>
@@ -13010,191 +12458,100 @@
             <a:spAutoFit/>
           </a:bodyPr>
           <a:p>
-            <a:pPr algn="ctr">
+            <a:pPr indent="0" algn="ctr" fontAlgn="auto">
               <a:lnSpc>
                 <a:spcPct val="150000"/>
               </a:lnSpc>
+              <a:spcAft>
+                <a:spcPts val="0"/>
+              </a:spcAft>
+              <a:buFont typeface="Arial" panose="020B0604020202020204" pitchFamily="34" charset="0"/>
+              <a:buNone/>
             </a:pPr>
             <a:r>
-              <a:rPr lang="pt-PT" altLang="en-US" sz="1200">
-                <a:solidFill>
-                  <a:schemeClr val="tx2"/>
-                </a:solidFill>
+              <a:rPr lang="pt-PT" altLang="en-US" sz="1200" b="1">
+                <a:sym typeface="+mn-ea"/>
               </a:rPr>
-              <a:t>Versões A-GEO</a:t>
+              <a:t>2 bits foram mutados</a:t>
             </a:r>
-            <a:r>
-              <a:rPr lang="pt-PT" altLang="en-US" sz="1200" baseline="-25000">
-                <a:solidFill>
-                  <a:schemeClr val="tx2"/>
-                </a:solidFill>
-              </a:rPr>
-              <a:t>2</a:t>
-            </a:r>
-            <a:r>
-              <a:rPr lang="pt-PT" altLang="en-US" sz="1200">
-                <a:solidFill>
-                  <a:schemeClr val="tx2"/>
-                </a:solidFill>
-              </a:rPr>
-              <a:t> foram superiores às versões A-GEO</a:t>
-            </a:r>
-            <a:r>
-              <a:rPr lang="pt-PT" altLang="en-US" sz="1200" baseline="-25000">
-                <a:solidFill>
-                  <a:schemeClr val="tx2"/>
-                </a:solidFill>
-              </a:rPr>
-              <a:t>1</a:t>
-            </a:r>
-            <a:r>
-              <a:rPr lang="pt-PT" altLang="en-US" sz="1200">
-                <a:solidFill>
-                  <a:schemeClr val="tx2"/>
-                </a:solidFill>
-              </a:rPr>
-              <a:t> para todas as funções</a:t>
-            </a:r>
-            <a:endParaRPr lang="pt-PT" altLang="en-US" sz="1200">
-              <a:solidFill>
-                <a:schemeClr val="tx2"/>
-              </a:solidFill>
+            <a:endParaRPr lang="pt-PT" altLang="en-US" sz="1200" b="1">
+              <a:sym typeface="+mn-ea"/>
             </a:endParaRPr>
           </a:p>
         </p:txBody>
       </p:sp>
-      <p:sp>
-        <p:nvSpPr>
-          <p:cNvPr id="7" name="Text Box 6"/>
-          <p:cNvSpPr txBox="1"/>
+      <p:cxnSp>
+        <p:nvCxnSpPr>
+          <p:cNvPr id="6" name="Elbow Connector 5"/>
+          <p:cNvCxnSpPr>
+            <a:stCxn id="5" idx="1"/>
+            <a:endCxn id="64" idx="0"/>
+          </p:cNvCxnSpPr>
           <p:nvPr/>
-        </p:nvSpPr>
+        </p:nvCxnSpPr>
+        <p:spPr>
+          <a:xfrm rot="10800000" flipV="1">
+            <a:off x="4592955" y="381635"/>
+            <a:ext cx="915035" cy="838200"/>
+          </a:xfrm>
+          <a:prstGeom prst="bentConnector2">
+            <a:avLst/>
+          </a:prstGeom>
+          <a:ln>
+            <a:tailEnd type="arrow" w="med" len="med"/>
+          </a:ln>
+        </p:spPr>
+        <p:style>
+          <a:lnRef idx="1">
+            <a:schemeClr val="dk1"/>
+          </a:lnRef>
+          <a:fillRef idx="0">
+            <a:schemeClr val="dk1"/>
+          </a:fillRef>
+          <a:effectRef idx="0">
+            <a:schemeClr val="dk1"/>
+          </a:effectRef>
+          <a:fontRef idx="minor">
+            <a:schemeClr val="tx1"/>
+          </a:fontRef>
+        </p:style>
+      </p:cxnSp>
+      <p:cxnSp>
+        <p:nvCxnSpPr>
+          <p:cNvPr id="7" name="Elbow Connector 6"/>
+          <p:cNvCxnSpPr>
+            <a:stCxn id="5" idx="3"/>
+            <a:endCxn id="78" idx="0"/>
+          </p:cNvCxnSpPr>
+          <p:nvPr/>
+        </p:nvCxnSpPr>
         <p:spPr>
           <a:xfrm>
-            <a:off x="7235825" y="197485"/>
-            <a:ext cx="1694180" cy="414020"/>
+            <a:off x="7234555" y="381635"/>
+            <a:ext cx="602615" cy="838200"/>
           </a:xfrm>
-          <a:prstGeom prst="rect">
+          <a:prstGeom prst="bentConnector2">
             <a:avLst/>
           </a:prstGeom>
-          <a:noFill/>
+          <a:ln>
+            <a:tailEnd type="arrow" w="med" len="med"/>
+          </a:ln>
         </p:spPr>
-        <p:txBody>
-          <a:bodyPr wrap="square" rtlCol="0">
-            <a:spAutoFit/>
-          </a:bodyPr>
-          <a:p>
-            <a:pPr algn="r">
-              <a:lnSpc>
-                <a:spcPct val="150000"/>
-              </a:lnSpc>
-            </a:pPr>
-            <a:r>
-              <a:rPr lang="pt-PT" altLang="en-US" sz="1400"/>
-              <a:t>A-GEO1 e A-GEO2</a:t>
-            </a:r>
-            <a:endParaRPr lang="pt-PT" altLang="en-US" sz="1400">
-              <a:solidFill>
-                <a:schemeClr val="accent1">
-                  <a:lumMod val="75000"/>
-                </a:schemeClr>
-              </a:solidFill>
-            </a:endParaRPr>
-          </a:p>
-        </p:txBody>
-      </p:sp>
-      <p:grpSp>
-        <p:nvGrpSpPr>
-          <p:cNvPr id="2" name="Group 1"/>
-          <p:cNvGrpSpPr/>
-          <p:nvPr/>
-        </p:nvGrpSpPr>
-        <p:grpSpPr>
-          <a:xfrm>
-            <a:off x="467360" y="269875"/>
-            <a:ext cx="6638290" cy="431800"/>
-            <a:chOff x="736" y="425"/>
-            <a:chExt cx="10454" cy="680"/>
-          </a:xfrm>
-        </p:grpSpPr>
-        <p:sp>
-          <p:nvSpPr>
-            <p:cNvPr id="3" name="Text Box 2"/>
-            <p:cNvSpPr txBox="1"/>
-            <p:nvPr/>
-          </p:nvSpPr>
-          <p:spPr>
-            <a:xfrm>
-              <a:off x="736" y="425"/>
-              <a:ext cx="10454" cy="531"/>
-            </a:xfrm>
-            <a:prstGeom prst="rect">
-              <a:avLst/>
-            </a:prstGeom>
-            <a:noFill/>
-          </p:spPr>
-          <p:txBody>
-            <a:bodyPr wrap="square" rtlCol="0">
-              <a:spAutoFit/>
-            </a:bodyPr>
-            <a:p>
-              <a:pPr algn="l"/>
-              <a:r>
-                <a:rPr lang="pt-PT" altLang="en-US" sz="1600">
-                  <a:sym typeface="+mn-ea"/>
-                </a:rPr>
-                <a:t>3.2 Correção das implementações </a:t>
-              </a:r>
-              <a:r>
-                <a:rPr lang="pt-PT" altLang="en-US" sz="1600">
-                  <a:sym typeface="+mn-ea"/>
-                </a:rPr>
-                <a:t>A-GEO e A-GEOvar (nov/21)</a:t>
-              </a:r>
-              <a:endParaRPr lang="pt-PT" altLang="en-US" sz="1600">
-                <a:sym typeface="+mn-ea"/>
-              </a:endParaRPr>
-            </a:p>
-          </p:txBody>
-        </p:sp>
-        <p:cxnSp>
-          <p:nvCxnSpPr>
-            <p:cNvPr id="5" name="Straight Connector 4"/>
-            <p:cNvCxnSpPr/>
-            <p:nvPr/>
-          </p:nvCxnSpPr>
-          <p:spPr>
-            <a:xfrm>
-              <a:off x="848" y="1105"/>
-              <a:ext cx="9527" cy="0"/>
-            </a:xfrm>
-            <a:prstGeom prst="line">
-              <a:avLst/>
-            </a:prstGeom>
-            <a:ln w="38100">
-              <a:solidFill>
-                <a:schemeClr val="accent6">
-                  <a:lumMod val="75000"/>
-                </a:schemeClr>
-              </a:solidFill>
-            </a:ln>
-          </p:spPr>
-          <p:style>
-            <a:lnRef idx="1">
-              <a:schemeClr val="accent1"/>
-            </a:lnRef>
-            <a:fillRef idx="0">
-              <a:schemeClr val="accent1"/>
-            </a:fillRef>
-            <a:effectRef idx="0">
-              <a:schemeClr val="accent1"/>
-            </a:effectRef>
-            <a:fontRef idx="minor">
-              <a:schemeClr val="tx1"/>
-            </a:fontRef>
-          </p:style>
-        </p:cxnSp>
-      </p:grpSp>
+        <p:style>
+          <a:lnRef idx="1">
+            <a:schemeClr val="dk1"/>
+          </a:lnRef>
+          <a:fillRef idx="0">
+            <a:schemeClr val="dk1"/>
+          </a:fillRef>
+          <a:effectRef idx="0">
+            <a:schemeClr val="dk1"/>
+          </a:effectRef>
+          <a:fontRef idx="minor">
+            <a:schemeClr val="tx1"/>
+          </a:fontRef>
+        </p:style>
+      </p:cxnSp>
     </p:spTree>
   </p:cSld>
   <p:clrMapOvr>
@@ -13213,160 +12570,16 @@
         <p:nvPr/>
       </p:nvGrpSpPr>
       <p:grpSpPr/>
-      <p:pic>
-        <p:nvPicPr>
-          <p:cNvPr id="15" name="Picture 14" descr="AGEOvar12_ACK"/>
-          <p:cNvPicPr>
-            <a:picLocks noChangeAspect="1"/>
-          </p:cNvPicPr>
-          <p:nvPr/>
-        </p:nvPicPr>
-        <p:blipFill>
-          <a:blip r:embed="rId1"/>
-          <a:stretch>
-            <a:fillRect/>
-          </a:stretch>
-        </p:blipFill>
-        <p:spPr>
-          <a:xfrm>
-            <a:off x="6027420" y="789940"/>
-            <a:ext cx="2967990" cy="1927860"/>
-          </a:xfrm>
-          <a:prstGeom prst="rect">
-            <a:avLst/>
-          </a:prstGeom>
-        </p:spPr>
-      </p:pic>
-      <p:pic>
-        <p:nvPicPr>
-          <p:cNvPr id="16" name="Picture 15" descr="AGEOvar12_BEA"/>
-          <p:cNvPicPr>
-            <a:picLocks noChangeAspect="1"/>
-          </p:cNvPicPr>
-          <p:nvPr/>
-        </p:nvPicPr>
-        <p:blipFill>
-          <a:blip r:embed="rId2"/>
-          <a:stretch>
-            <a:fillRect/>
-          </a:stretch>
-        </p:blipFill>
-        <p:spPr>
-          <a:xfrm>
-            <a:off x="6012180" y="2717800"/>
-            <a:ext cx="2967990" cy="1927860"/>
-          </a:xfrm>
-          <a:prstGeom prst="rect">
-            <a:avLst/>
-          </a:prstGeom>
-        </p:spPr>
-      </p:pic>
-      <p:pic>
-        <p:nvPicPr>
-          <p:cNvPr id="17" name="Picture 16" descr="AGEOvar12_GRI"/>
-          <p:cNvPicPr>
-            <a:picLocks noChangeAspect="1"/>
-          </p:cNvPicPr>
-          <p:nvPr/>
-        </p:nvPicPr>
-        <p:blipFill>
-          <a:blip r:embed="rId3"/>
-          <a:stretch>
-            <a:fillRect/>
-          </a:stretch>
-        </p:blipFill>
-        <p:spPr>
-          <a:xfrm>
-            <a:off x="107315" y="789940"/>
-            <a:ext cx="2967990" cy="1927860"/>
-          </a:xfrm>
-          <a:prstGeom prst="rect">
-            <a:avLst/>
-          </a:prstGeom>
-        </p:spPr>
-      </p:pic>
-      <p:pic>
-        <p:nvPicPr>
-          <p:cNvPr id="18" name="Picture 17" descr="AGEOvar12_RAS"/>
-          <p:cNvPicPr>
-            <a:picLocks noChangeAspect="1"/>
-          </p:cNvPicPr>
-          <p:nvPr/>
-        </p:nvPicPr>
-        <p:blipFill>
-          <a:blip r:embed="rId4"/>
-          <a:stretch>
-            <a:fillRect/>
-          </a:stretch>
-        </p:blipFill>
-        <p:spPr>
-          <a:xfrm>
-            <a:off x="3059430" y="789940"/>
-            <a:ext cx="2967990" cy="1927860"/>
-          </a:xfrm>
-          <a:prstGeom prst="rect">
-            <a:avLst/>
-          </a:prstGeom>
-        </p:spPr>
-      </p:pic>
-      <p:pic>
-        <p:nvPicPr>
-          <p:cNvPr id="19" name="Picture 18" descr="AGEOvar12_ROS"/>
-          <p:cNvPicPr>
-            <a:picLocks noChangeAspect="1"/>
-          </p:cNvPicPr>
-          <p:nvPr/>
-        </p:nvPicPr>
-        <p:blipFill>
-          <a:blip r:embed="rId5"/>
-          <a:stretch>
-            <a:fillRect/>
-          </a:stretch>
-        </p:blipFill>
-        <p:spPr>
-          <a:xfrm>
-            <a:off x="107315" y="2717800"/>
-            <a:ext cx="2967990" cy="1927860"/>
-          </a:xfrm>
-          <a:prstGeom prst="rect">
-            <a:avLst/>
-          </a:prstGeom>
-        </p:spPr>
-      </p:pic>
-      <p:pic>
-        <p:nvPicPr>
-          <p:cNvPr id="20" name="Picture 19" descr="AGEOvar12_SCH"/>
-          <p:cNvPicPr>
-            <a:picLocks noChangeAspect="1"/>
-          </p:cNvPicPr>
-          <p:nvPr/>
-        </p:nvPicPr>
-        <p:blipFill>
-          <a:blip r:embed="rId6"/>
-          <a:stretch>
-            <a:fillRect/>
-          </a:stretch>
-        </p:blipFill>
-        <p:spPr>
-          <a:xfrm>
-            <a:off x="3059430" y="2717800"/>
-            <a:ext cx="2967990" cy="1927860"/>
-          </a:xfrm>
-          <a:prstGeom prst="rect">
-            <a:avLst/>
-          </a:prstGeom>
-        </p:spPr>
-      </p:pic>
       <p:sp>
         <p:nvSpPr>
-          <p:cNvPr id="21" name="Text Box 20"/>
+          <p:cNvPr id="4" name="Text Box 3"/>
           <p:cNvSpPr txBox="1"/>
           <p:nvPr/>
         </p:nvSpPr>
         <p:spPr>
           <a:xfrm>
-            <a:off x="495935" y="4662170"/>
-            <a:ext cx="8151495" cy="368300"/>
+            <a:off x="224314" y="181769"/>
+            <a:ext cx="8695373" cy="7847330"/>
           </a:xfrm>
           <a:prstGeom prst="rect">
             <a:avLst/>
@@ -13378,159 +12591,259 @@
             <a:spAutoFit/>
           </a:bodyPr>
           <a:p>
-            <a:pPr algn="ctr">
-              <a:lnSpc>
-                <a:spcPct val="150000"/>
-              </a:lnSpc>
-            </a:pPr>
+            <a:r>
+              <a:rPr lang="pt-PT" altLang="en-US" sz="1200" b="1">
+                <a:solidFill>
+                  <a:srgbClr val="FF0000"/>
+                </a:solidFill>
+              </a:rPr>
+              <a:t>Primeiro de tudo: Voltamos ao início. Desconsideramos as conclusões do CSBC. Vamos estudar o A-GEOvar do zero.</a:t>
+            </a:r>
+            <a:endParaRPr lang="pt-PT" altLang="en-US" sz="1200"/>
+          </a:p>
+          <a:p>
+            <a:endParaRPr lang="pt-PT" altLang="en-US" sz="1200"/>
+          </a:p>
+          <a:p>
+            <a:r>
+              <a:rPr lang="pt-PT" altLang="en-US" sz="1200" b="1"/>
+              <a:t>1º teste:</a:t>
+            </a:r>
+            <a:r>
+              <a:rPr lang="pt-PT" altLang="en-US" sz="1200"/>
+              <a:t> A-GEOvar é o GEOvar só com o mecanismo a mais. Comentei o código do mecanismo e A-GEOvar funcionou igual ao GEOvar. Então o código está correto.</a:t>
+            </a:r>
+            <a:endParaRPr lang="pt-PT" altLang="en-US" sz="1200"/>
+          </a:p>
+          <a:p>
+            <a:r>
+              <a:rPr lang="pt-PT" altLang="en-US" sz="1200" b="1"/>
+              <a:t>2º teste: </a:t>
+            </a:r>
+            <a:r>
+              <a:rPr lang="pt-PT" altLang="en-US" sz="1200"/>
+              <a:t>Ver se o mecanismo está funcionando corretamente. Ao invés de usar as distribuições no cálculo, defini de forma fixa “if(CoI==0) tau=0,5” e também “if(CoI</a:t>
+            </a:r>
+            <a:r>
+              <a:rPr lang="pt-PT" altLang="en-US" sz="1200" baseline="-25000"/>
+              <a:t>i</a:t>
+            </a:r>
+            <a:r>
+              <a:rPr lang="pt-PT" altLang="en-US" sz="1200"/>
+              <a:t>&lt;COI</a:t>
+            </a:r>
+            <a:r>
+              <a:rPr lang="pt-PT" altLang="en-US" sz="1200" baseline="-25000"/>
+              <a:t>i-1</a:t>
+            </a:r>
+            <a:r>
+              <a:rPr lang="pt-PT" altLang="en-US" sz="1200"/>
+              <a:t>) tau=tau+1;”. Debugando deu pra ver que o mecanismo funciona perfeitamente.</a:t>
+            </a:r>
+            <a:endParaRPr lang="pt-PT" altLang="en-US" sz="1200"/>
+          </a:p>
+          <a:p>
+            <a:r>
+              <a:rPr lang="pt-PT" altLang="en-US" sz="1200" b="1"/>
+              <a:t>Funcionamento: </a:t>
+            </a:r>
+            <a:r>
+              <a:rPr lang="pt-PT" altLang="en-US" sz="1200"/>
+              <a:t>Se CoI não for 0 (sempre haver melhores indivíduos), nunca o tau vai resetar e só vai ficar cada vez mais determinístico.</a:t>
+            </a:r>
+            <a:endParaRPr lang="pt-PT" altLang="en-US" sz="1200"/>
+          </a:p>
+          <a:p>
+            <a:endParaRPr lang="pt-PT" altLang="en-US" sz="1200"/>
+          </a:p>
+          <a:p>
+            <a:r>
+              <a:rPr lang="pt-PT" altLang="en-US" sz="1200"/>
+              <a:t>Exemplo:</a:t>
+            </a:r>
+            <a:endParaRPr lang="pt-PT" altLang="en-US" sz="1200"/>
+          </a:p>
+          <a:p>
+            <a:r>
+              <a:rPr lang="pt-PT" altLang="en-US" sz="1200"/>
+              <a:t>f(x) atual = 0,86</a:t>
+            </a:r>
+            <a:endParaRPr lang="pt-PT" altLang="en-US" sz="1200"/>
+          </a:p>
+          <a:p>
+            <a:r>
+              <a:rPr lang="pt-PT" altLang="en-US" sz="1200"/>
+              <a:t>Se mutar o bit 1 vira 0,2</a:t>
+            </a:r>
+            <a:endParaRPr lang="pt-PT" altLang="en-US" sz="1200"/>
+          </a:p>
+          <a:p>
+            <a:r>
+              <a:rPr lang="pt-PT" altLang="en-US" sz="1200"/>
+              <a:t>Se mutar o bit 60 vira 0,1</a:t>
+            </a:r>
+            <a:endParaRPr lang="pt-PT" altLang="en-US" sz="1200"/>
+          </a:p>
+          <a:p>
+            <a:r>
+              <a:rPr lang="pt-PT" altLang="en-US" sz="1200"/>
+              <a:t>...</a:t>
+            </a:r>
+            <a:endParaRPr lang="pt-PT" altLang="en-US" sz="1200"/>
+          </a:p>
+          <a:p>
+            <a:r>
+              <a:rPr lang="pt-PT" altLang="en-US" sz="1200"/>
+              <a:t>Só que muta 1 por variável, então depois de mutar tudo o f(x) pode ser 8,9.</a:t>
+            </a:r>
+            <a:endParaRPr lang="pt-PT" altLang="en-US" sz="1200"/>
+          </a:p>
+          <a:p>
+            <a:r>
+              <a:rPr lang="pt-PT" altLang="en-US" sz="1200"/>
+              <a:t>Isso faz com que sempre tenha novos melhores indivíduos que a população de referência e o CoI sempre seja maior que 0, não resetando o tau.</a:t>
+            </a:r>
+            <a:endParaRPr lang="pt-PT" altLang="en-US" sz="1200"/>
+          </a:p>
+          <a:p>
+            <a:endParaRPr lang="pt-PT" altLang="en-US" sz="1200"/>
+          </a:p>
+          <a:p>
+            <a:r>
+              <a:rPr lang="pt-PT" altLang="en-US" sz="1200"/>
+              <a:t>A busca trava quando o tau fica muito determinístico.</a:t>
+            </a:r>
+            <a:endParaRPr lang="pt-PT" altLang="en-US" sz="1200"/>
+          </a:p>
+          <a:p>
+            <a:r>
+              <a:rPr lang="pt-PT" altLang="en-US" sz="1200"/>
+              <a:t>E pra testar isso, o que acontece quando se executa o GEOvar com tau=18 (muito determinístico)?</a:t>
+            </a:r>
+            <a:endParaRPr lang="pt-PT" altLang="en-US" sz="1200"/>
+          </a:p>
+          <a:p>
+            <a:r>
+              <a:rPr lang="pt-PT" altLang="en-US" sz="1200" b="1">
+                <a:sym typeface="+mn-ea"/>
+              </a:rPr>
+              <a:t>	O resultado fica travado igual ao A-GEO2var </a:t>
+            </a:r>
             <a:r>
               <a:rPr lang="pt-PT" altLang="en-US" sz="1200">
-                <a:solidFill>
-                  <a:schemeClr val="tx2"/>
-                </a:solidFill>
+                <a:sym typeface="+mn-ea"/>
               </a:rPr>
-              <a:t>Todas as versões estão estagnadas e não evoluem com o tempo</a:t>
+              <a:t>(mesmo valor desde NFE=5000 até NFE=100000).</a:t>
             </a:r>
-            <a:endParaRPr lang="pt-PT" altLang="en-US" sz="1200" baseline="-25000">
-              <a:solidFill>
-                <a:schemeClr val="tx2"/>
-              </a:solidFill>
-            </a:endParaRPr>
+            <a:endParaRPr lang="pt-PT" altLang="en-US" sz="1200"/>
+          </a:p>
+          <a:p>
+            <a:r>
+              <a:rPr lang="pt-PT" altLang="en-US" sz="1200"/>
+              <a:t>	</a:t>
+            </a:r>
+            <a:endParaRPr lang="pt-PT" altLang="en-US" sz="1200"/>
+          </a:p>
+          <a:p>
+            <a:r>
+              <a:rPr lang="pt-PT" altLang="en-US" sz="1200"/>
+              <a:t>O GEOvar funciona bem porque é tunado e o tau é baixo, permitindo uma estocasticidade. </a:t>
+            </a:r>
+            <a:endParaRPr lang="pt-PT" altLang="en-US" sz="1200"/>
+          </a:p>
+          <a:p>
+            <a:endParaRPr lang="pt-PT" altLang="en-US" sz="1200"/>
+          </a:p>
+          <a:p>
+            <a:r>
+              <a:rPr lang="pt-PT" altLang="en-US" sz="1200"/>
+              <a:t>Se a gente criar uma versão forçando a resetar o tau quando </a:t>
+            </a:r>
+            <a:r>
+              <a:rPr lang="pt-PT" altLang="en-US" sz="1200">
+                <a:sym typeface="+mn-ea"/>
+              </a:rPr>
+              <a:t>“if (CoI==0 || tau&gt;5)”</a:t>
+            </a:r>
+            <a:r>
+              <a:rPr lang="pt-PT" altLang="en-US" sz="1200"/>
+              <a:t>, aí o A-GEOvar não permite ficar determinístico e a busca traz resultados quase semlhantes ao GEOvar. Inclusive, esses resultados do A-GEO9var são iguais ou melhores que o A-GEO2 em todas as funções, ganhando em 4 das 6. </a:t>
+            </a:r>
+            <a:endParaRPr lang="pt-PT" altLang="en-US" sz="1200"/>
+          </a:p>
+          <a:p>
+            <a:endParaRPr lang="pt-PT" altLang="en-US" sz="1200"/>
+          </a:p>
+          <a:p>
+            <a:endParaRPr lang="pt-PT" altLang="en-US" sz="1200"/>
+          </a:p>
+          <a:p>
+            <a:r>
+              <a:rPr lang="pt-PT" altLang="en-US" sz="1200"/>
+              <a:t>????A versão A-GEO1var funciona melhor porque o CoI atinge 0 frequentemente, já que a população de referência é a melhor da busca (fx_melhor), então acontece seguido de nenhum dos novos indivíduos gerados ser melhor que o fx_melhor</a:t>
+            </a:r>
+            <a:endParaRPr lang="pt-PT" altLang="en-US" sz="1200"/>
+          </a:p>
+          <a:p>
+            <a:endParaRPr lang="pt-PT" altLang="en-US" sz="1200"/>
+          </a:p>
+          <a:p>
+            <a:r>
+              <a:rPr lang="pt-PT" altLang="en-US" sz="1200"/>
+              <a:t>????Isso faz com que o CoI nunca seja 0 e o tau se torne muito determinístico a ponto da busca ficar saltando unicamente entre 2 pontos do espaço de projeto</a:t>
+            </a:r>
+            <a:endParaRPr lang="pt-PT" altLang="en-US" sz="1200"/>
+          </a:p>
+          <a:p>
+            <a:endParaRPr lang="pt-PT" altLang="en-US" sz="1200"/>
+          </a:p>
+          <a:p>
+            <a:r>
+              <a:rPr lang="pt-PT" altLang="en-US" sz="1200">
+                <a:sym typeface="+mn-ea"/>
+              </a:rPr>
+              <a:t>Ex:</a:t>
+            </a:r>
+            <a:endParaRPr lang="pt-PT" altLang="en-US" sz="1200"/>
+          </a:p>
+          <a:p>
+            <a:r>
+              <a:rPr lang="pt-PT" altLang="en-US" sz="1200">
+                <a:sym typeface="+mn-ea"/>
+              </a:rPr>
+              <a:t>Inicialmente tem a população com f(x) valendo Y.</a:t>
+            </a:r>
+            <a:endParaRPr lang="pt-PT" altLang="en-US" sz="1200"/>
+          </a:p>
+          <a:p>
+            <a:r>
+              <a:rPr lang="pt-PT" altLang="en-US" sz="1200">
+                <a:sym typeface="+mn-ea"/>
+              </a:rPr>
+              <a:t>Com o tau muito determinístico, a chance é muito grande de sempre escolher por variável a mutação que mais melhora o f(x).</a:t>
+            </a:r>
+            <a:endParaRPr lang="pt-PT" altLang="en-US" sz="1200"/>
+          </a:p>
+          <a:p>
+            <a:r>
+              <a:rPr lang="pt-PT" altLang="en-US" sz="1200">
+                <a:sym typeface="+mn-ea"/>
+              </a:rPr>
+              <a:t>Depois que mutou todas, vai ter a nova população com f(x) valendo Z.</a:t>
+            </a:r>
+            <a:endParaRPr lang="pt-PT" altLang="en-US" sz="1200"/>
+          </a:p>
+          <a:p>
+            <a:r>
+              <a:rPr lang="pt-PT" altLang="en-US" sz="1200">
+                <a:sym typeface="+mn-ea"/>
+              </a:rPr>
+              <a:t>Com o tau muito determinístico, mutaria todas pra um novo ponto</a:t>
+            </a:r>
+            <a:endParaRPr lang="pt-PT" altLang="en-US" sz="1200"/>
           </a:p>
         </p:txBody>
       </p:sp>
-      <p:sp>
-        <p:nvSpPr>
-          <p:cNvPr id="4" name="Text Box 3"/>
-          <p:cNvSpPr txBox="1"/>
-          <p:nvPr/>
-        </p:nvSpPr>
-        <p:spPr>
-          <a:xfrm>
-            <a:off x="6587490" y="197485"/>
-            <a:ext cx="2342515" cy="414020"/>
-          </a:xfrm>
-          <a:prstGeom prst="rect">
-            <a:avLst/>
-          </a:prstGeom>
-          <a:noFill/>
-        </p:spPr>
-        <p:txBody>
-          <a:bodyPr wrap="square" rtlCol="0">
-            <a:spAutoFit/>
-          </a:bodyPr>
-          <a:p>
-            <a:pPr algn="r">
-              <a:lnSpc>
-                <a:spcPct val="150000"/>
-              </a:lnSpc>
-            </a:pPr>
-            <a:r>
-              <a:rPr lang="pt-PT" altLang="en-US" sz="1400"/>
-              <a:t>A-GEO1var e A-GEO2var</a:t>
-            </a:r>
-            <a:endParaRPr lang="pt-PT" altLang="en-US" sz="1400">
-              <a:solidFill>
-                <a:schemeClr val="accent1">
-                  <a:lumMod val="75000"/>
-                </a:schemeClr>
-              </a:solidFill>
-            </a:endParaRPr>
-          </a:p>
-        </p:txBody>
-      </p:sp>
-      <p:grpSp>
-        <p:nvGrpSpPr>
-          <p:cNvPr id="6" name="Group 5"/>
-          <p:cNvGrpSpPr/>
-          <p:nvPr/>
-        </p:nvGrpSpPr>
-        <p:grpSpPr>
-          <a:xfrm>
-            <a:off x="467360" y="269875"/>
-            <a:ext cx="6638290" cy="431800"/>
-            <a:chOff x="736" y="425"/>
-            <a:chExt cx="10454" cy="680"/>
-          </a:xfrm>
-        </p:grpSpPr>
-        <p:sp>
-          <p:nvSpPr>
-            <p:cNvPr id="8" name="Text Box 7"/>
-            <p:cNvSpPr txBox="1"/>
-            <p:nvPr/>
-          </p:nvSpPr>
-          <p:spPr>
-            <a:xfrm>
-              <a:off x="736" y="425"/>
-              <a:ext cx="10454" cy="531"/>
-            </a:xfrm>
-            <a:prstGeom prst="rect">
-              <a:avLst/>
-            </a:prstGeom>
-            <a:noFill/>
-          </p:spPr>
-          <p:txBody>
-            <a:bodyPr wrap="square" rtlCol="0">
-              <a:spAutoFit/>
-            </a:bodyPr>
-            <a:p>
-              <a:pPr algn="l"/>
-              <a:r>
-                <a:rPr lang="pt-PT" altLang="en-US" sz="1600">
-                  <a:sym typeface="+mn-ea"/>
-                </a:rPr>
-                <a:t>3.2 Correção das implementações </a:t>
-              </a:r>
-              <a:r>
-                <a:rPr lang="pt-PT" altLang="en-US" sz="1600">
-                  <a:sym typeface="+mn-ea"/>
-                </a:rPr>
-                <a:t>A-GEO e A-GEOvar (nov/21)</a:t>
-              </a:r>
-              <a:endParaRPr lang="pt-PT" altLang="en-US" sz="1600">
-                <a:sym typeface="+mn-ea"/>
-              </a:endParaRPr>
-            </a:p>
-          </p:txBody>
-        </p:sp>
-        <p:cxnSp>
-          <p:nvCxnSpPr>
-            <p:cNvPr id="9" name="Straight Connector 8"/>
-            <p:cNvCxnSpPr/>
-            <p:nvPr/>
-          </p:nvCxnSpPr>
-          <p:spPr>
-            <a:xfrm>
-              <a:off x="848" y="1105"/>
-              <a:ext cx="9527" cy="0"/>
-            </a:xfrm>
-            <a:prstGeom prst="line">
-              <a:avLst/>
-            </a:prstGeom>
-            <a:ln w="38100">
-              <a:solidFill>
-                <a:schemeClr val="accent6">
-                  <a:lumMod val="75000"/>
-                </a:schemeClr>
-              </a:solidFill>
-            </a:ln>
-          </p:spPr>
-          <p:style>
-            <a:lnRef idx="1">
-              <a:schemeClr val="accent1"/>
-            </a:lnRef>
-            <a:fillRef idx="0">
-              <a:schemeClr val="accent1"/>
-            </a:fillRef>
-            <a:effectRef idx="0">
-              <a:schemeClr val="accent1"/>
-            </a:effectRef>
-            <a:fontRef idx="minor">
-              <a:schemeClr val="tx1"/>
-            </a:fontRef>
-          </p:style>
-        </p:cxnSp>
-      </p:grpSp>
     </p:spTree>
   </p:cSld>
   <p:clrMapOvr>
@@ -13551,14 +12864,14 @@
       <p:grpSpPr/>
       <p:sp>
         <p:nvSpPr>
-          <p:cNvPr id="7" name="Text Box 6"/>
+          <p:cNvPr id="4" name="Text Box 3"/>
           <p:cNvSpPr txBox="1"/>
           <p:nvPr/>
         </p:nvSpPr>
         <p:spPr>
           <a:xfrm>
-            <a:off x="611505" y="989965"/>
-            <a:ext cx="8042910" cy="2676525"/>
+            <a:off x="827405" y="917575"/>
+            <a:ext cx="6972300" cy="3415030"/>
           </a:xfrm>
           <a:prstGeom prst="rect">
             <a:avLst/>
@@ -13570,58 +12883,30 @@
             <a:spAutoFit/>
           </a:bodyPr>
           <a:p>
-            <a:pPr indent="0" algn="l" fontAlgn="auto">
+            <a:pPr>
               <a:lnSpc>
                 <a:spcPct val="200000"/>
               </a:lnSpc>
-              <a:spcAft>
-                <a:spcPts val="0"/>
-              </a:spcAft>
-              <a:buFont typeface="Arial" panose="020B0604020202020204" pitchFamily="34" charset="0"/>
-              <a:buNone/>
             </a:pPr>
             <a:r>
               <a:rPr lang="pt-PT" altLang="en-US" sz="1200" b="1">
                 <a:solidFill>
                   <a:schemeClr val="tx1"/>
                 </a:solidFill>
-                <a:sym typeface="+mn-ea"/>
               </a:rPr>
-              <a:t>Essa estagnação pode estar ocorrendo devido a implementação do mecanismo adaptativo na versão A-GEOvar</a:t>
+              <a:t>Plotar:</a:t>
             </a:r>
             <a:endParaRPr lang="pt-PT" altLang="en-US" sz="1200" b="1">
               <a:solidFill>
                 <a:schemeClr val="tx1"/>
               </a:solidFill>
-              <a:sym typeface="+mn-ea"/>
             </a:endParaRPr>
           </a:p>
           <a:p>
-            <a:pPr indent="0" algn="l" fontAlgn="auto">
+            <a:pPr marL="171450" indent="-171450">
               <a:lnSpc>
                 <a:spcPct val="200000"/>
               </a:lnSpc>
-              <a:spcAft>
-                <a:spcPts val="0"/>
-              </a:spcAft>
-              <a:buFont typeface="Arial" panose="020B0604020202020204" pitchFamily="34" charset="0"/>
-              <a:buNone/>
-            </a:pPr>
-            <a:endParaRPr lang="pt-PT" altLang="en-US" sz="1200" b="1">
-              <a:solidFill>
-                <a:schemeClr val="tx1"/>
-              </a:solidFill>
-              <a:sym typeface="+mn-ea"/>
-            </a:endParaRPr>
-          </a:p>
-          <a:p>
-            <a:pPr marL="171450" indent="-171450" algn="l" fontAlgn="auto">
-              <a:lnSpc>
-                <a:spcPct val="200000"/>
-              </a:lnSpc>
-              <a:spcAft>
-                <a:spcPts val="0"/>
-              </a:spcAft>
               <a:buFont typeface="Arial" panose="020B0604020202020204" pitchFamily="34" charset="0"/>
               <a:buChar char="•"/>
             </a:pPr>
@@ -13630,43 +12915,20 @@
                 <a:solidFill>
                   <a:schemeClr val="tx1"/>
                 </a:solidFill>
-                <a:sym typeface="+mn-ea"/>
               </a:rPr>
-              <a:t>É provável que isso esteja acontecendo devido ao mecanismo não estar atingindo a condição CoI</a:t>
-            </a:r>
-            <a:r>
-              <a:rPr lang="pt-PT" altLang="en-US" sz="1200" baseline="-25000">
-                <a:solidFill>
-                  <a:schemeClr val="tx1"/>
-                </a:solidFill>
-                <a:sym typeface="+mn-ea"/>
-              </a:rPr>
-              <a:t>i</a:t>
-            </a:r>
-            <a:r>
-              <a:rPr lang="pt-PT" altLang="en-US" sz="1200">
-                <a:solidFill>
-                  <a:schemeClr val="tx1"/>
-                </a:solidFill>
-                <a:sym typeface="+mn-ea"/>
-              </a:rPr>
-              <a:t>==0 para resetar o tau. </a:t>
+              <a:t>A-GEO2</a:t>
             </a:r>
             <a:endParaRPr lang="pt-PT" altLang="en-US" sz="1200">
               <a:solidFill>
                 <a:schemeClr val="tx1"/>
               </a:solidFill>
-              <a:sym typeface="+mn-ea"/>
             </a:endParaRPr>
           </a:p>
           <a:p>
-            <a:pPr marL="628650" lvl="1" indent="-171450" algn="l" fontAlgn="auto">
+            <a:pPr marL="171450" indent="-171450">
               <a:lnSpc>
                 <a:spcPct val="200000"/>
               </a:lnSpc>
-              <a:spcAft>
-                <a:spcPts val="0"/>
-              </a:spcAft>
               <a:buFont typeface="Arial" panose="020B0604020202020204" pitchFamily="34" charset="0"/>
               <a:buChar char="•"/>
             </a:pPr>
@@ -13675,138 +12937,127 @@
                 <a:solidFill>
                   <a:schemeClr val="tx1"/>
                 </a:solidFill>
-                <a:sym typeface="+mn-ea"/>
               </a:rPr>
-              <a:t>Para verificar isso: será gerada uma nova versão denominada A-GEO9var com a condição (</a:t>
-            </a:r>
-            <a:r>
-              <a:rPr lang="pt-PT" altLang="en-US" sz="1200">
-                <a:solidFill>
-                  <a:schemeClr val="tx1"/>
-                </a:solidFill>
-                <a:sym typeface="+mn-ea"/>
-              </a:rPr>
-              <a:t>CoI</a:t>
-            </a:r>
-            <a:r>
-              <a:rPr lang="pt-PT" altLang="en-US" sz="1200" baseline="-25000">
-                <a:solidFill>
-                  <a:schemeClr val="tx1"/>
-                </a:solidFill>
-                <a:sym typeface="+mn-ea"/>
-              </a:rPr>
-              <a:t>i</a:t>
-            </a:r>
-            <a:r>
-              <a:rPr lang="pt-PT" altLang="en-US" sz="1200">
-                <a:solidFill>
-                  <a:schemeClr val="tx1"/>
-                </a:solidFill>
-                <a:sym typeface="+mn-ea"/>
-              </a:rPr>
-              <a:t>==0 || tau&gt;5) onde o tau será forçado a resetar se ultrapassar 5. Então se o CoI==0 não resetar o tau, o próprio tau&gt;5 reseta ele.</a:t>
+              <a:t>A-GEO1var</a:t>
             </a:r>
             <a:endParaRPr lang="pt-PT" altLang="en-US" sz="1200">
               <a:solidFill>
                 <a:schemeClr val="tx1"/>
               </a:solidFill>
+            </a:endParaRPr>
+          </a:p>
+          <a:p>
+            <a:pPr marL="171450" indent="-171450">
+              <a:lnSpc>
+                <a:spcPct val="200000"/>
+              </a:lnSpc>
+              <a:buFont typeface="Arial" panose="020B0604020202020204" pitchFamily="34" charset="0"/>
+              <a:buChar char="•"/>
+            </a:pPr>
+            <a:r>
+              <a:rPr lang="pt-PT" altLang="en-US" sz="1200">
+                <a:sym typeface="+mn-ea"/>
+              </a:rPr>
+              <a:t>A-GEO2var</a:t>
+            </a:r>
+            <a:endParaRPr lang="pt-PT" altLang="en-US" sz="1200">
               <a:sym typeface="+mn-ea"/>
+            </a:endParaRPr>
+          </a:p>
+          <a:p>
+            <a:pPr marL="171450" indent="-171450">
+              <a:lnSpc>
+                <a:spcPct val="200000"/>
+              </a:lnSpc>
+              <a:buFont typeface="Arial" panose="020B0604020202020204" pitchFamily="34" charset="0"/>
+              <a:buChar char="•"/>
+            </a:pPr>
+            <a:r>
+              <a:rPr lang="pt-PT" altLang="en-US" sz="1200">
+                <a:sym typeface="+mn-ea"/>
+              </a:rPr>
+              <a:t>A-GEO2var1 “if(CoI==0 || tau&gt;1)”</a:t>
+            </a:r>
+            <a:endParaRPr lang="pt-PT" altLang="en-US" sz="1200">
+              <a:sym typeface="+mn-ea"/>
+            </a:endParaRPr>
+          </a:p>
+          <a:p>
+            <a:pPr marL="171450" indent="-171450">
+              <a:lnSpc>
+                <a:spcPct val="200000"/>
+              </a:lnSpc>
+              <a:buFont typeface="Arial" panose="020B0604020202020204" pitchFamily="34" charset="0"/>
+              <a:buChar char="•"/>
+            </a:pPr>
+            <a:r>
+              <a:rPr lang="pt-PT" altLang="en-US" sz="1200">
+                <a:sym typeface="+mn-ea"/>
+              </a:rPr>
+              <a:t>A-GEO2var2 “if(CoI==0 || tau&gt;2)”</a:t>
+            </a:r>
+            <a:endParaRPr lang="pt-PT" altLang="en-US" sz="1200">
+              <a:sym typeface="+mn-ea"/>
+            </a:endParaRPr>
+          </a:p>
+          <a:p>
+            <a:pPr marL="171450" indent="-171450">
+              <a:lnSpc>
+                <a:spcPct val="200000"/>
+              </a:lnSpc>
+              <a:buFont typeface="Arial" panose="020B0604020202020204" pitchFamily="34" charset="0"/>
+              <a:buChar char="•"/>
+            </a:pPr>
+            <a:r>
+              <a:rPr lang="pt-PT" altLang="en-US" sz="1200">
+                <a:sym typeface="+mn-ea"/>
+              </a:rPr>
+              <a:t>A-GEO2var3 “if(CoI==0 || tau&gt;3)”</a:t>
+            </a:r>
+            <a:endParaRPr lang="pt-PT" altLang="en-US" sz="1200">
+              <a:sym typeface="+mn-ea"/>
+            </a:endParaRPr>
+          </a:p>
+          <a:p>
+            <a:pPr marL="171450" indent="-171450">
+              <a:lnSpc>
+                <a:spcPct val="200000"/>
+              </a:lnSpc>
+              <a:buFont typeface="Arial" panose="020B0604020202020204" pitchFamily="34" charset="0"/>
+              <a:buChar char="•"/>
+            </a:pPr>
+            <a:r>
+              <a:rPr lang="pt-PT" altLang="en-US" sz="1200">
+                <a:sym typeface="+mn-ea"/>
+              </a:rPr>
+              <a:t>A-GEO2var4 “if(CoI==0 || tau&gt;4)”</a:t>
+            </a:r>
+            <a:endParaRPr lang="pt-PT" altLang="en-US" sz="1200">
+              <a:sym typeface="+mn-ea"/>
+            </a:endParaRPr>
+          </a:p>
+          <a:p>
+            <a:pPr marL="171450" indent="-171450">
+              <a:lnSpc>
+                <a:spcPct val="200000"/>
+              </a:lnSpc>
+              <a:buFont typeface="Arial" panose="020B0604020202020204" pitchFamily="34" charset="0"/>
+              <a:buChar char="•"/>
+            </a:pPr>
+            <a:r>
+              <a:rPr lang="pt-PT" altLang="en-US" sz="1200">
+                <a:sym typeface="+mn-ea"/>
+              </a:rPr>
+              <a:t>A-GEO2var5 “if(CoI==0 || tau&gt;5)”</a:t>
+            </a:r>
+            <a:endParaRPr lang="pt-PT" altLang="en-US" sz="1200">
+              <a:solidFill>
+                <a:schemeClr val="tx1"/>
+              </a:solidFill>
             </a:endParaRPr>
           </a:p>
         </p:txBody>
       </p:sp>
-      <p:grpSp>
-        <p:nvGrpSpPr>
-          <p:cNvPr id="2" name="Group 1"/>
-          <p:cNvGrpSpPr/>
-          <p:nvPr/>
-        </p:nvGrpSpPr>
-        <p:grpSpPr>
-          <a:xfrm>
-            <a:off x="467360" y="269875"/>
-            <a:ext cx="6638290" cy="431800"/>
-            <a:chOff x="736" y="425"/>
-            <a:chExt cx="10454" cy="680"/>
-          </a:xfrm>
-        </p:grpSpPr>
-        <p:sp>
-          <p:nvSpPr>
-            <p:cNvPr id="3" name="Text Box 2"/>
-            <p:cNvSpPr txBox="1"/>
-            <p:nvPr/>
-          </p:nvSpPr>
-          <p:spPr>
-            <a:xfrm>
-              <a:off x="736" y="425"/>
-              <a:ext cx="10454" cy="531"/>
-            </a:xfrm>
-            <a:prstGeom prst="rect">
-              <a:avLst/>
-            </a:prstGeom>
-            <a:noFill/>
-          </p:spPr>
-          <p:txBody>
-            <a:bodyPr wrap="square" rtlCol="0">
-              <a:spAutoFit/>
-            </a:bodyPr>
-            <a:p>
-              <a:pPr algn="l"/>
-              <a:r>
-                <a:rPr lang="pt-PT" altLang="en-US" sz="1600">
-                  <a:sym typeface="+mn-ea"/>
-                </a:rPr>
-                <a:t>3.2 Correção das implementações </a:t>
-              </a:r>
-              <a:r>
-                <a:rPr lang="pt-PT" altLang="en-US" sz="1600">
-                  <a:sym typeface="+mn-ea"/>
-                </a:rPr>
-                <a:t>A-GEO e A-GEOvar (nov/21)</a:t>
-              </a:r>
-              <a:endParaRPr lang="pt-PT" altLang="en-US" sz="1600">
-                <a:sym typeface="+mn-ea"/>
-              </a:endParaRPr>
-            </a:p>
-          </p:txBody>
-        </p:sp>
-        <p:cxnSp>
-          <p:nvCxnSpPr>
-            <p:cNvPr id="5" name="Straight Connector 4"/>
-            <p:cNvCxnSpPr/>
-            <p:nvPr/>
-          </p:nvCxnSpPr>
-          <p:spPr>
-            <a:xfrm>
-              <a:off x="848" y="1105"/>
-              <a:ext cx="9527" cy="0"/>
-            </a:xfrm>
-            <a:prstGeom prst="line">
-              <a:avLst/>
-            </a:prstGeom>
-            <a:ln w="38100">
-              <a:solidFill>
-                <a:schemeClr val="accent6">
-                  <a:lumMod val="75000"/>
-                </a:schemeClr>
-              </a:solidFill>
-            </a:ln>
-          </p:spPr>
-          <p:style>
-            <a:lnRef idx="1">
-              <a:schemeClr val="accent1"/>
-            </a:lnRef>
-            <a:fillRef idx="0">
-              <a:schemeClr val="accent1"/>
-            </a:fillRef>
-            <a:effectRef idx="0">
-              <a:schemeClr val="accent1"/>
-            </a:effectRef>
-            <a:fontRef idx="minor">
-              <a:schemeClr val="tx1"/>
-            </a:fontRef>
-          </p:style>
-        </p:cxnSp>
-      </p:grpSp>
     </p:spTree>
   </p:cSld>
   <p:clrMapOvr>
@@ -13825,284 +13076,6 @@
         <p:nvPr/>
       </p:nvGrpSpPr>
       <p:grpSpPr/>
-      <p:pic>
-        <p:nvPicPr>
-          <p:cNvPr id="4" name="Picture 3" descr="AGEOvar129_ACK"/>
-          <p:cNvPicPr>
-            <a:picLocks noChangeAspect="1"/>
-          </p:cNvPicPr>
-          <p:nvPr/>
-        </p:nvPicPr>
-        <p:blipFill>
-          <a:blip r:embed="rId1"/>
-          <a:stretch>
-            <a:fillRect/>
-          </a:stretch>
-        </p:blipFill>
-        <p:spPr>
-          <a:xfrm>
-            <a:off x="6018530" y="989965"/>
-            <a:ext cx="2883535" cy="1872615"/>
-          </a:xfrm>
-          <a:prstGeom prst="rect">
-            <a:avLst/>
-          </a:prstGeom>
-        </p:spPr>
-      </p:pic>
-      <p:pic>
-        <p:nvPicPr>
-          <p:cNvPr id="10" name="Picture 9" descr="AGEOvar129_BEA"/>
-          <p:cNvPicPr>
-            <a:picLocks noChangeAspect="1"/>
-          </p:cNvPicPr>
-          <p:nvPr/>
-        </p:nvPicPr>
-        <p:blipFill>
-          <a:blip r:embed="rId2"/>
-          <a:stretch>
-            <a:fillRect/>
-          </a:stretch>
-        </p:blipFill>
-        <p:spPr>
-          <a:xfrm>
-            <a:off x="6018530" y="2861945"/>
-            <a:ext cx="2883535" cy="1872615"/>
-          </a:xfrm>
-          <a:prstGeom prst="rect">
-            <a:avLst/>
-          </a:prstGeom>
-        </p:spPr>
-      </p:pic>
-      <p:pic>
-        <p:nvPicPr>
-          <p:cNvPr id="11" name="Picture 10" descr="AGEOvar129_GRI"/>
-          <p:cNvPicPr>
-            <a:picLocks noChangeAspect="1"/>
-          </p:cNvPicPr>
-          <p:nvPr/>
-        </p:nvPicPr>
-        <p:blipFill>
-          <a:blip r:embed="rId3"/>
-          <a:stretch>
-            <a:fillRect/>
-          </a:stretch>
-        </p:blipFill>
-        <p:spPr>
-          <a:xfrm>
-            <a:off x="251460" y="989965"/>
-            <a:ext cx="2883535" cy="1872615"/>
-          </a:xfrm>
-          <a:prstGeom prst="rect">
-            <a:avLst/>
-          </a:prstGeom>
-        </p:spPr>
-      </p:pic>
-      <p:pic>
-        <p:nvPicPr>
-          <p:cNvPr id="12" name="Picture 11" descr="AGEOvar129_RAS"/>
-          <p:cNvPicPr>
-            <a:picLocks noChangeAspect="1"/>
-          </p:cNvPicPr>
-          <p:nvPr/>
-        </p:nvPicPr>
-        <p:blipFill>
-          <a:blip r:embed="rId4"/>
-          <a:stretch>
-            <a:fillRect/>
-          </a:stretch>
-        </p:blipFill>
-        <p:spPr>
-          <a:xfrm>
-            <a:off x="3134995" y="989330"/>
-            <a:ext cx="2883535" cy="1872615"/>
-          </a:xfrm>
-          <a:prstGeom prst="rect">
-            <a:avLst/>
-          </a:prstGeom>
-        </p:spPr>
-      </p:pic>
-      <p:pic>
-        <p:nvPicPr>
-          <p:cNvPr id="13" name="Picture 12" descr="AGEOvar129_ROS"/>
-          <p:cNvPicPr>
-            <a:picLocks noChangeAspect="1"/>
-          </p:cNvPicPr>
-          <p:nvPr/>
-        </p:nvPicPr>
-        <p:blipFill>
-          <a:blip r:embed="rId5"/>
-          <a:stretch>
-            <a:fillRect/>
-          </a:stretch>
-        </p:blipFill>
-        <p:spPr>
-          <a:xfrm>
-            <a:off x="251460" y="2861945"/>
-            <a:ext cx="2883535" cy="1872615"/>
-          </a:xfrm>
-          <a:prstGeom prst="rect">
-            <a:avLst/>
-          </a:prstGeom>
-        </p:spPr>
-      </p:pic>
-      <p:pic>
-        <p:nvPicPr>
-          <p:cNvPr id="14" name="Picture 13" descr="AGEOvar129_SCH"/>
-          <p:cNvPicPr>
-            <a:picLocks noChangeAspect="1"/>
-          </p:cNvPicPr>
-          <p:nvPr/>
-        </p:nvPicPr>
-        <p:blipFill>
-          <a:blip r:embed="rId6"/>
-          <a:stretch>
-            <a:fillRect/>
-          </a:stretch>
-        </p:blipFill>
-        <p:spPr>
-          <a:xfrm>
-            <a:off x="3134995" y="2861945"/>
-            <a:ext cx="2883535" cy="1872615"/>
-          </a:xfrm>
-          <a:prstGeom prst="rect">
-            <a:avLst/>
-          </a:prstGeom>
-        </p:spPr>
-      </p:pic>
-      <p:sp>
-        <p:nvSpPr>
-          <p:cNvPr id="21" name="Text Box 20"/>
-          <p:cNvSpPr txBox="1"/>
-          <p:nvPr/>
-        </p:nvSpPr>
-        <p:spPr>
-          <a:xfrm>
-            <a:off x="538480" y="4733925"/>
-            <a:ext cx="8151495" cy="368300"/>
-          </a:xfrm>
-          <a:prstGeom prst="rect">
-            <a:avLst/>
-          </a:prstGeom>
-          <a:noFill/>
-        </p:spPr>
-        <p:txBody>
-          <a:bodyPr wrap="square" rtlCol="0">
-            <a:spAutoFit/>
-          </a:bodyPr>
-          <a:p>
-            <a:pPr algn="ctr">
-              <a:lnSpc>
-                <a:spcPct val="150000"/>
-              </a:lnSpc>
-            </a:pPr>
-            <a:r>
-              <a:rPr lang="pt-PT" altLang="en-US" sz="1200">
-                <a:solidFill>
-                  <a:schemeClr val="tx2"/>
-                </a:solidFill>
-              </a:rPr>
-              <a:t>É possível observar o impacto do tau ser forçado a resetar na versão A-GEO9var</a:t>
-            </a:r>
-            <a:endParaRPr lang="pt-PT" altLang="en-US" sz="1200" baseline="-25000">
-              <a:solidFill>
-                <a:schemeClr val="tx2"/>
-              </a:solidFill>
-            </a:endParaRPr>
-          </a:p>
-        </p:txBody>
-      </p:sp>
-      <p:grpSp>
-        <p:nvGrpSpPr>
-          <p:cNvPr id="2" name="Group 1"/>
-          <p:cNvGrpSpPr/>
-          <p:nvPr/>
-        </p:nvGrpSpPr>
-        <p:grpSpPr>
-          <a:xfrm>
-            <a:off x="467360" y="269875"/>
-            <a:ext cx="6638290" cy="431800"/>
-            <a:chOff x="736" y="425"/>
-            <a:chExt cx="10454" cy="680"/>
-          </a:xfrm>
-        </p:grpSpPr>
-        <p:sp>
-          <p:nvSpPr>
-            <p:cNvPr id="3" name="Text Box 2"/>
-            <p:cNvSpPr txBox="1"/>
-            <p:nvPr/>
-          </p:nvSpPr>
-          <p:spPr>
-            <a:xfrm>
-              <a:off x="736" y="425"/>
-              <a:ext cx="10454" cy="531"/>
-            </a:xfrm>
-            <a:prstGeom prst="rect">
-              <a:avLst/>
-            </a:prstGeom>
-            <a:noFill/>
-          </p:spPr>
-          <p:txBody>
-            <a:bodyPr wrap="square" rtlCol="0">
-              <a:spAutoFit/>
-            </a:bodyPr>
-            <a:p>
-              <a:pPr algn="l"/>
-              <a:r>
-                <a:rPr lang="pt-PT" altLang="en-US" sz="1600">
-                  <a:sym typeface="+mn-ea"/>
-                </a:rPr>
-                <a:t>3.2 Correção das implementações </a:t>
-              </a:r>
-              <a:r>
-                <a:rPr lang="pt-PT" altLang="en-US" sz="1600">
-                  <a:sym typeface="+mn-ea"/>
-                </a:rPr>
-                <a:t>A-GEO e A-GEOvar (nov/21)</a:t>
-              </a:r>
-              <a:endParaRPr lang="pt-PT" altLang="en-US" sz="1600">
-                <a:sym typeface="+mn-ea"/>
-              </a:endParaRPr>
-            </a:p>
-          </p:txBody>
-        </p:sp>
-        <p:cxnSp>
-          <p:nvCxnSpPr>
-            <p:cNvPr id="5" name="Straight Connector 4"/>
-            <p:cNvCxnSpPr/>
-            <p:nvPr/>
-          </p:nvCxnSpPr>
-          <p:spPr>
-            <a:xfrm>
-              <a:off x="848" y="1105"/>
-              <a:ext cx="9527" cy="0"/>
-            </a:xfrm>
-            <a:prstGeom prst="line">
-              <a:avLst/>
-            </a:prstGeom>
-            <a:ln w="38100">
-              <a:solidFill>
-                <a:schemeClr val="accent6">
-                  <a:lumMod val="75000"/>
-                </a:schemeClr>
-              </a:solidFill>
-            </a:ln>
-          </p:spPr>
-          <p:style>
-            <a:lnRef idx="1">
-              <a:schemeClr val="accent1"/>
-            </a:lnRef>
-            <a:fillRef idx="0">
-              <a:schemeClr val="accent1"/>
-            </a:fillRef>
-            <a:effectRef idx="0">
-              <a:schemeClr val="accent1"/>
-            </a:effectRef>
-            <a:fontRef idx="minor">
-              <a:schemeClr val="tx1"/>
-            </a:fontRef>
-          </p:style>
-        </p:cxnSp>
-      </p:grpSp>
     </p:spTree>
   </p:cSld>
   <p:clrMapOvr>
@@ -15047,646 +14020,6 @@
 </file>
 
 <file path=ppt/slides/slide20.xml><?xml version="1.0" encoding="utf-8"?>
-<p:sld xmlns:a="http://schemas.openxmlformats.org/drawingml/2006/main" xmlns:r="http://schemas.openxmlformats.org/officeDocument/2006/relationships" xmlns:p="http://schemas.openxmlformats.org/presentationml/2006/main">
-  <p:cSld>
-    <p:spTree>
-      <p:nvGrpSpPr>
-        <p:cNvPr id="1" name=""/>
-        <p:cNvGrpSpPr/>
-        <p:nvPr/>
-      </p:nvGrpSpPr>
-      <p:grpSpPr/>
-      <p:sp>
-        <p:nvSpPr>
-          <p:cNvPr id="7" name="Text Box 6"/>
-          <p:cNvSpPr txBox="1"/>
-          <p:nvPr/>
-        </p:nvSpPr>
-        <p:spPr>
-          <a:xfrm>
-            <a:off x="611505" y="917575"/>
-            <a:ext cx="8042910" cy="3784600"/>
-          </a:xfrm>
-          <a:prstGeom prst="rect">
-            <a:avLst/>
-          </a:prstGeom>
-          <a:noFill/>
-        </p:spPr>
-        <p:txBody>
-          <a:bodyPr wrap="square" rtlCol="0">
-            <a:spAutoFit/>
-          </a:bodyPr>
-          <a:p>
-            <a:pPr indent="0" algn="l" fontAlgn="auto">
-              <a:lnSpc>
-                <a:spcPct val="150000"/>
-              </a:lnSpc>
-              <a:spcAft>
-                <a:spcPts val="1200"/>
-              </a:spcAft>
-              <a:buFont typeface="Arial" panose="020B0604020202020204" pitchFamily="34" charset="0"/>
-              <a:buNone/>
-            </a:pPr>
-            <a:r>
-              <a:rPr lang="pt-PT" altLang="en-US" sz="1200" b="1">
-                <a:sym typeface="+mn-ea"/>
-              </a:rPr>
-              <a:t>DEBUG revelou que somente as versões A-GEO1var e A-GEO9var resetam o tau:</a:t>
-            </a:r>
-            <a:endParaRPr lang="pt-PT" altLang="en-US" sz="1200" b="1">
-              <a:sym typeface="+mn-ea"/>
-            </a:endParaRPr>
-          </a:p>
-          <a:p>
-            <a:pPr marL="628650" lvl="1" indent="0" algn="l" fontAlgn="auto">
-              <a:lnSpc>
-                <a:spcPct val="150000"/>
-              </a:lnSpc>
-              <a:spcAft>
-                <a:spcPts val="1200"/>
-              </a:spcAft>
-              <a:buFont typeface="Arial" panose="020B0604020202020204" pitchFamily="34" charset="0"/>
-              <a:buChar char="•"/>
-            </a:pPr>
-            <a:r>
-              <a:rPr lang="pt-PT" altLang="en-US" sz="1200" b="1">
-                <a:sym typeface="+mn-ea"/>
-              </a:rPr>
-              <a:t>A-GEO1var: </a:t>
-            </a:r>
-            <a:r>
-              <a:rPr lang="pt-PT" altLang="en-US" sz="1200">
-                <a:sym typeface="+mn-ea"/>
-              </a:rPr>
-              <a:t>f(x) </a:t>
-            </a:r>
-            <a:r>
-              <a:rPr lang="pt-PT" altLang="en-US" sz="1200">
-                <a:sym typeface="+mn-ea"/>
-              </a:rPr>
-              <a:t>de referência pra calcular a CoI é o melhor da busca, então é bem provável acontecer de nenhuma solução melhorar, atingindo CoI==0 e resetando o tau.</a:t>
-            </a:r>
-            <a:endParaRPr lang="pt-PT" altLang="en-US" sz="1200" b="1">
-              <a:sym typeface="+mn-ea"/>
-            </a:endParaRPr>
-          </a:p>
-          <a:p>
-            <a:pPr marL="628650" lvl="1" indent="0" algn="l" fontAlgn="auto">
-              <a:lnSpc>
-                <a:spcPct val="150000"/>
-              </a:lnSpc>
-              <a:spcAft>
-                <a:spcPts val="1200"/>
-              </a:spcAft>
-              <a:buFont typeface="Arial" panose="020B0604020202020204" pitchFamily="34" charset="0"/>
-              <a:buChar char="•"/>
-            </a:pPr>
-            <a:r>
-              <a:rPr lang="pt-PT" altLang="en-US" sz="1200" b="1">
-                <a:sym typeface="+mn-ea"/>
-              </a:rPr>
-              <a:t>A-GEO9var: </a:t>
-            </a:r>
-            <a:r>
-              <a:rPr lang="pt-PT" altLang="en-US" sz="1200">
-                <a:sym typeface="+mn-ea"/>
-              </a:rPr>
-              <a:t>f(x) de referência pra calcular CoI é o f(x) atual, entao é provável que várias soluções melhorem e CoI não seja 0. O DEBUG confirma isso e todas as vezes que tau resetou foi porque tau&gt;5.</a:t>
-            </a:r>
-            <a:endParaRPr lang="pt-PT" altLang="en-US" sz="1200">
-              <a:solidFill>
-                <a:schemeClr val="tx1"/>
-              </a:solidFill>
-              <a:sym typeface="+mn-ea"/>
-            </a:endParaRPr>
-          </a:p>
-          <a:p>
-            <a:pPr marL="171450" indent="0" algn="l" fontAlgn="auto">
-              <a:lnSpc>
-                <a:spcPct val="150000"/>
-              </a:lnSpc>
-              <a:spcAft>
-                <a:spcPts val="1200"/>
-              </a:spcAft>
-              <a:buFont typeface="Arial" panose="020B0604020202020204" pitchFamily="34" charset="0"/>
-              <a:buChar char="•"/>
-            </a:pPr>
-            <a:endParaRPr lang="pt-PT" altLang="en-US" sz="1200">
-              <a:solidFill>
-                <a:schemeClr val="tx1"/>
-              </a:solidFill>
-              <a:sym typeface="+mn-ea"/>
-            </a:endParaRPr>
-          </a:p>
-          <a:p>
-            <a:pPr indent="0" algn="l" fontAlgn="auto">
-              <a:lnSpc>
-                <a:spcPct val="150000"/>
-              </a:lnSpc>
-              <a:spcAft>
-                <a:spcPts val="1200"/>
-              </a:spcAft>
-              <a:buFont typeface="Arial" panose="020B0604020202020204" pitchFamily="34" charset="0"/>
-              <a:buNone/>
-            </a:pPr>
-            <a:r>
-              <a:rPr lang="pt-PT" altLang="en-US" sz="1200">
-                <a:solidFill>
-                  <a:schemeClr val="tx1"/>
-                </a:solidFill>
-                <a:sym typeface="+mn-ea"/>
-              </a:rPr>
-              <a:t>Diferença do mecanismo adaptativo no A-GEO2 e A-GEO2var:</a:t>
-            </a:r>
-            <a:endParaRPr lang="pt-PT" altLang="en-US" sz="1200">
-              <a:solidFill>
-                <a:schemeClr val="tx1"/>
-              </a:solidFill>
-              <a:sym typeface="+mn-ea"/>
-            </a:endParaRPr>
-          </a:p>
-          <a:p>
-            <a:pPr marL="171450" indent="0" algn="l" fontAlgn="auto">
-              <a:lnSpc>
-                <a:spcPct val="150000"/>
-              </a:lnSpc>
-              <a:spcAft>
-                <a:spcPts val="1200"/>
-              </a:spcAft>
-              <a:buFont typeface="Arial" panose="020B0604020202020204" pitchFamily="34" charset="0"/>
-              <a:buChar char="•"/>
-            </a:pPr>
-            <a:r>
-              <a:rPr lang="pt-PT" altLang="en-US" sz="1200" b="1">
-                <a:solidFill>
-                  <a:schemeClr val="tx1"/>
-                </a:solidFill>
-                <a:sym typeface="+mn-ea"/>
-              </a:rPr>
-              <a:t>A-GEO2: </a:t>
-            </a:r>
-            <a:r>
-              <a:rPr lang="pt-PT" altLang="en-US" sz="1200">
-                <a:solidFill>
-                  <a:schemeClr val="tx1"/>
-                </a:solidFill>
-                <a:sym typeface="+mn-ea"/>
-              </a:rPr>
-              <a:t>Escolhe uma perturbação para ser aceita</a:t>
-            </a:r>
-            <a:r>
-              <a:rPr lang="pt-PT" altLang="en-US" sz="1200" b="1">
-                <a:solidFill>
-                  <a:schemeClr val="tx1"/>
-                </a:solidFill>
-                <a:sym typeface="+mn-ea"/>
-              </a:rPr>
-              <a:t>, já se sabe o f(x) que vai resultar quando escolhe.</a:t>
-            </a:r>
-            <a:endParaRPr lang="pt-PT" altLang="en-US" sz="1200" b="1">
-              <a:solidFill>
-                <a:schemeClr val="tx1"/>
-              </a:solidFill>
-              <a:sym typeface="+mn-ea"/>
-            </a:endParaRPr>
-          </a:p>
-          <a:p>
-            <a:pPr marL="171450" indent="0" algn="l" fontAlgn="auto">
-              <a:lnSpc>
-                <a:spcPct val="150000"/>
-              </a:lnSpc>
-              <a:spcAft>
-                <a:spcPts val="1200"/>
-              </a:spcAft>
-              <a:buFont typeface="Arial" panose="020B0604020202020204" pitchFamily="34" charset="0"/>
-              <a:buChar char="•"/>
-            </a:pPr>
-            <a:r>
-              <a:rPr lang="pt-PT" altLang="en-US" sz="1200" b="1">
-                <a:solidFill>
-                  <a:schemeClr val="tx1"/>
-                </a:solidFill>
-                <a:sym typeface="+mn-ea"/>
-              </a:rPr>
-              <a:t>A-GEO2var</a:t>
-            </a:r>
-            <a:r>
-              <a:rPr lang="pt-PT" altLang="en-US" sz="1200">
-                <a:solidFill>
-                  <a:schemeClr val="tx1"/>
-                </a:solidFill>
-                <a:sym typeface="+mn-ea"/>
-              </a:rPr>
-              <a:t>: Escolhe uma perturbação por variável e </a:t>
-            </a:r>
-            <a:r>
-              <a:rPr lang="pt-PT" altLang="en-US" sz="1200" b="1">
-                <a:solidFill>
-                  <a:schemeClr val="tx1"/>
-                </a:solidFill>
-                <a:sym typeface="+mn-ea"/>
-              </a:rPr>
-              <a:t>no fim calcula o f(x) da população atual</a:t>
-            </a:r>
-            <a:r>
-              <a:rPr lang="pt-PT" altLang="en-US" sz="1200">
-                <a:solidFill>
-                  <a:schemeClr val="tx1"/>
-                </a:solidFill>
-                <a:sym typeface="+mn-ea"/>
-              </a:rPr>
-              <a:t>, que pode ser bem alto, fazendo com que sempre haja pelo menos uma nova solução melhor e CoI nunca seja 0</a:t>
-            </a:r>
-            <a:endParaRPr lang="pt-PT" altLang="en-US" sz="1200">
-              <a:solidFill>
-                <a:schemeClr val="tx1"/>
-              </a:solidFill>
-              <a:sym typeface="+mn-ea"/>
-            </a:endParaRPr>
-          </a:p>
-        </p:txBody>
-      </p:sp>
-      <p:grpSp>
-        <p:nvGrpSpPr>
-          <p:cNvPr id="2" name="Group 1"/>
-          <p:cNvGrpSpPr/>
-          <p:nvPr/>
-        </p:nvGrpSpPr>
-        <p:grpSpPr>
-          <a:xfrm>
-            <a:off x="467360" y="269875"/>
-            <a:ext cx="6638290" cy="431800"/>
-            <a:chOff x="736" y="425"/>
-            <a:chExt cx="10454" cy="680"/>
-          </a:xfrm>
-        </p:grpSpPr>
-        <p:sp>
-          <p:nvSpPr>
-            <p:cNvPr id="3" name="Text Box 2"/>
-            <p:cNvSpPr txBox="1"/>
-            <p:nvPr/>
-          </p:nvSpPr>
-          <p:spPr>
-            <a:xfrm>
-              <a:off x="736" y="425"/>
-              <a:ext cx="10454" cy="531"/>
-            </a:xfrm>
-            <a:prstGeom prst="rect">
-              <a:avLst/>
-            </a:prstGeom>
-            <a:noFill/>
-          </p:spPr>
-          <p:txBody>
-            <a:bodyPr wrap="square" rtlCol="0">
-              <a:spAutoFit/>
-            </a:bodyPr>
-            <a:p>
-              <a:pPr algn="l"/>
-              <a:r>
-                <a:rPr lang="pt-PT" altLang="en-US" sz="1600">
-                  <a:sym typeface="+mn-ea"/>
-                </a:rPr>
-                <a:t>3.2 Correção das implementações </a:t>
-              </a:r>
-              <a:r>
-                <a:rPr lang="pt-PT" altLang="en-US" sz="1600">
-                  <a:sym typeface="+mn-ea"/>
-                </a:rPr>
-                <a:t>A-GEO e A-GEOvar (nov/21)</a:t>
-              </a:r>
-              <a:endParaRPr lang="pt-PT" altLang="en-US" sz="1600">
-                <a:sym typeface="+mn-ea"/>
-              </a:endParaRPr>
-            </a:p>
-          </p:txBody>
-        </p:sp>
-        <p:cxnSp>
-          <p:nvCxnSpPr>
-            <p:cNvPr id="5" name="Straight Connector 4"/>
-            <p:cNvCxnSpPr/>
-            <p:nvPr/>
-          </p:nvCxnSpPr>
-          <p:spPr>
-            <a:xfrm>
-              <a:off x="848" y="1105"/>
-              <a:ext cx="9527" cy="0"/>
-            </a:xfrm>
-            <a:prstGeom prst="line">
-              <a:avLst/>
-            </a:prstGeom>
-            <a:ln w="38100">
-              <a:solidFill>
-                <a:schemeClr val="accent6">
-                  <a:lumMod val="75000"/>
-                </a:schemeClr>
-              </a:solidFill>
-            </a:ln>
-          </p:spPr>
-          <p:style>
-            <a:lnRef idx="1">
-              <a:schemeClr val="accent1"/>
-            </a:lnRef>
-            <a:fillRef idx="0">
-              <a:schemeClr val="accent1"/>
-            </a:fillRef>
-            <a:effectRef idx="0">
-              <a:schemeClr val="accent1"/>
-            </a:effectRef>
-            <a:fontRef idx="minor">
-              <a:schemeClr val="tx1"/>
-            </a:fontRef>
-          </p:style>
-        </p:cxnSp>
-      </p:grpSp>
-    </p:spTree>
-  </p:cSld>
-  <p:clrMapOvr>
-    <a:masterClrMapping/>
-  </p:clrMapOvr>
-</p:sld>
-</file>
-
-<file path=ppt/slides/slide21.xml><?xml version="1.0" encoding="utf-8"?>
-<p:sld xmlns:a="http://schemas.openxmlformats.org/drawingml/2006/main" xmlns:r="http://schemas.openxmlformats.org/officeDocument/2006/relationships" xmlns:p="http://schemas.openxmlformats.org/presentationml/2006/main">
-  <p:cSld>
-    <p:spTree>
-      <p:nvGrpSpPr>
-        <p:cNvPr id="1" name=""/>
-        <p:cNvGrpSpPr/>
-        <p:nvPr/>
-      </p:nvGrpSpPr>
-      <p:grpSpPr/>
-      <p:sp>
-        <p:nvSpPr>
-          <p:cNvPr id="7" name="Text Box 6"/>
-          <p:cNvSpPr txBox="1"/>
-          <p:nvPr/>
-        </p:nvSpPr>
-        <p:spPr>
-          <a:xfrm>
-            <a:off x="755015" y="1061720"/>
-            <a:ext cx="8066405" cy="3353435"/>
-          </a:xfrm>
-          <a:prstGeom prst="rect">
-            <a:avLst/>
-          </a:prstGeom>
-          <a:noFill/>
-        </p:spPr>
-        <p:txBody>
-          <a:bodyPr wrap="square" rtlCol="0">
-            <a:spAutoFit/>
-          </a:bodyPr>
-          <a:p>
-            <a:pPr indent="0" algn="l" fontAlgn="auto">
-              <a:lnSpc>
-                <a:spcPct val="150000"/>
-              </a:lnSpc>
-              <a:spcAft>
-                <a:spcPts val="1200"/>
-              </a:spcAft>
-              <a:buFont typeface="Arial" panose="020B0604020202020204" pitchFamily="34" charset="0"/>
-              <a:buNone/>
-            </a:pPr>
-            <a:r>
-              <a:rPr lang="pt-PT" altLang="en-US" sz="1200" b="1">
-                <a:sym typeface="+mn-ea"/>
-              </a:rPr>
-              <a:t>Conclusões sobre A-GEO e A-GEOvar</a:t>
-            </a:r>
-            <a:endParaRPr lang="pt-PT" altLang="en-US" sz="1200" b="1">
-              <a:sym typeface="+mn-ea"/>
-            </a:endParaRPr>
-          </a:p>
-          <a:p>
-            <a:pPr marL="628650" lvl="1" indent="0" algn="l" fontAlgn="auto">
-              <a:lnSpc>
-                <a:spcPct val="150000"/>
-              </a:lnSpc>
-              <a:spcAft>
-                <a:spcPts val="1200"/>
-              </a:spcAft>
-              <a:buFont typeface="Arial" panose="020B0604020202020204" pitchFamily="34" charset="0"/>
-              <a:buChar char="•"/>
-            </a:pPr>
-            <a:r>
-              <a:rPr lang="pt-PT" altLang="en-US" sz="1200">
-                <a:sym typeface="+mn-ea"/>
-              </a:rPr>
-              <a:t> A-GEOvar foi sempre pior que o A-GEO (Artigo CSBC inválido)</a:t>
-            </a:r>
-            <a:endParaRPr lang="pt-PT" altLang="en-US" sz="1200">
-              <a:sym typeface="+mn-ea"/>
-            </a:endParaRPr>
-          </a:p>
-          <a:p>
-            <a:pPr marL="628650" lvl="1" indent="0" algn="l" fontAlgn="auto">
-              <a:lnSpc>
-                <a:spcPct val="150000"/>
-              </a:lnSpc>
-              <a:spcAft>
-                <a:spcPts val="1200"/>
-              </a:spcAft>
-              <a:buFont typeface="Arial" panose="020B0604020202020204" pitchFamily="34" charset="0"/>
-              <a:buChar char="•"/>
-            </a:pPr>
-            <a:r>
-              <a:rPr lang="pt-PT" altLang="en-US" sz="1200">
-                <a:sym typeface="+mn-ea"/>
-              </a:rPr>
-              <a:t> No A-GEO2var sempre vai ter uma mutação que melhora em comparação a população atual, então nunca reseta. Por isso que aquele (CoI==0 || tau&gt;5) forçando o tau a resetar se &gt;5 funcionou melhor.</a:t>
-            </a:r>
-            <a:endParaRPr lang="pt-PT" altLang="en-US" sz="1200">
-              <a:sym typeface="+mn-ea"/>
-            </a:endParaRPr>
-          </a:p>
-          <a:p>
-            <a:pPr marL="1085850" lvl="2" indent="0" algn="l" fontAlgn="auto">
-              <a:lnSpc>
-                <a:spcPct val="150000"/>
-              </a:lnSpc>
-              <a:spcAft>
-                <a:spcPts val="1200"/>
-              </a:spcAft>
-              <a:buFont typeface="Arial" panose="020B0604020202020204" pitchFamily="34" charset="0"/>
-              <a:buChar char="•"/>
-            </a:pPr>
-            <a:r>
-              <a:rPr lang="pt-PT" altLang="en-US" sz="1200">
-                <a:sym typeface="+mn-ea"/>
-              </a:rPr>
-              <a:t> Um teste seria usar o f(x) de referência como sendo o último melhor f(x) dos novos indivíduos.</a:t>
-            </a:r>
-            <a:endParaRPr lang="pt-PT" altLang="en-US" sz="1200">
-              <a:sym typeface="+mn-ea"/>
-            </a:endParaRPr>
-          </a:p>
-          <a:p>
-            <a:pPr marL="1085850" lvl="2" indent="0" algn="l" fontAlgn="auto">
-              <a:lnSpc>
-                <a:spcPct val="150000"/>
-              </a:lnSpc>
-              <a:spcAft>
-                <a:spcPts val="1200"/>
-              </a:spcAft>
-              <a:buFont typeface="Arial" panose="020B0604020202020204" pitchFamily="34" charset="0"/>
-              <a:buChar char="•"/>
-            </a:pPr>
-            <a:endParaRPr lang="pt-PT" altLang="en-US" sz="1200" b="1">
-              <a:sym typeface="+mn-ea"/>
-            </a:endParaRPr>
-          </a:p>
-          <a:p>
-            <a:pPr marL="171450" indent="0" algn="l" fontAlgn="auto">
-              <a:lnSpc>
-                <a:spcPct val="150000"/>
-              </a:lnSpc>
-              <a:spcAft>
-                <a:spcPts val="1200"/>
-              </a:spcAft>
-              <a:buFont typeface="Arial" panose="020B0604020202020204" pitchFamily="34" charset="0"/>
-              <a:buNone/>
-            </a:pPr>
-            <a:r>
-              <a:rPr lang="pt-PT" altLang="en-US" sz="1200" b="1">
-                <a:sym typeface="+mn-ea"/>
-              </a:rPr>
-              <a:t>Alerta:</a:t>
-            </a:r>
-            <a:r>
-              <a:rPr lang="pt-PT" altLang="en-US" sz="1200">
-                <a:sym typeface="+mn-ea"/>
-              </a:rPr>
-              <a:t> Quando for implementar o A-GEO no </a:t>
-            </a:r>
-            <a:r>
-              <a:rPr lang="pt-PT" altLang="en-US" sz="1200" b="1">
-                <a:sym typeface="+mn-ea"/>
-              </a:rPr>
-              <a:t>real2 </a:t>
-            </a:r>
-            <a:r>
-              <a:rPr lang="pt-PT" altLang="en-US" sz="1200">
-                <a:sym typeface="+mn-ea"/>
-              </a:rPr>
-              <a:t>é diferente. Ao invés de considerar para o CoI as N perturbações feitas como no GEOreal1, haverão N*P perturbações (</a:t>
-            </a:r>
-            <a:r>
-              <a:rPr lang="pt-PT" altLang="en-US" sz="1200">
-                <a:sym typeface="+mn-ea"/>
-              </a:rPr>
-              <a:t>Considerar por ex. a condição sendo CoI &lt; 1/5?)</a:t>
-            </a:r>
-            <a:endParaRPr lang="pt-PT" altLang="en-US" sz="1200">
-              <a:solidFill>
-                <a:schemeClr val="accent1">
-                  <a:lumMod val="75000"/>
-                </a:schemeClr>
-              </a:solidFill>
-            </a:endParaRPr>
-          </a:p>
-        </p:txBody>
-      </p:sp>
-      <p:grpSp>
-        <p:nvGrpSpPr>
-          <p:cNvPr id="2" name="Group 1"/>
-          <p:cNvGrpSpPr/>
-          <p:nvPr/>
-        </p:nvGrpSpPr>
-        <p:grpSpPr>
-          <a:xfrm>
-            <a:off x="467360" y="269875"/>
-            <a:ext cx="6638290" cy="431800"/>
-            <a:chOff x="736" y="425"/>
-            <a:chExt cx="10454" cy="680"/>
-          </a:xfrm>
-        </p:grpSpPr>
-        <p:sp>
-          <p:nvSpPr>
-            <p:cNvPr id="3" name="Text Box 2"/>
-            <p:cNvSpPr txBox="1"/>
-            <p:nvPr/>
-          </p:nvSpPr>
-          <p:spPr>
-            <a:xfrm>
-              <a:off x="736" y="425"/>
-              <a:ext cx="10454" cy="531"/>
-            </a:xfrm>
-            <a:prstGeom prst="rect">
-              <a:avLst/>
-            </a:prstGeom>
-            <a:noFill/>
-          </p:spPr>
-          <p:txBody>
-            <a:bodyPr wrap="square" rtlCol="0">
-              <a:spAutoFit/>
-            </a:bodyPr>
-            <a:p>
-              <a:pPr algn="l"/>
-              <a:r>
-                <a:rPr lang="pt-PT" altLang="en-US" sz="1600">
-                  <a:sym typeface="+mn-ea"/>
-                </a:rPr>
-                <a:t>3.2 Correção das implementações </a:t>
-              </a:r>
-              <a:r>
-                <a:rPr lang="pt-PT" altLang="en-US" sz="1600">
-                  <a:sym typeface="+mn-ea"/>
-                </a:rPr>
-                <a:t>A-GEO e A-GEOvar (nov/21)</a:t>
-              </a:r>
-              <a:endParaRPr lang="pt-PT" altLang="en-US" sz="1600">
-                <a:sym typeface="+mn-ea"/>
-              </a:endParaRPr>
-            </a:p>
-          </p:txBody>
-        </p:sp>
-        <p:cxnSp>
-          <p:nvCxnSpPr>
-            <p:cNvPr id="5" name="Straight Connector 4"/>
-            <p:cNvCxnSpPr/>
-            <p:nvPr/>
-          </p:nvCxnSpPr>
-          <p:spPr>
-            <a:xfrm>
-              <a:off x="848" y="1105"/>
-              <a:ext cx="9527" cy="0"/>
-            </a:xfrm>
-            <a:prstGeom prst="line">
-              <a:avLst/>
-            </a:prstGeom>
-            <a:ln w="38100">
-              <a:solidFill>
-                <a:schemeClr val="accent6">
-                  <a:lumMod val="75000"/>
-                </a:schemeClr>
-              </a:solidFill>
-            </a:ln>
-          </p:spPr>
-          <p:style>
-            <a:lnRef idx="1">
-              <a:schemeClr val="accent1"/>
-            </a:lnRef>
-            <a:fillRef idx="0">
-              <a:schemeClr val="accent1"/>
-            </a:fillRef>
-            <a:effectRef idx="0">
-              <a:schemeClr val="accent1"/>
-            </a:effectRef>
-            <a:fontRef idx="minor">
-              <a:schemeClr val="tx1"/>
-            </a:fontRef>
-          </p:style>
-        </p:cxnSp>
-      </p:grpSp>
-    </p:spTree>
-  </p:cSld>
-  <p:clrMapOvr>
-    <a:masterClrMapping/>
-  </p:clrMapOvr>
-</p:sld>
-</file>
-
-<file path=ppt/slides/slide22.xml><?xml version="1.0" encoding="utf-8"?>
 <p:sld xmlns:a="http://schemas.openxmlformats.org/drawingml/2006/main" xmlns:r="http://schemas.openxmlformats.org/officeDocument/2006/relationships" xmlns:p="http://schemas.openxmlformats.org/presentationml/2006/main">
   <p:cSld>
     <p:spTree>
@@ -17424,7 +15757,7 @@
 </p:sld>
 </file>
 
-<file path=ppt/slides/slide23.xml><?xml version="1.0" encoding="utf-8"?>
+<file path=ppt/slides/slide21.xml><?xml version="1.0" encoding="utf-8"?>
 <p:sld xmlns:a="http://schemas.openxmlformats.org/drawingml/2006/main" xmlns:r="http://schemas.openxmlformats.org/officeDocument/2006/relationships" xmlns:p="http://schemas.openxmlformats.org/presentationml/2006/main">
   <p:cSld>
     <p:spTree>
@@ -17937,7 +16270,7 @@
 </p:sld>
 </file>
 
-<file path=ppt/slides/slide24.xml><?xml version="1.0" encoding="utf-8"?>
+<file path=ppt/slides/slide22.xml><?xml version="1.0" encoding="utf-8"?>
 <p:sld xmlns:a="http://schemas.openxmlformats.org/drawingml/2006/main" xmlns:r="http://schemas.openxmlformats.org/officeDocument/2006/relationships" xmlns:p="http://schemas.openxmlformats.org/presentationml/2006/main">
   <p:cSld>
     <p:spTree>
@@ -18235,7 +16568,7 @@
 </p:sld>
 </file>
 
-<file path=ppt/slides/slide25.xml><?xml version="1.0" encoding="utf-8"?>
+<file path=ppt/slides/slide23.xml><?xml version="1.0" encoding="utf-8"?>
 <p:sld xmlns:a="http://schemas.openxmlformats.org/drawingml/2006/main" xmlns:r="http://schemas.openxmlformats.org/officeDocument/2006/relationships" xmlns:p="http://schemas.openxmlformats.org/presentationml/2006/main">
   <p:cSld>
     <p:spTree>
@@ -18254,7 +16587,7 @@
         <p:spPr>
           <a:xfrm>
             <a:off x="755015" y="1061720"/>
-            <a:ext cx="7407910" cy="2491740"/>
+            <a:ext cx="7407910" cy="2830195"/>
           </a:xfrm>
           <a:prstGeom prst="rect">
             <a:avLst/>
@@ -18268,7 +16601,7 @@
           <a:p>
             <a:pPr indent="0" algn="l" fontAlgn="auto">
               <a:lnSpc>
-                <a:spcPct val="150000"/>
+                <a:spcPct val="200000"/>
               </a:lnSpc>
               <a:spcAft>
                 <a:spcPts val="1200"/>
@@ -18277,19 +16610,19 @@
               <a:buNone/>
             </a:pPr>
             <a:r>
-              <a:rPr lang="pt-PT" altLang="en-US" sz="1200" b="1">
+              <a:rPr lang="pt-PT" altLang="en-US" sz="1400" b="1">
                 <a:sym typeface="+mn-ea"/>
               </a:rPr>
-              <a:t>Conclusões:</a:t>
+              <a:t>Conclusões</a:t>
             </a:r>
-            <a:endParaRPr lang="pt-PT" altLang="en-US" sz="1200" b="1">
+            <a:endParaRPr lang="pt-PT" altLang="en-US" sz="1400" b="1">
               <a:sym typeface="+mn-ea"/>
             </a:endParaRPr>
           </a:p>
           <a:p>
             <a:pPr marL="171450" indent="-171450" algn="l" fontAlgn="auto">
               <a:lnSpc>
-                <a:spcPct val="150000"/>
+                <a:spcPct val="200000"/>
               </a:lnSpc>
               <a:spcAft>
                 <a:spcPts val="1200"/>
@@ -18307,7 +16640,7 @@
           <a:p>
             <a:pPr marL="171450" indent="-171450" algn="l" fontAlgn="auto">
               <a:lnSpc>
-                <a:spcPct val="150000"/>
+                <a:spcPct val="200000"/>
               </a:lnSpc>
               <a:spcAft>
                 <a:spcPts val="1200"/>
@@ -18364,7 +16697,7 @@
           <a:p>
             <a:pPr marL="171450" indent="-171450" algn="l" fontAlgn="auto">
               <a:lnSpc>
-                <a:spcPct val="150000"/>
+                <a:spcPct val="200000"/>
               </a:lnSpc>
               <a:spcAft>
                 <a:spcPts val="1200"/>
@@ -18396,7 +16729,7 @@
               <a:rPr lang="pt-PT" altLang="en-US" sz="1200">
                 <a:sym typeface="+mn-ea"/>
               </a:rPr>
-              <a:t>foi igual ou melhor que a versão A-GEO2. Ao realizar uma comparação entre as duas implementações, prefere-se a versão A-GEO4 visto que é menos custosa computacionalmente (não é necessário armazenar a variável CoI</a:t>
+              <a:t>foi igual ou melhor que a versão A-GEO2. Porém, prefere-se a versão A-GEO4 visto que é menos custosa computacionalmente (não é necessário armazenar a variável CoI</a:t>
             </a:r>
             <a:r>
               <a:rPr lang="pt-PT" altLang="en-US" sz="1200" baseline="-25000">
@@ -18513,7 +16846,7 @@
 </p:sld>
 </file>
 
-<file path=ppt/slides/slide26.xml><?xml version="1.0" encoding="utf-8"?>
+<file path=ppt/slides/slide24.xml><?xml version="1.0" encoding="utf-8"?>
 <p:sld xmlns:a="http://schemas.openxmlformats.org/drawingml/2006/main" xmlns:r="http://schemas.openxmlformats.org/officeDocument/2006/relationships" xmlns:p="http://schemas.openxmlformats.org/presentationml/2006/main">
   <p:cSld>
     <p:spTree>
@@ -19769,7 +18102,7 @@
 </p:sld>
 </file>
 
-<file path=ppt/slides/slide27.xml><?xml version="1.0" encoding="utf-8"?>
+<file path=ppt/slides/slide25.xml><?xml version="1.0" encoding="utf-8"?>
 <p:sld xmlns:a="http://schemas.openxmlformats.org/drawingml/2006/main" xmlns:r="http://schemas.openxmlformats.org/officeDocument/2006/relationships" xmlns:p="http://schemas.openxmlformats.org/presentationml/2006/main">
   <p:cSld>
     <p:spTree>
@@ -27094,7 +25427,7 @@
 </p:sld>
 </file>
 
-<file path=ppt/slides/slide28.xml><?xml version="1.0" encoding="utf-8"?>
+<file path=ppt/slides/slide26.xml><?xml version="1.0" encoding="utf-8"?>
 <p:sld xmlns:a="http://schemas.openxmlformats.org/drawingml/2006/main" xmlns:r="http://schemas.openxmlformats.org/officeDocument/2006/relationships" xmlns:p="http://schemas.openxmlformats.org/presentationml/2006/main">
   <p:cSld>
     <p:spTree>
@@ -28160,7 +26493,7 @@
 </p:sld>
 </file>
 
-<file path=ppt/slides/slide29.xml><?xml version="1.0" encoding="utf-8"?>
+<file path=ppt/slides/slide27.xml><?xml version="1.0" encoding="utf-8"?>
 <p:sld xmlns:a="http://schemas.openxmlformats.org/drawingml/2006/main" xmlns:r="http://schemas.openxmlformats.org/officeDocument/2006/relationships" xmlns:p="http://schemas.openxmlformats.org/presentationml/2006/main">
   <p:cSld>
     <p:spTree>
@@ -28417,262 +26750,7 @@
 </p:sld>
 </file>
 
-<file path=ppt/slides/slide3.xml><?xml version="1.0" encoding="utf-8"?>
-<p:sld xmlns:a="http://schemas.openxmlformats.org/drawingml/2006/main" xmlns:r="http://schemas.openxmlformats.org/officeDocument/2006/relationships" xmlns:p="http://schemas.openxmlformats.org/presentationml/2006/main">
-  <p:cSld>
-    <p:spTree>
-      <p:nvGrpSpPr>
-        <p:cNvPr id="1" name=""/>
-        <p:cNvGrpSpPr/>
-        <p:nvPr/>
-      </p:nvGrpSpPr>
-      <p:grpSpPr>
-        <a:xfrm>
-          <a:off x="0" y="0"/>
-          <a:ext cx="0" cy="0"/>
-          <a:chOff x="0" y="0"/>
-          <a:chExt cx="0" cy="0"/>
-        </a:xfrm>
-      </p:grpSpPr>
-      <p:grpSp>
-        <p:nvGrpSpPr>
-          <p:cNvPr id="13" name="Group 12"/>
-          <p:cNvGrpSpPr/>
-          <p:nvPr/>
-        </p:nvGrpSpPr>
-        <p:grpSpPr>
-          <a:xfrm>
-            <a:off x="467360" y="269875"/>
-            <a:ext cx="6120765" cy="431800"/>
-            <a:chOff x="736" y="425"/>
-            <a:chExt cx="9639" cy="680"/>
-          </a:xfrm>
-        </p:grpSpPr>
-        <p:sp>
-          <p:nvSpPr>
-            <p:cNvPr id="10" name="Text Box 9"/>
-            <p:cNvSpPr txBox="1"/>
-            <p:nvPr/>
-          </p:nvSpPr>
-          <p:spPr>
-            <a:xfrm>
-              <a:off x="736" y="425"/>
-              <a:ext cx="7962" cy="531"/>
-            </a:xfrm>
-            <a:prstGeom prst="rect">
-              <a:avLst/>
-            </a:prstGeom>
-            <a:noFill/>
-          </p:spPr>
-          <p:txBody>
-            <a:bodyPr wrap="square" rtlCol="0">
-              <a:spAutoFit/>
-            </a:bodyPr>
-            <a:p>
-              <a:pPr algn="l"/>
-              <a:r>
-                <a:rPr lang="pt-PT" altLang="en-US" sz="1600">
-                  <a:sym typeface="+mn-ea"/>
-                </a:rPr>
-                <a:t>2.1 Tuning do GEO e GEOvar</a:t>
-              </a:r>
-              <a:endParaRPr lang="pt-PT" altLang="en-US" sz="1600">
-                <a:sym typeface="+mn-ea"/>
-              </a:endParaRPr>
-            </a:p>
-          </p:txBody>
-        </p:sp>
-        <p:cxnSp>
-          <p:nvCxnSpPr>
-            <p:cNvPr id="16" name="Straight Connector 15"/>
-            <p:cNvCxnSpPr/>
-            <p:nvPr/>
-          </p:nvCxnSpPr>
-          <p:spPr>
-            <a:xfrm>
-              <a:off x="848" y="1105"/>
-              <a:ext cx="9527" cy="0"/>
-            </a:xfrm>
-            <a:prstGeom prst="line">
-              <a:avLst/>
-            </a:prstGeom>
-            <a:ln w="38100">
-              <a:solidFill>
-                <a:schemeClr val="accent6">
-                  <a:lumMod val="75000"/>
-                </a:schemeClr>
-              </a:solidFill>
-            </a:ln>
-          </p:spPr>
-          <p:style>
-            <a:lnRef idx="1">
-              <a:schemeClr val="accent1"/>
-            </a:lnRef>
-            <a:fillRef idx="0">
-              <a:schemeClr val="accent1"/>
-            </a:fillRef>
-            <a:effectRef idx="0">
-              <a:schemeClr val="accent1"/>
-            </a:effectRef>
-            <a:fontRef idx="minor">
-              <a:schemeClr val="tx1"/>
-            </a:fontRef>
-          </p:style>
-        </p:cxnSp>
-      </p:grpSp>
-      <p:sp>
-        <p:nvSpPr>
-          <p:cNvPr id="2" name="Text Box 1"/>
-          <p:cNvSpPr txBox="1"/>
-          <p:nvPr/>
-        </p:nvSpPr>
-        <p:spPr>
-          <a:xfrm>
-            <a:off x="538480" y="963295"/>
-            <a:ext cx="7832725" cy="368300"/>
-          </a:xfrm>
-          <a:prstGeom prst="rect">
-            <a:avLst/>
-          </a:prstGeom>
-          <a:noFill/>
-        </p:spPr>
-        <p:txBody>
-          <a:bodyPr wrap="square" rtlCol="0">
-            <a:spAutoFit/>
-          </a:bodyPr>
-          <a:p>
-            <a:pPr indent="0" algn="l" fontAlgn="auto">
-              <a:lnSpc>
-                <a:spcPct val="150000"/>
-              </a:lnSpc>
-              <a:spcAft>
-                <a:spcPts val="1200"/>
-              </a:spcAft>
-              <a:buFont typeface="Arial" panose="020B0604020202020204" pitchFamily="34" charset="0"/>
-              <a:buNone/>
-            </a:pPr>
-            <a:r>
-              <a:rPr lang="pt-PT" altLang="en-US" sz="1200" b="1"/>
-              <a:t>Valores obtido através do ajuste do parâmetro tau:</a:t>
-            </a:r>
-            <a:endParaRPr lang="pt-PT" altLang="en-US" sz="1200" b="1"/>
-          </a:p>
-        </p:txBody>
-      </p:sp>
-      <p:sp>
-        <p:nvSpPr>
-          <p:cNvPr id="6" name="Text Box 5"/>
-          <p:cNvSpPr txBox="1"/>
-          <p:nvPr/>
-        </p:nvSpPr>
-        <p:spPr>
-          <a:xfrm>
-            <a:off x="323215" y="2501900"/>
-            <a:ext cx="8101965" cy="1229995"/>
-          </a:xfrm>
-          <a:prstGeom prst="rect">
-            <a:avLst/>
-          </a:prstGeom>
-          <a:noFill/>
-        </p:spPr>
-        <p:txBody>
-          <a:bodyPr wrap="square" rtlCol="0" anchor="t">
-            <a:spAutoFit/>
-          </a:bodyPr>
-          <a:p>
-            <a:pPr indent="0" algn="l" fontAlgn="auto">
-              <a:lnSpc>
-                <a:spcPct val="150000"/>
-              </a:lnSpc>
-              <a:spcAft>
-                <a:spcPts val="1200"/>
-              </a:spcAft>
-              <a:buFont typeface="Arial" panose="020B0604020202020204" pitchFamily="34" charset="0"/>
-              <a:buNone/>
-            </a:pPr>
-            <a:r>
-              <a:rPr lang="pt-PT" altLang="en-US" sz="1200">
-                <a:sym typeface="+mn-ea"/>
-              </a:rPr>
-              <a:t>Deu 0,75, diferente do fabiano e ERic.......</a:t>
-            </a:r>
-            <a:endParaRPr lang="pt-PT" altLang="en-US" sz="1200"/>
-          </a:p>
-          <a:p>
-            <a:pPr marL="342900" indent="-342900" algn="l" fontAlgn="auto">
-              <a:lnSpc>
-                <a:spcPct val="150000"/>
-              </a:lnSpc>
-              <a:spcAft>
-                <a:spcPts val="1200"/>
-              </a:spcAft>
-              <a:buFont typeface="Arial" panose="020B0604020202020204" pitchFamily="34" charset="0"/>
-              <a:buAutoNum type="arabicPeriod"/>
-            </a:pPr>
-            <a:r>
-              <a:rPr lang="pt-PT" altLang="en-US" sz="1200">
-                <a:sym typeface="+mn-ea"/>
-              </a:rPr>
-              <a:t>..................</a:t>
-            </a:r>
-            <a:endParaRPr lang="pt-PT" altLang="en-US" sz="1200"/>
-          </a:p>
-          <a:p>
-            <a:pPr marL="342900" indent="-342900" algn="l" fontAlgn="auto">
-              <a:lnSpc>
-                <a:spcPct val="150000"/>
-              </a:lnSpc>
-              <a:spcAft>
-                <a:spcPts val="1200"/>
-              </a:spcAft>
-              <a:buFont typeface="Arial" panose="020B0604020202020204" pitchFamily="34" charset="0"/>
-              <a:buAutoNum type="arabicPeriod"/>
-            </a:pPr>
-            <a:r>
-              <a:rPr lang="pt-PT" altLang="en-US" sz="1200">
-                <a:sym typeface="+mn-ea"/>
-              </a:rPr>
-              <a:t>.....................</a:t>
-            </a:r>
-            <a:endParaRPr lang="pt-PT" altLang="en-US" sz="1200">
-              <a:sym typeface="+mn-ea"/>
-            </a:endParaRPr>
-          </a:p>
-        </p:txBody>
-      </p:sp>
-      <p:pic>
-        <p:nvPicPr>
-          <p:cNvPr id="8" name="Picture 7"/>
-          <p:cNvPicPr>
-            <a:picLocks noChangeAspect="1"/>
-          </p:cNvPicPr>
-          <p:nvPr/>
-        </p:nvPicPr>
-        <p:blipFill>
-          <a:blip r:embed="rId1"/>
-          <a:stretch>
-            <a:fillRect/>
-          </a:stretch>
-        </p:blipFill>
-        <p:spPr>
-          <a:xfrm>
-            <a:off x="666750" y="1421765"/>
-            <a:ext cx="7810500" cy="571500"/>
-          </a:xfrm>
-          <a:prstGeom prst="rect">
-            <a:avLst/>
-          </a:prstGeom>
-        </p:spPr>
-      </p:pic>
-    </p:spTree>
-  </p:cSld>
-  <p:clrMapOvr>
-    <a:masterClrMapping/>
-  </p:clrMapOvr>
-</p:sld>
-</file>
-
-<file path=ppt/slides/slide30.xml><?xml version="1.0" encoding="utf-8"?>
+<file path=ppt/slides/slide28.xml><?xml version="1.0" encoding="utf-8"?>
 <p:sld xmlns:a="http://schemas.openxmlformats.org/drawingml/2006/main" xmlns:r="http://schemas.openxmlformats.org/officeDocument/2006/relationships" xmlns:p="http://schemas.openxmlformats.org/presentationml/2006/main">
   <p:cSld>
     <p:spTree>
@@ -28923,343 +27001,7 @@
 </p:sld>
 </file>
 
-<file path=ppt/slides/slide31.xml><?xml version="1.0" encoding="utf-8"?>
-<p:sld xmlns:a="http://schemas.openxmlformats.org/drawingml/2006/main" xmlns:r="http://schemas.openxmlformats.org/officeDocument/2006/relationships" xmlns:p="http://schemas.openxmlformats.org/presentationml/2006/main">
-  <p:cSld>
-    <p:spTree>
-      <p:nvGrpSpPr>
-        <p:cNvPr id="1" name=""/>
-        <p:cNvGrpSpPr/>
-        <p:nvPr/>
-      </p:nvGrpSpPr>
-      <p:grpSpPr>
-        <a:xfrm>
-          <a:off x="0" y="0"/>
-          <a:ext cx="0" cy="0"/>
-          <a:chOff x="0" y="0"/>
-          <a:chExt cx="0" cy="0"/>
-        </a:xfrm>
-      </p:grpSpPr>
-      <p:sp>
-        <p:nvSpPr>
-          <p:cNvPr id="13" name="CaixaDeTexto 3"/>
-          <p:cNvSpPr txBox="1"/>
-          <p:nvPr/>
-        </p:nvSpPr>
-        <p:spPr>
-          <a:xfrm>
-            <a:off x="2413100" y="270078"/>
-            <a:ext cx="4318000" cy="306705"/>
-          </a:xfrm>
-          <a:prstGeom prst="rect">
-            <a:avLst/>
-          </a:prstGeom>
-          <a:noFill/>
-        </p:spPr>
-        <p:txBody>
-          <a:bodyPr wrap="none" rtlCol="0">
-            <a:spAutoFit/>
-          </a:bodyPr>
-          <a:p>
-            <a:pPr algn="ctr"/>
-            <a:r>
-              <a:rPr lang="pt-PT" altLang="pt-BR" sz="1400" b="1" dirty="0" smtClean="0"/>
-              <a:t>Comparativo de execuções do GEOreal2 na BEALE</a:t>
-            </a:r>
-            <a:endParaRPr lang="pt-PT" altLang="pt-BR" sz="1400" b="1" dirty="0" smtClean="0"/>
-          </a:p>
-        </p:txBody>
-      </p:sp>
-      <p:grpSp>
-        <p:nvGrpSpPr>
-          <p:cNvPr id="15" name="Group 14"/>
-          <p:cNvGrpSpPr/>
-          <p:nvPr/>
-        </p:nvGrpSpPr>
-        <p:grpSpPr>
-          <a:xfrm>
-            <a:off x="755015" y="823595"/>
-            <a:ext cx="3501390" cy="3096895"/>
-            <a:chOff x="396" y="2466"/>
-            <a:chExt cx="5514" cy="4877"/>
-          </a:xfrm>
-        </p:grpSpPr>
-        <p:pic>
-          <p:nvPicPr>
-            <p:cNvPr id="12" name="Picture 11" descr="GEOreal2_BEA"/>
-            <p:cNvPicPr>
-              <a:picLocks noChangeAspect="1"/>
-            </p:cNvPicPr>
-            <p:nvPr/>
-          </p:nvPicPr>
-          <p:blipFill>
-            <a:blip r:embed="rId1"/>
-            <a:stretch>
-              <a:fillRect/>
-            </a:stretch>
-          </p:blipFill>
-          <p:spPr>
-            <a:xfrm>
-              <a:off x="396" y="3146"/>
-              <a:ext cx="5514" cy="4197"/>
-            </a:xfrm>
-            <a:prstGeom prst="rect">
-              <a:avLst/>
-            </a:prstGeom>
-          </p:spPr>
-        </p:pic>
-        <p:sp>
-          <p:nvSpPr>
-            <p:cNvPr id="14" name="CaixaDeTexto 3"/>
-            <p:cNvSpPr txBox="1"/>
-            <p:nvPr/>
-          </p:nvSpPr>
-          <p:spPr>
-            <a:xfrm>
-              <a:off x="2095" y="2466"/>
-              <a:ext cx="2122" cy="531"/>
-            </a:xfrm>
-            <a:prstGeom prst="rect">
-              <a:avLst/>
-            </a:prstGeom>
-            <a:noFill/>
-          </p:spPr>
-          <p:txBody>
-            <a:bodyPr wrap="none" rtlCol="0">
-              <a:spAutoFit/>
-            </a:bodyPr>
-            <a:p>
-              <a:pPr algn="ctr"/>
-              <a:r>
-                <a:rPr lang="pt-PT" altLang="pt-BR" sz="1600" b="1" dirty="0" smtClean="0"/>
-                <a:t>1ª execução</a:t>
-              </a:r>
-              <a:endParaRPr lang="pt-PT" altLang="pt-BR" sz="1600" b="1" dirty="0" smtClean="0"/>
-            </a:p>
-          </p:txBody>
-        </p:sp>
-      </p:grpSp>
-      <p:grpSp>
-        <p:nvGrpSpPr>
-          <p:cNvPr id="17" name="Group 16"/>
-          <p:cNvGrpSpPr/>
-          <p:nvPr/>
-        </p:nvGrpSpPr>
-        <p:grpSpPr>
-          <a:xfrm>
-            <a:off x="5075555" y="846455"/>
-            <a:ext cx="3487420" cy="3096895"/>
-            <a:chOff x="8107" y="2014"/>
-            <a:chExt cx="5492" cy="4877"/>
-          </a:xfrm>
-        </p:grpSpPr>
-        <p:pic>
-          <p:nvPicPr>
-            <p:cNvPr id="11" name="Picture 10" descr="GEOreal2_BEA"/>
-            <p:cNvPicPr>
-              <a:picLocks noChangeAspect="1"/>
-            </p:cNvPicPr>
-            <p:nvPr/>
-          </p:nvPicPr>
-          <p:blipFill>
-            <a:blip r:embed="rId2"/>
-            <a:stretch>
-              <a:fillRect/>
-            </a:stretch>
-          </p:blipFill>
-          <p:spPr>
-            <a:xfrm>
-              <a:off x="8107" y="2693"/>
-              <a:ext cx="5492" cy="4198"/>
-            </a:xfrm>
-            <a:prstGeom prst="rect">
-              <a:avLst/>
-            </a:prstGeom>
-          </p:spPr>
-        </p:pic>
-        <p:sp>
-          <p:nvSpPr>
-            <p:cNvPr id="16" name="CaixaDeTexto 3"/>
-            <p:cNvSpPr txBox="1"/>
-            <p:nvPr/>
-          </p:nvSpPr>
-          <p:spPr>
-            <a:xfrm>
-              <a:off x="9808" y="2014"/>
-              <a:ext cx="2122" cy="531"/>
-            </a:xfrm>
-            <a:prstGeom prst="rect">
-              <a:avLst/>
-            </a:prstGeom>
-            <a:noFill/>
-          </p:spPr>
-          <p:txBody>
-            <a:bodyPr wrap="none" rtlCol="0">
-              <a:spAutoFit/>
-            </a:bodyPr>
-            <a:p>
-              <a:pPr algn="ctr"/>
-              <a:r>
-                <a:rPr lang="pt-PT" altLang="pt-BR" sz="1600" b="1" dirty="0" smtClean="0">
-                  <a:sym typeface="+mn-ea"/>
-                </a:rPr>
-                <a:t>2ª execução</a:t>
-              </a:r>
-              <a:endParaRPr lang="pt-PT" altLang="pt-BR" sz="1600" b="1" dirty="0" smtClean="0"/>
-            </a:p>
-          </p:txBody>
-        </p:sp>
-      </p:grpSp>
-      <p:sp>
-        <p:nvSpPr>
-          <p:cNvPr id="18" name="Text Box 17"/>
-          <p:cNvSpPr txBox="1"/>
-          <p:nvPr/>
-        </p:nvSpPr>
-        <p:spPr>
-          <a:xfrm>
-            <a:off x="2339340" y="4014470"/>
-            <a:ext cx="4918075" cy="891540"/>
-          </a:xfrm>
-          <a:prstGeom prst="rect">
-            <a:avLst/>
-          </a:prstGeom>
-          <a:noFill/>
-        </p:spPr>
-        <p:txBody>
-          <a:bodyPr wrap="square" rtlCol="0">
-            <a:spAutoFit/>
-          </a:bodyPr>
-          <a:p>
-            <a:pPr marL="285750" indent="-285750" algn="l">
-              <a:lnSpc>
-                <a:spcPct val="100000"/>
-              </a:lnSpc>
-              <a:buFont typeface="Arial" panose="020B0604020202020204" pitchFamily="34" charset="0"/>
-              <a:buChar char="•"/>
-            </a:pPr>
-            <a:r>
-              <a:rPr lang="pt-PT" altLang="en-US" sz="1400">
-                <a:solidFill>
-                  <a:srgbClr val="FF0000"/>
-                </a:solidFill>
-              </a:rPr>
-              <a:t>Diferença na ordem de 10^7</a:t>
-            </a:r>
-            <a:endParaRPr lang="pt-PT" altLang="en-US" sz="1400">
-              <a:solidFill>
-                <a:srgbClr val="FF0000"/>
-              </a:solidFill>
-            </a:endParaRPr>
-          </a:p>
-          <a:p>
-            <a:pPr marL="285750" indent="-285750" algn="l" fontAlgn="auto">
-              <a:lnSpc>
-                <a:spcPct val="100000"/>
-              </a:lnSpc>
-              <a:spcBef>
-                <a:spcPts val="1200"/>
-              </a:spcBef>
-              <a:spcAft>
-                <a:spcPts val="0"/>
-              </a:spcAft>
-              <a:buFont typeface="Arial" panose="020B0604020202020204" pitchFamily="34" charset="0"/>
-              <a:buChar char="•"/>
-            </a:pPr>
-            <a:r>
-              <a:rPr lang="pt-PT" altLang="en-US" sz="1400">
-                <a:sym typeface="+mn-ea"/>
-              </a:rPr>
-              <a:t>Se uma das N execuções der 1E-1 e as outras derem 1E-10, a média é 1E-2</a:t>
-            </a:r>
-            <a:endParaRPr lang="pt-PT" altLang="en-US" sz="1400">
-              <a:solidFill>
-                <a:srgbClr val="FF0000"/>
-              </a:solidFill>
-              <a:sym typeface="+mn-ea"/>
-            </a:endParaRPr>
-          </a:p>
-        </p:txBody>
-      </p:sp>
-      <p:cxnSp>
-        <p:nvCxnSpPr>
-          <p:cNvPr id="2" name="Straight Connector 1"/>
-          <p:cNvCxnSpPr/>
-          <p:nvPr/>
-        </p:nvCxnSpPr>
-        <p:spPr>
-          <a:xfrm>
-            <a:off x="477520" y="614045"/>
-            <a:ext cx="8054340" cy="4048125"/>
-          </a:xfrm>
-          <a:prstGeom prst="line">
-            <a:avLst/>
-          </a:prstGeom>
-          <a:ln w="38100">
-            <a:solidFill>
-              <a:srgbClr val="FF0000"/>
-            </a:solidFill>
-          </a:ln>
-        </p:spPr>
-        <p:style>
-          <a:lnRef idx="1">
-            <a:schemeClr val="accent1"/>
-          </a:lnRef>
-          <a:fillRef idx="0">
-            <a:schemeClr val="accent1"/>
-          </a:fillRef>
-          <a:effectRef idx="0">
-            <a:schemeClr val="accent1"/>
-          </a:effectRef>
-          <a:fontRef idx="minor">
-            <a:schemeClr val="tx1"/>
-          </a:fontRef>
-        </p:style>
-      </p:cxnSp>
-      <p:cxnSp>
-        <p:nvCxnSpPr>
-          <p:cNvPr id="3" name="Straight Connector 2"/>
-          <p:cNvCxnSpPr/>
-          <p:nvPr/>
-        </p:nvCxnSpPr>
-        <p:spPr>
-          <a:xfrm flipV="1">
-            <a:off x="467360" y="629920"/>
-            <a:ext cx="8136890" cy="4032250"/>
-          </a:xfrm>
-          <a:prstGeom prst="line">
-            <a:avLst/>
-          </a:prstGeom>
-          <a:ln w="38100">
-            <a:solidFill>
-              <a:srgbClr val="FF0000"/>
-            </a:solidFill>
-          </a:ln>
-        </p:spPr>
-        <p:style>
-          <a:lnRef idx="1">
-            <a:schemeClr val="accent1"/>
-          </a:lnRef>
-          <a:fillRef idx="0">
-            <a:schemeClr val="accent1"/>
-          </a:fillRef>
-          <a:effectRef idx="0">
-            <a:schemeClr val="accent1"/>
-          </a:effectRef>
-          <a:fontRef idx="minor">
-            <a:schemeClr val="tx1"/>
-          </a:fontRef>
-        </p:style>
-      </p:cxnSp>
-    </p:spTree>
-  </p:cSld>
-  <p:clrMapOvr>
-    <a:masterClrMapping/>
-  </p:clrMapOvr>
-</p:sld>
-</file>
-
-<file path=ppt/slides/slide32.xml><?xml version="1.0" encoding="utf-8"?>
+<file path=ppt/slides/slide29.xml><?xml version="1.0" encoding="utf-8"?>
 <p:sld xmlns:a="http://schemas.openxmlformats.org/drawingml/2006/main" xmlns:r="http://schemas.openxmlformats.org/officeDocument/2006/relationships" xmlns:p="http://schemas.openxmlformats.org/presentationml/2006/main">
   <p:cSld>
     <p:spTree>
@@ -29519,7 +27261,274 @@
 </p:sld>
 </file>
 
-<file path=ppt/slides/slide33.xml><?xml version="1.0" encoding="utf-8"?>
+<file path=ppt/slides/slide3.xml><?xml version="1.0" encoding="utf-8"?>
+<p:sld xmlns:a="http://schemas.openxmlformats.org/drawingml/2006/main" xmlns:r="http://schemas.openxmlformats.org/officeDocument/2006/relationships" xmlns:p="http://schemas.openxmlformats.org/presentationml/2006/main">
+  <p:cSld>
+    <p:spTree>
+      <p:nvGrpSpPr>
+        <p:cNvPr id="1" name=""/>
+        <p:cNvGrpSpPr/>
+        <p:nvPr/>
+      </p:nvGrpSpPr>
+      <p:grpSpPr>
+        <a:xfrm>
+          <a:off x="0" y="0"/>
+          <a:ext cx="0" cy="0"/>
+          <a:chOff x="0" y="0"/>
+          <a:chExt cx="0" cy="0"/>
+        </a:xfrm>
+      </p:grpSpPr>
+      <p:grpSp>
+        <p:nvGrpSpPr>
+          <p:cNvPr id="13" name="Group 12"/>
+          <p:cNvGrpSpPr/>
+          <p:nvPr/>
+        </p:nvGrpSpPr>
+        <p:grpSpPr>
+          <a:xfrm>
+            <a:off x="467360" y="269875"/>
+            <a:ext cx="6120765" cy="431800"/>
+            <a:chOff x="736" y="425"/>
+            <a:chExt cx="9639" cy="680"/>
+          </a:xfrm>
+        </p:grpSpPr>
+        <p:sp>
+          <p:nvSpPr>
+            <p:cNvPr id="10" name="Text Box 9"/>
+            <p:cNvSpPr txBox="1"/>
+            <p:nvPr/>
+          </p:nvSpPr>
+          <p:spPr>
+            <a:xfrm>
+              <a:off x="736" y="425"/>
+              <a:ext cx="7667" cy="531"/>
+            </a:xfrm>
+            <a:prstGeom prst="rect">
+              <a:avLst/>
+            </a:prstGeom>
+            <a:noFill/>
+          </p:spPr>
+          <p:txBody>
+            <a:bodyPr wrap="square" rtlCol="0">
+              <a:spAutoFit/>
+            </a:bodyPr>
+            <a:p>
+              <a:pPr algn="l"/>
+              <a:r>
+                <a:rPr lang="pt-PT" altLang="en-US" sz="1600">
+                  <a:sym typeface="+mn-ea"/>
+                </a:rPr>
+                <a:t>2.2 Reprodução dos resultados da TESE (Fabiano)</a:t>
+              </a:r>
+              <a:endParaRPr lang="pt-PT" altLang="en-US" sz="1600">
+                <a:sym typeface="+mn-ea"/>
+              </a:endParaRPr>
+            </a:p>
+          </p:txBody>
+        </p:sp>
+        <p:cxnSp>
+          <p:nvCxnSpPr>
+            <p:cNvPr id="16" name="Straight Connector 15"/>
+            <p:cNvCxnSpPr/>
+            <p:nvPr/>
+          </p:nvCxnSpPr>
+          <p:spPr>
+            <a:xfrm>
+              <a:off x="848" y="1105"/>
+              <a:ext cx="9527" cy="0"/>
+            </a:xfrm>
+            <a:prstGeom prst="line">
+              <a:avLst/>
+            </a:prstGeom>
+            <a:ln w="38100">
+              <a:solidFill>
+                <a:schemeClr val="accent6">
+                  <a:lumMod val="75000"/>
+                </a:schemeClr>
+              </a:solidFill>
+            </a:ln>
+          </p:spPr>
+          <p:style>
+            <a:lnRef idx="1">
+              <a:schemeClr val="accent1"/>
+            </a:lnRef>
+            <a:fillRef idx="0">
+              <a:schemeClr val="accent1"/>
+            </a:fillRef>
+            <a:effectRef idx="0">
+              <a:schemeClr val="accent1"/>
+            </a:effectRef>
+            <a:fontRef idx="minor">
+              <a:schemeClr val="tx1"/>
+            </a:fontRef>
+          </p:style>
+        </p:cxnSp>
+      </p:grpSp>
+      <p:grpSp>
+        <p:nvGrpSpPr>
+          <p:cNvPr id="9" name="Group 8"/>
+          <p:cNvGrpSpPr/>
+          <p:nvPr/>
+        </p:nvGrpSpPr>
+        <p:grpSpPr>
+          <a:xfrm>
+            <a:off x="538480" y="963295"/>
+            <a:ext cx="7938770" cy="1029970"/>
+            <a:chOff x="848" y="1517"/>
+            <a:chExt cx="12502" cy="1622"/>
+          </a:xfrm>
+        </p:grpSpPr>
+        <p:sp>
+          <p:nvSpPr>
+            <p:cNvPr id="2" name="Text Box 1"/>
+            <p:cNvSpPr txBox="1"/>
+            <p:nvPr/>
+          </p:nvSpPr>
+          <p:spPr>
+            <a:xfrm>
+              <a:off x="848" y="1517"/>
+              <a:ext cx="12335" cy="580"/>
+            </a:xfrm>
+            <a:prstGeom prst="rect">
+              <a:avLst/>
+            </a:prstGeom>
+            <a:noFill/>
+          </p:spPr>
+          <p:txBody>
+            <a:bodyPr wrap="square" rtlCol="0">
+              <a:spAutoFit/>
+            </a:bodyPr>
+            <a:p>
+              <a:pPr indent="0" algn="l" fontAlgn="auto">
+                <a:lnSpc>
+                  <a:spcPct val="150000"/>
+                </a:lnSpc>
+                <a:spcAft>
+                  <a:spcPts val="1200"/>
+                </a:spcAft>
+                <a:buFont typeface="Arial" panose="020B0604020202020204" pitchFamily="34" charset="0"/>
+                <a:buNone/>
+              </a:pPr>
+              <a:r>
+                <a:rPr lang="pt-PT" altLang="en-US" sz="1200" b="1"/>
+                <a:t>Valores obtido através do ajuste do parâmetro tau:</a:t>
+              </a:r>
+              <a:endParaRPr lang="pt-PT" altLang="en-US" sz="1200" b="1"/>
+            </a:p>
+          </p:txBody>
+        </p:sp>
+        <p:pic>
+          <p:nvPicPr>
+            <p:cNvPr id="8" name="Picture 7"/>
+            <p:cNvPicPr>
+              <a:picLocks noChangeAspect="1"/>
+            </p:cNvPicPr>
+            <p:nvPr/>
+          </p:nvPicPr>
+          <p:blipFill>
+            <a:blip r:embed="rId1"/>
+            <a:stretch>
+              <a:fillRect/>
+            </a:stretch>
+          </p:blipFill>
+          <p:spPr>
+            <a:xfrm>
+              <a:off x="1050" y="2239"/>
+              <a:ext cx="12300" cy="900"/>
+            </a:xfrm>
+            <a:prstGeom prst="rect">
+              <a:avLst/>
+            </a:prstGeom>
+          </p:spPr>
+        </p:pic>
+      </p:grpSp>
+      <p:grpSp>
+        <p:nvGrpSpPr>
+          <p:cNvPr id="7" name="Group 6"/>
+          <p:cNvGrpSpPr/>
+          <p:nvPr/>
+        </p:nvGrpSpPr>
+        <p:grpSpPr>
+          <a:xfrm>
+            <a:off x="611505" y="2357755"/>
+            <a:ext cx="7865745" cy="1003935"/>
+            <a:chOff x="963" y="3146"/>
+            <a:chExt cx="12387" cy="1581"/>
+          </a:xfrm>
+        </p:grpSpPr>
+        <p:sp>
+          <p:nvSpPr>
+            <p:cNvPr id="3" name="Text Box 2"/>
+            <p:cNvSpPr txBox="1"/>
+            <p:nvPr/>
+          </p:nvSpPr>
+          <p:spPr>
+            <a:xfrm>
+              <a:off x="963" y="3146"/>
+              <a:ext cx="12335" cy="580"/>
+            </a:xfrm>
+            <a:prstGeom prst="rect">
+              <a:avLst/>
+            </a:prstGeom>
+            <a:noFill/>
+          </p:spPr>
+          <p:txBody>
+            <a:bodyPr wrap="square" rtlCol="0">
+              <a:spAutoFit/>
+            </a:bodyPr>
+            <a:p>
+              <a:pPr indent="0" algn="l" fontAlgn="auto">
+                <a:lnSpc>
+                  <a:spcPct val="150000"/>
+                </a:lnSpc>
+                <a:spcAft>
+                  <a:spcPts val="1200"/>
+                </a:spcAft>
+                <a:buFont typeface="Arial" panose="020B0604020202020204" pitchFamily="34" charset="0"/>
+                <a:buNone/>
+              </a:pPr>
+              <a:r>
+                <a:rPr lang="pt-PT" altLang="en-US" sz="1200" b="1"/>
+                <a:t>Valores obtidos na tese:</a:t>
+              </a:r>
+              <a:endParaRPr lang="pt-PT" altLang="en-US" sz="1200" b="1"/>
+            </a:p>
+          </p:txBody>
+        </p:sp>
+        <p:pic>
+          <p:nvPicPr>
+            <p:cNvPr id="5" name="Picture 4"/>
+            <p:cNvPicPr>
+              <a:picLocks noChangeAspect="1"/>
+            </p:cNvPicPr>
+            <p:nvPr/>
+          </p:nvPicPr>
+          <p:blipFill>
+            <a:blip r:embed="rId2"/>
+            <a:stretch>
+              <a:fillRect/>
+            </a:stretch>
+          </p:blipFill>
+          <p:spPr>
+            <a:xfrm>
+              <a:off x="1050" y="3827"/>
+              <a:ext cx="12300" cy="900"/>
+            </a:xfrm>
+            <a:prstGeom prst="rect">
+              <a:avLst/>
+            </a:prstGeom>
+          </p:spPr>
+        </p:pic>
+      </p:grpSp>
+    </p:spTree>
+  </p:cSld>
+  <p:clrMapOvr>
+    <a:masterClrMapping/>
+  </p:clrMapOvr>
+</p:sld>
+</file>
+
+<file path=ppt/slides/slide30.xml><?xml version="1.0" encoding="utf-8"?>
 <p:sld xmlns:a="http://schemas.openxmlformats.org/drawingml/2006/main" xmlns:r="http://schemas.openxmlformats.org/officeDocument/2006/relationships" xmlns:p="http://schemas.openxmlformats.org/presentationml/2006/main">
   <p:cSld>
     <p:spTree>
@@ -30913,7 +28922,7 @@
 </p:sld>
 </file>
 
-<file path=ppt/slides/slide34.xml><?xml version="1.0" encoding="utf-8"?>
+<file path=ppt/slides/slide31.xml><?xml version="1.0" encoding="utf-8"?>
 <p:sld xmlns:a="http://schemas.openxmlformats.org/drawingml/2006/main" xmlns:r="http://schemas.openxmlformats.org/officeDocument/2006/relationships" xmlns:p="http://schemas.openxmlformats.org/presentationml/2006/main">
   <p:cSld>
     <p:spTree>
@@ -31164,7 +29173,7 @@
 </p:sld>
 </file>
 
-<file path=ppt/slides/slide35.xml><?xml version="1.0" encoding="utf-8"?>
+<file path=ppt/slides/slide32.xml><?xml version="1.0" encoding="utf-8"?>
 <p:sld xmlns:a="http://schemas.openxmlformats.org/drawingml/2006/main" xmlns:r="http://schemas.openxmlformats.org/officeDocument/2006/relationships" xmlns:p="http://schemas.openxmlformats.org/presentationml/2006/main">
   <p:cSld>
     <p:spTree>
@@ -31397,7 +29406,7 @@
 </p:sld>
 </file>
 
-<file path=ppt/slides/slide36.xml><?xml version="1.0" encoding="utf-8"?>
+<file path=ppt/slides/slide33.xml><?xml version="1.0" encoding="utf-8"?>
 <p:sld xmlns:a="http://schemas.openxmlformats.org/drawingml/2006/main" xmlns:r="http://schemas.openxmlformats.org/officeDocument/2006/relationships" xmlns:p="http://schemas.openxmlformats.org/presentationml/2006/main">
   <p:cSld>
     <p:spTree>
@@ -34125,7 +32134,7 @@
 </p:sld>
 </file>
 
-<file path=ppt/slides/slide37.xml><?xml version="1.0" encoding="utf-8"?>
+<file path=ppt/slides/slide34.xml><?xml version="1.0" encoding="utf-8"?>
 <p:sld xmlns:a="http://schemas.openxmlformats.org/drawingml/2006/main" xmlns:r="http://schemas.openxmlformats.org/officeDocument/2006/relationships" xmlns:p="http://schemas.openxmlformats.org/presentationml/2006/main">
   <p:cSld>
     <p:spTree>
@@ -34271,7 +32280,7 @@
 </p:sld>
 </file>
 
-<file path=ppt/slides/slide38.xml><?xml version="1.0" encoding="utf-8"?>
+<file path=ppt/slides/slide35.xml><?xml version="1.0" encoding="utf-8"?>
 <p:sld xmlns:a="http://schemas.openxmlformats.org/drawingml/2006/main" xmlns:r="http://schemas.openxmlformats.org/officeDocument/2006/relationships" xmlns:p="http://schemas.openxmlformats.org/presentationml/2006/main">
   <p:cSld>
     <p:spTree>
@@ -34296,7 +32305,7 @@
 </p:sld>
 </file>
 
-<file path=ppt/slides/slide39.xml><?xml version="1.0" encoding="utf-8"?>
+<file path=ppt/slides/slide36.xml><?xml version="1.0" encoding="utf-8"?>
 <p:sld xmlns:a="http://schemas.openxmlformats.org/drawingml/2006/main" xmlns:r="http://schemas.openxmlformats.org/officeDocument/2006/relationships" xmlns:p="http://schemas.openxmlformats.org/presentationml/2006/main">
   <p:cSld>
     <p:spTree>
@@ -34700,317 +32709,7 @@
 </p:sld>
 </file>
 
-<file path=ppt/slides/slide4.xml><?xml version="1.0" encoding="utf-8"?>
-<p:sld xmlns:a="http://schemas.openxmlformats.org/drawingml/2006/main" xmlns:r="http://schemas.openxmlformats.org/officeDocument/2006/relationships" xmlns:p="http://schemas.openxmlformats.org/presentationml/2006/main">
-  <p:cSld>
-    <p:spTree>
-      <p:nvGrpSpPr>
-        <p:cNvPr id="1" name=""/>
-        <p:cNvGrpSpPr/>
-        <p:nvPr/>
-      </p:nvGrpSpPr>
-      <p:grpSpPr>
-        <a:xfrm>
-          <a:off x="0" y="0"/>
-          <a:ext cx="0" cy="0"/>
-          <a:chOff x="0" y="0"/>
-          <a:chExt cx="0" cy="0"/>
-        </a:xfrm>
-      </p:grpSpPr>
-      <p:grpSp>
-        <p:nvGrpSpPr>
-          <p:cNvPr id="13" name="Group 12"/>
-          <p:cNvGrpSpPr/>
-          <p:nvPr/>
-        </p:nvGrpSpPr>
-        <p:grpSpPr>
-          <a:xfrm>
-            <a:off x="467360" y="269875"/>
-            <a:ext cx="6120765" cy="431800"/>
-            <a:chOff x="736" y="425"/>
-            <a:chExt cx="9639" cy="680"/>
-          </a:xfrm>
-        </p:grpSpPr>
-        <p:sp>
-          <p:nvSpPr>
-            <p:cNvPr id="10" name="Text Box 9"/>
-            <p:cNvSpPr txBox="1"/>
-            <p:nvPr/>
-          </p:nvSpPr>
-          <p:spPr>
-            <a:xfrm>
-              <a:off x="736" y="425"/>
-              <a:ext cx="7667" cy="531"/>
-            </a:xfrm>
-            <a:prstGeom prst="rect">
-              <a:avLst/>
-            </a:prstGeom>
-            <a:noFill/>
-          </p:spPr>
-          <p:txBody>
-            <a:bodyPr wrap="square" rtlCol="0">
-              <a:spAutoFit/>
-            </a:bodyPr>
-            <a:p>
-              <a:pPr algn="l"/>
-              <a:r>
-                <a:rPr lang="pt-PT" altLang="en-US" sz="1600">
-                  <a:sym typeface="+mn-ea"/>
-                </a:rPr>
-                <a:t>2.2 Reprodução dos resultados da TESE (Fabiano)</a:t>
-              </a:r>
-              <a:endParaRPr lang="pt-PT" altLang="en-US" sz="1600">
-                <a:sym typeface="+mn-ea"/>
-              </a:endParaRPr>
-            </a:p>
-          </p:txBody>
-        </p:sp>
-        <p:cxnSp>
-          <p:nvCxnSpPr>
-            <p:cNvPr id="16" name="Straight Connector 15"/>
-            <p:cNvCxnSpPr/>
-            <p:nvPr/>
-          </p:nvCxnSpPr>
-          <p:spPr>
-            <a:xfrm>
-              <a:off x="848" y="1105"/>
-              <a:ext cx="9527" cy="0"/>
-            </a:xfrm>
-            <a:prstGeom prst="line">
-              <a:avLst/>
-            </a:prstGeom>
-            <a:ln w="38100">
-              <a:solidFill>
-                <a:schemeClr val="accent6">
-                  <a:lumMod val="75000"/>
-                </a:schemeClr>
-              </a:solidFill>
-            </a:ln>
-          </p:spPr>
-          <p:style>
-            <a:lnRef idx="1">
-              <a:schemeClr val="accent1"/>
-            </a:lnRef>
-            <a:fillRef idx="0">
-              <a:schemeClr val="accent1"/>
-            </a:fillRef>
-            <a:effectRef idx="0">
-              <a:schemeClr val="accent1"/>
-            </a:effectRef>
-            <a:fontRef idx="minor">
-              <a:schemeClr val="tx1"/>
-            </a:fontRef>
-          </p:style>
-        </p:cxnSp>
-      </p:grpSp>
-      <p:sp>
-        <p:nvSpPr>
-          <p:cNvPr id="6" name="Text Box 5"/>
-          <p:cNvSpPr txBox="1"/>
-          <p:nvPr/>
-        </p:nvSpPr>
-        <p:spPr>
-          <a:xfrm>
-            <a:off x="611505" y="3510280"/>
-            <a:ext cx="8101965" cy="368300"/>
-          </a:xfrm>
-          <a:prstGeom prst="rect">
-            <a:avLst/>
-          </a:prstGeom>
-          <a:noFill/>
-        </p:spPr>
-        <p:txBody>
-          <a:bodyPr wrap="square" rtlCol="0" anchor="t">
-            <a:spAutoFit/>
-          </a:bodyPr>
-          <a:p>
-            <a:pPr marL="171450" indent="-171450" algn="l" fontAlgn="auto">
-              <a:lnSpc>
-                <a:spcPct val="150000"/>
-              </a:lnSpc>
-              <a:spcAft>
-                <a:spcPts val="1200"/>
-              </a:spcAft>
-              <a:buFont typeface="Arial" panose="020B0604020202020204" pitchFamily="34" charset="0"/>
-              <a:buChar char="•"/>
-            </a:pPr>
-            <a:r>
-              <a:rPr lang="pt-PT" altLang="en-US" sz="1200">
-                <a:sym typeface="+mn-ea"/>
-              </a:rPr>
-              <a:t>Todos os valores de tuning variaram 0,25, exceto no GEO da função ackley</a:t>
-            </a:r>
-            <a:endParaRPr lang="pt-PT" altLang="en-US" sz="1200">
-              <a:sym typeface="+mn-ea"/>
-            </a:endParaRPr>
-          </a:p>
-        </p:txBody>
-      </p:sp>
-      <p:grpSp>
-        <p:nvGrpSpPr>
-          <p:cNvPr id="9" name="Group 8"/>
-          <p:cNvGrpSpPr/>
-          <p:nvPr/>
-        </p:nvGrpSpPr>
-        <p:grpSpPr>
-          <a:xfrm>
-            <a:off x="538480" y="963295"/>
-            <a:ext cx="7938770" cy="1029970"/>
-            <a:chOff x="848" y="1517"/>
-            <a:chExt cx="12502" cy="1622"/>
-          </a:xfrm>
-        </p:grpSpPr>
-        <p:sp>
-          <p:nvSpPr>
-            <p:cNvPr id="2" name="Text Box 1"/>
-            <p:cNvSpPr txBox="1"/>
-            <p:nvPr/>
-          </p:nvSpPr>
-          <p:spPr>
-            <a:xfrm>
-              <a:off x="848" y="1517"/>
-              <a:ext cx="12335" cy="580"/>
-            </a:xfrm>
-            <a:prstGeom prst="rect">
-              <a:avLst/>
-            </a:prstGeom>
-            <a:noFill/>
-          </p:spPr>
-          <p:txBody>
-            <a:bodyPr wrap="square" rtlCol="0">
-              <a:spAutoFit/>
-            </a:bodyPr>
-            <a:p>
-              <a:pPr indent="0" algn="l" fontAlgn="auto">
-                <a:lnSpc>
-                  <a:spcPct val="150000"/>
-                </a:lnSpc>
-                <a:spcAft>
-                  <a:spcPts val="1200"/>
-                </a:spcAft>
-                <a:buFont typeface="Arial" panose="020B0604020202020204" pitchFamily="34" charset="0"/>
-                <a:buNone/>
-              </a:pPr>
-              <a:r>
-                <a:rPr lang="pt-PT" altLang="en-US" sz="1200" b="1"/>
-                <a:t>Valores obtido através do ajuste do parâmetro tau:</a:t>
-              </a:r>
-              <a:endParaRPr lang="pt-PT" altLang="en-US" sz="1200" b="1"/>
-            </a:p>
-          </p:txBody>
-        </p:sp>
-        <p:pic>
-          <p:nvPicPr>
-            <p:cNvPr id="8" name="Picture 7"/>
-            <p:cNvPicPr>
-              <a:picLocks noChangeAspect="1"/>
-            </p:cNvPicPr>
-            <p:nvPr/>
-          </p:nvPicPr>
-          <p:blipFill>
-            <a:blip r:embed="rId1"/>
-            <a:stretch>
-              <a:fillRect/>
-            </a:stretch>
-          </p:blipFill>
-          <p:spPr>
-            <a:xfrm>
-              <a:off x="1050" y="2239"/>
-              <a:ext cx="12300" cy="900"/>
-            </a:xfrm>
-            <a:prstGeom prst="rect">
-              <a:avLst/>
-            </a:prstGeom>
-          </p:spPr>
-        </p:pic>
-      </p:grpSp>
-      <p:grpSp>
-        <p:nvGrpSpPr>
-          <p:cNvPr id="7" name="Group 6"/>
-          <p:cNvGrpSpPr/>
-          <p:nvPr/>
-        </p:nvGrpSpPr>
-        <p:grpSpPr>
-          <a:xfrm>
-            <a:off x="611505" y="2357755"/>
-            <a:ext cx="7865745" cy="1003935"/>
-            <a:chOff x="963" y="3146"/>
-            <a:chExt cx="12387" cy="1581"/>
-          </a:xfrm>
-        </p:grpSpPr>
-        <p:sp>
-          <p:nvSpPr>
-            <p:cNvPr id="3" name="Text Box 2"/>
-            <p:cNvSpPr txBox="1"/>
-            <p:nvPr/>
-          </p:nvSpPr>
-          <p:spPr>
-            <a:xfrm>
-              <a:off x="963" y="3146"/>
-              <a:ext cx="12335" cy="580"/>
-            </a:xfrm>
-            <a:prstGeom prst="rect">
-              <a:avLst/>
-            </a:prstGeom>
-            <a:noFill/>
-          </p:spPr>
-          <p:txBody>
-            <a:bodyPr wrap="square" rtlCol="0">
-              <a:spAutoFit/>
-            </a:bodyPr>
-            <a:p>
-              <a:pPr indent="0" algn="l" fontAlgn="auto">
-                <a:lnSpc>
-                  <a:spcPct val="150000"/>
-                </a:lnSpc>
-                <a:spcAft>
-                  <a:spcPts val="1200"/>
-                </a:spcAft>
-                <a:buFont typeface="Arial" panose="020B0604020202020204" pitchFamily="34" charset="0"/>
-                <a:buNone/>
-              </a:pPr>
-              <a:r>
-                <a:rPr lang="pt-PT" altLang="en-US" sz="1200" b="1"/>
-                <a:t>Valores obtidos na tese:</a:t>
-              </a:r>
-              <a:endParaRPr lang="pt-PT" altLang="en-US" sz="1200" b="1"/>
-            </a:p>
-          </p:txBody>
-        </p:sp>
-        <p:pic>
-          <p:nvPicPr>
-            <p:cNvPr id="5" name="Picture 4"/>
-            <p:cNvPicPr>
-              <a:picLocks noChangeAspect="1"/>
-            </p:cNvPicPr>
-            <p:nvPr/>
-          </p:nvPicPr>
-          <p:blipFill>
-            <a:blip r:embed="rId2"/>
-            <a:stretch>
-              <a:fillRect/>
-            </a:stretch>
-          </p:blipFill>
-          <p:spPr>
-            <a:xfrm>
-              <a:off x="1050" y="3827"/>
-              <a:ext cx="12300" cy="900"/>
-            </a:xfrm>
-            <a:prstGeom prst="rect">
-              <a:avLst/>
-            </a:prstGeom>
-          </p:spPr>
-        </p:pic>
-      </p:grpSp>
-    </p:spTree>
-  </p:cSld>
-  <p:clrMapOvr>
-    <a:masterClrMapping/>
-  </p:clrMapOvr>
-</p:sld>
-</file>
-
-<file path=ppt/slides/slide40.xml><?xml version="1.0" encoding="utf-8"?>
+<file path=ppt/slides/slide37.xml><?xml version="1.0" encoding="utf-8"?>
 <p:sld xmlns:a="http://schemas.openxmlformats.org/drawingml/2006/main" xmlns:r="http://schemas.openxmlformats.org/officeDocument/2006/relationships" xmlns:p="http://schemas.openxmlformats.org/presentationml/2006/main">
   <p:cSld>
     <p:spTree>
@@ -35743,7 +33442,7 @@
 </p:sld>
 </file>
 
-<file path=ppt/slides/slide41.xml><?xml version="1.0" encoding="utf-8"?>
+<file path=ppt/slides/slide38.xml><?xml version="1.0" encoding="utf-8"?>
 <p:sld xmlns:a="http://schemas.openxmlformats.org/drawingml/2006/main" xmlns:r="http://schemas.openxmlformats.org/officeDocument/2006/relationships" xmlns:p="http://schemas.openxmlformats.org/presentationml/2006/main">
   <p:cSld>
     <p:spTree>
@@ -35975,6 +33674,328 @@
 </p:sld>
 </file>
 
+<file path=ppt/slides/slide4.xml><?xml version="1.0" encoding="utf-8"?>
+<p:sld xmlns:a="http://schemas.openxmlformats.org/drawingml/2006/main" xmlns:r="http://schemas.openxmlformats.org/officeDocument/2006/relationships" xmlns:p="http://schemas.openxmlformats.org/presentationml/2006/main">
+  <p:cSld>
+    <p:spTree>
+      <p:nvGrpSpPr>
+        <p:cNvPr id="1" name=""/>
+        <p:cNvGrpSpPr/>
+        <p:nvPr/>
+      </p:nvGrpSpPr>
+      <p:grpSpPr/>
+      <p:pic>
+        <p:nvPicPr>
+          <p:cNvPr id="4" name="Picture 3" descr="AGEO12_ACK"/>
+          <p:cNvPicPr>
+            <a:picLocks noChangeAspect="1"/>
+          </p:cNvPicPr>
+          <p:nvPr/>
+        </p:nvPicPr>
+        <p:blipFill>
+          <a:blip r:embed="rId1"/>
+          <a:stretch>
+            <a:fillRect/>
+          </a:stretch>
+        </p:blipFill>
+        <p:spPr>
+          <a:xfrm>
+            <a:off x="6094730" y="989965"/>
+            <a:ext cx="2891155" cy="1877695"/>
+          </a:xfrm>
+          <a:prstGeom prst="rect">
+            <a:avLst/>
+          </a:prstGeom>
+        </p:spPr>
+      </p:pic>
+      <p:pic>
+        <p:nvPicPr>
+          <p:cNvPr id="10" name="Picture 9" descr="AGEO12_BEA"/>
+          <p:cNvPicPr>
+            <a:picLocks noChangeAspect="1"/>
+          </p:cNvPicPr>
+          <p:nvPr/>
+        </p:nvPicPr>
+        <p:blipFill>
+          <a:blip r:embed="rId2"/>
+          <a:stretch>
+            <a:fillRect/>
+          </a:stretch>
+        </p:blipFill>
+        <p:spPr>
+          <a:xfrm>
+            <a:off x="6094730" y="2862580"/>
+            <a:ext cx="2891155" cy="1877695"/>
+          </a:xfrm>
+          <a:prstGeom prst="rect">
+            <a:avLst/>
+          </a:prstGeom>
+        </p:spPr>
+      </p:pic>
+      <p:pic>
+        <p:nvPicPr>
+          <p:cNvPr id="11" name="Picture 10" descr="AGEO12_GRI"/>
+          <p:cNvPicPr>
+            <a:picLocks noChangeAspect="1"/>
+          </p:cNvPicPr>
+          <p:nvPr/>
+        </p:nvPicPr>
+        <p:blipFill>
+          <a:blip r:embed="rId3"/>
+          <a:stretch>
+            <a:fillRect/>
+          </a:stretch>
+        </p:blipFill>
+        <p:spPr>
+          <a:xfrm>
+            <a:off x="323215" y="989965"/>
+            <a:ext cx="2891155" cy="1877695"/>
+          </a:xfrm>
+          <a:prstGeom prst="rect">
+            <a:avLst/>
+          </a:prstGeom>
+        </p:spPr>
+      </p:pic>
+      <p:pic>
+        <p:nvPicPr>
+          <p:cNvPr id="12" name="Picture 11" descr="AGEO12_RAS"/>
+          <p:cNvPicPr>
+            <a:picLocks noChangeAspect="1"/>
+          </p:cNvPicPr>
+          <p:nvPr/>
+        </p:nvPicPr>
+        <p:blipFill>
+          <a:blip r:embed="rId4"/>
+          <a:stretch>
+            <a:fillRect/>
+          </a:stretch>
+        </p:blipFill>
+        <p:spPr>
+          <a:xfrm>
+            <a:off x="3203575" y="989965"/>
+            <a:ext cx="2891155" cy="1877695"/>
+          </a:xfrm>
+          <a:prstGeom prst="rect">
+            <a:avLst/>
+          </a:prstGeom>
+        </p:spPr>
+      </p:pic>
+      <p:pic>
+        <p:nvPicPr>
+          <p:cNvPr id="13" name="Picture 12" descr="AGEO12_ROS"/>
+          <p:cNvPicPr>
+            <a:picLocks noChangeAspect="1"/>
+          </p:cNvPicPr>
+          <p:nvPr/>
+        </p:nvPicPr>
+        <p:blipFill>
+          <a:blip r:embed="rId5"/>
+          <a:stretch>
+            <a:fillRect/>
+          </a:stretch>
+        </p:blipFill>
+        <p:spPr>
+          <a:xfrm>
+            <a:off x="312420" y="2867660"/>
+            <a:ext cx="2891155" cy="1877695"/>
+          </a:xfrm>
+          <a:prstGeom prst="rect">
+            <a:avLst/>
+          </a:prstGeom>
+        </p:spPr>
+      </p:pic>
+      <p:pic>
+        <p:nvPicPr>
+          <p:cNvPr id="14" name="Picture 13" descr="AGEO12_SCH"/>
+          <p:cNvPicPr>
+            <a:picLocks noChangeAspect="1"/>
+          </p:cNvPicPr>
+          <p:nvPr/>
+        </p:nvPicPr>
+        <p:blipFill>
+          <a:blip r:embed="rId6"/>
+          <a:stretch>
+            <a:fillRect/>
+          </a:stretch>
+        </p:blipFill>
+        <p:spPr>
+          <a:xfrm>
+            <a:off x="3214370" y="2862580"/>
+            <a:ext cx="2891155" cy="1877695"/>
+          </a:xfrm>
+          <a:prstGeom prst="rect">
+            <a:avLst/>
+          </a:prstGeom>
+        </p:spPr>
+      </p:pic>
+      <p:sp>
+        <p:nvSpPr>
+          <p:cNvPr id="15" name="Text Box 14"/>
+          <p:cNvSpPr txBox="1"/>
+          <p:nvPr/>
+        </p:nvSpPr>
+        <p:spPr>
+          <a:xfrm>
+            <a:off x="539115" y="4733925"/>
+            <a:ext cx="8151495" cy="368300"/>
+          </a:xfrm>
+          <a:prstGeom prst="rect">
+            <a:avLst/>
+          </a:prstGeom>
+          <a:noFill/>
+        </p:spPr>
+        <p:txBody>
+          <a:bodyPr wrap="square" rtlCol="0">
+            <a:spAutoFit/>
+          </a:bodyPr>
+          <a:p>
+            <a:pPr algn="ctr">
+              <a:lnSpc>
+                <a:spcPct val="150000"/>
+              </a:lnSpc>
+            </a:pPr>
+            <a:r>
+              <a:rPr lang="pt-PT" altLang="en-US" sz="1200">
+                <a:solidFill>
+                  <a:schemeClr val="tx2"/>
+                </a:solidFill>
+              </a:rPr>
+              <a:t>Versões A-GEO</a:t>
+            </a:r>
+            <a:r>
+              <a:rPr lang="pt-PT" altLang="en-US" sz="1200" baseline="-25000">
+                <a:solidFill>
+                  <a:schemeClr val="tx2"/>
+                </a:solidFill>
+              </a:rPr>
+              <a:t>2</a:t>
+            </a:r>
+            <a:r>
+              <a:rPr lang="pt-PT" altLang="en-US" sz="1200">
+                <a:solidFill>
+                  <a:schemeClr val="tx2"/>
+                </a:solidFill>
+              </a:rPr>
+              <a:t> foram superiores às versões A-GEO</a:t>
+            </a:r>
+            <a:r>
+              <a:rPr lang="pt-PT" altLang="en-US" sz="1200" baseline="-25000">
+                <a:solidFill>
+                  <a:schemeClr val="tx2"/>
+                </a:solidFill>
+              </a:rPr>
+              <a:t>1</a:t>
+            </a:r>
+            <a:r>
+              <a:rPr lang="pt-PT" altLang="en-US" sz="1200">
+                <a:solidFill>
+                  <a:schemeClr val="tx2"/>
+                </a:solidFill>
+              </a:rPr>
+              <a:t> para todas as funções</a:t>
+            </a:r>
+            <a:endParaRPr lang="pt-PT" altLang="en-US" sz="1200">
+              <a:solidFill>
+                <a:schemeClr val="tx2"/>
+              </a:solidFill>
+            </a:endParaRPr>
+          </a:p>
+        </p:txBody>
+      </p:sp>
+      <p:grpSp>
+        <p:nvGrpSpPr>
+          <p:cNvPr id="6" name="Group 5"/>
+          <p:cNvGrpSpPr/>
+          <p:nvPr/>
+        </p:nvGrpSpPr>
+        <p:grpSpPr>
+          <a:xfrm>
+            <a:off x="467360" y="269875"/>
+            <a:ext cx="6120765" cy="431800"/>
+            <a:chOff x="736" y="425"/>
+            <a:chExt cx="9639" cy="680"/>
+          </a:xfrm>
+        </p:grpSpPr>
+        <p:sp>
+          <p:nvSpPr>
+            <p:cNvPr id="8" name="Text Box 7"/>
+            <p:cNvSpPr txBox="1"/>
+            <p:nvPr/>
+          </p:nvSpPr>
+          <p:spPr>
+            <a:xfrm>
+              <a:off x="736" y="425"/>
+              <a:ext cx="8385" cy="531"/>
+            </a:xfrm>
+            <a:prstGeom prst="rect">
+              <a:avLst/>
+            </a:prstGeom>
+            <a:noFill/>
+          </p:spPr>
+          <p:txBody>
+            <a:bodyPr wrap="square" rtlCol="0">
+              <a:spAutoFit/>
+            </a:bodyPr>
+            <a:p>
+              <a:pPr algn="l"/>
+              <a:r>
+                <a:rPr lang="pt-PT" altLang="en-US" sz="1600">
+                  <a:sym typeface="+mn-ea"/>
+                </a:rPr>
+                <a:t>2.3 Geração dos resultados A-GEO</a:t>
+              </a:r>
+              <a:endParaRPr lang="pt-PT" altLang="en-US" sz="1600">
+                <a:sym typeface="+mn-ea"/>
+              </a:endParaRPr>
+            </a:p>
+          </p:txBody>
+        </p:sp>
+        <p:cxnSp>
+          <p:nvCxnSpPr>
+            <p:cNvPr id="16" name="Straight Connector 15"/>
+            <p:cNvCxnSpPr/>
+            <p:nvPr/>
+          </p:nvCxnSpPr>
+          <p:spPr>
+            <a:xfrm>
+              <a:off x="848" y="1105"/>
+              <a:ext cx="9527" cy="0"/>
+            </a:xfrm>
+            <a:prstGeom prst="line">
+              <a:avLst/>
+            </a:prstGeom>
+            <a:ln w="38100">
+              <a:solidFill>
+                <a:schemeClr val="accent6">
+                  <a:lumMod val="75000"/>
+                </a:schemeClr>
+              </a:solidFill>
+            </a:ln>
+          </p:spPr>
+          <p:style>
+            <a:lnRef idx="1">
+              <a:schemeClr val="accent1"/>
+            </a:lnRef>
+            <a:fillRef idx="0">
+              <a:schemeClr val="accent1"/>
+            </a:fillRef>
+            <a:effectRef idx="0">
+              <a:schemeClr val="accent1"/>
+            </a:effectRef>
+            <a:fontRef idx="minor">
+              <a:schemeClr val="tx1"/>
+            </a:fontRef>
+          </p:style>
+        </p:cxnSp>
+      </p:grpSp>
+    </p:spTree>
+  </p:cSld>
+  <p:clrMapOvr>
+    <a:masterClrMapping/>
+  </p:clrMapOvr>
+</p:sld>
+</file>
+
 <file path=ppt/slides/slide5.xml><?xml version="1.0" encoding="utf-8"?>
 <p:sld xmlns:a="http://schemas.openxmlformats.org/drawingml/2006/main" xmlns:r="http://schemas.openxmlformats.org/officeDocument/2006/relationships" xmlns:p="http://schemas.openxmlformats.org/presentationml/2006/main">
   <p:cSld>
@@ -35993,8 +34014,8 @@
         </p:nvSpPr>
         <p:spPr>
           <a:xfrm>
-            <a:off x="655320" y="1134110"/>
-            <a:ext cx="7832725" cy="3907790"/>
+            <a:off x="539115" y="989965"/>
+            <a:ext cx="7832725" cy="3046095"/>
           </a:xfrm>
           <a:prstGeom prst="rect">
             <a:avLst/>
@@ -36069,7 +34090,7 @@
               <a:rPr lang="pt-PT" altLang="en-US" sz="1200">
                 <a:sym typeface="+mn-ea"/>
               </a:rPr>
-              <a:t>a população de referência é a melhor população dentre os N novos indivíduos gerados após as N mutações. Inviável.</a:t>
+              <a:t>a população de referência é a melhor população dentre os N novos indivíduos gerados após as N mutações.</a:t>
             </a:r>
             <a:endParaRPr lang="pt-PT" altLang="en-US" sz="1200">
               <a:sym typeface="+mn-ea"/>
@@ -36121,65 +34142,7 @@
             </a:r>
             <a:r>
               <a:rPr lang="pt-PT" altLang="en-US" sz="1200"/>
-              <a:t>população inicial modificada (Binários), atualização do fx_atual (A-GEOvar) e mecanismo nunca atinge a condição CoI==0 </a:t>
-            </a:r>
-            <a:r>
-              <a:rPr lang="pt-PT" altLang="en-US" sz="1200">
-                <a:sym typeface="+mn-ea"/>
-              </a:rPr>
-              <a:t>(A-GEOvar)</a:t>
-            </a:r>
-            <a:r>
-              <a:rPr lang="pt-PT" altLang="en-US" sz="1200"/>
-              <a:t>.</a:t>
-            </a:r>
-            <a:endParaRPr lang="pt-PT" altLang="en-US" sz="1200"/>
-          </a:p>
-          <a:p>
-            <a:pPr marL="342900" indent="-342900" algn="l" fontAlgn="auto">
-              <a:lnSpc>
-                <a:spcPct val="150000"/>
-              </a:lnSpc>
-              <a:spcAft>
-                <a:spcPts val="1200"/>
-              </a:spcAft>
-              <a:buFont typeface="Arial" panose="020B0604020202020204" pitchFamily="34" charset="0"/>
-              <a:buAutoNum type="arabicPeriod"/>
-            </a:pPr>
-            <a:r>
-              <a:rPr lang="pt-PT" altLang="en-US" sz="1200"/>
-              <a:t>asdasdasd</a:t>
-            </a:r>
-            <a:endParaRPr lang="pt-PT" altLang="en-US" sz="1200"/>
-          </a:p>
-          <a:p>
-            <a:pPr marL="342900" indent="-342900" algn="l" fontAlgn="auto">
-              <a:lnSpc>
-                <a:spcPct val="150000"/>
-              </a:lnSpc>
-              <a:spcAft>
-                <a:spcPts val="1200"/>
-              </a:spcAft>
-              <a:buFont typeface="Arial" panose="020B0604020202020204" pitchFamily="34" charset="0"/>
-              <a:buAutoNum type="arabicPeriod"/>
-            </a:pPr>
-            <a:r>
-              <a:rPr lang="pt-PT" altLang="en-US" sz="1200"/>
-              <a:t>Melhorar com </a:t>
-            </a:r>
-            <a:r>
-              <a:rPr lang="pt-PT" altLang="en-US" sz="1200" b="1"/>
-              <a:t>“fx &lt; fx_referencia”</a:t>
-            </a:r>
-            <a:r>
-              <a:rPr lang="pt-PT" altLang="en-US" sz="1200"/>
-              <a:t> ou </a:t>
-            </a:r>
-            <a:r>
-              <a:rPr lang="pt-PT" altLang="en-US" sz="1200" b="1">
-                <a:sym typeface="+mn-ea"/>
-              </a:rPr>
-              <a:t>“fx &lt;= fx_referencia”</a:t>
+              <a:t>A aplicação do mecanismo do tau no A-GEOvar provém resultados piores que na versão A-GEO. Primeiros resultados utilizavam a condição “if(CoI==0 || tau&gt;5)</a:t>
             </a:r>
             <a:endParaRPr lang="pt-PT" altLang="en-US" sz="1200" b="1"/>
           </a:p>
@@ -36284,17 +34247,62 @@
         <p:cNvGrpSpPr/>
         <p:nvPr/>
       </p:nvGrpSpPr>
-      <p:grpSpPr/>
+      <p:grpSpPr>
+        <a:xfrm>
+          <a:off x="0" y="0"/>
+          <a:ext cx="0" cy="0"/>
+          <a:chOff x="0" y="0"/>
+          <a:chExt cx="0" cy="0"/>
+        </a:xfrm>
+      </p:grpSpPr>
       <p:sp>
         <p:nvSpPr>
-          <p:cNvPr id="2" name="Text Box 1"/>
+          <p:cNvPr id="4" name="CaixaDeTexto 3"/>
           <p:cNvSpPr txBox="1"/>
           <p:nvPr/>
         </p:nvSpPr>
         <p:spPr>
           <a:xfrm>
-            <a:off x="971550" y="1997710"/>
-            <a:ext cx="7848600" cy="1753235"/>
+            <a:off x="7523901" y="395173"/>
+            <a:ext cx="1101090" cy="521970"/>
+          </a:xfrm>
+          <a:prstGeom prst="rect">
+            <a:avLst/>
+          </a:prstGeom>
+          <a:noFill/>
+        </p:spPr>
+        <p:txBody>
+          <a:bodyPr wrap="none" rtlCol="0">
+            <a:spAutoFit/>
+          </a:bodyPr>
+          <a:p>
+            <a:pPr algn="ctr"/>
+            <a:r>
+              <a:rPr lang="pt-PT" altLang="pt-BR" sz="1400" b="1" dirty="0" smtClean="0"/>
+              <a:t>Conclusões</a:t>
+            </a:r>
+            <a:endParaRPr lang="pt-PT" altLang="pt-BR" sz="1400" b="1" dirty="0" smtClean="0"/>
+          </a:p>
+          <a:p>
+            <a:pPr algn="ctr"/>
+            <a:r>
+              <a:rPr lang="pt-PT" altLang="pt-BR" sz="1400" b="1" dirty="0" smtClean="0"/>
+              <a:t>Iniciais</a:t>
+            </a:r>
+            <a:endParaRPr lang="pt-PT" altLang="pt-BR" sz="1400" b="1" dirty="0" smtClean="0"/>
+          </a:p>
+        </p:txBody>
+      </p:sp>
+      <p:sp>
+        <p:nvSpPr>
+          <p:cNvPr id="10" name="Text Box 9"/>
+          <p:cNvSpPr txBox="1"/>
+          <p:nvPr/>
+        </p:nvSpPr>
+        <p:spPr>
+          <a:xfrm>
+            <a:off x="626110" y="989965"/>
+            <a:ext cx="7882255" cy="877570"/>
           </a:xfrm>
           <a:prstGeom prst="rect">
             <a:avLst/>
@@ -36306,7 +34314,767 @@
             <a:spAutoFit/>
           </a:bodyPr>
           <a:p>
-            <a:pPr marL="171450" indent="-171450" algn="l" fontAlgn="auto">
+            <a:pPr marL="285750" indent="-285750">
+              <a:buFont typeface="Arial" panose="020B0604020202020204" pitchFamily="34" charset="0"/>
+              <a:buChar char="•"/>
+            </a:pPr>
+            <a:r>
+              <a:rPr lang="pt-PT" altLang="en-US" sz="1400"/>
+              <a:t>A versão 2 foi superior em todas as execuções em relação a versão 1,</a:t>
+            </a:r>
+            <a:r>
+              <a:rPr lang="pt-PT" altLang="en-US" sz="1400" baseline="-25000"/>
+              <a:t> </a:t>
+            </a:r>
+            <a:r>
+              <a:rPr lang="pt-PT" altLang="en-US" sz="1400"/>
+              <a:t>tanto no A-GEO quanto no A-GEO</a:t>
+            </a:r>
+            <a:r>
+              <a:rPr lang="pt-PT" altLang="en-US" sz="1400" baseline="-25000"/>
+              <a:t>var</a:t>
+            </a:r>
+            <a:r>
+              <a:rPr lang="pt-PT" altLang="en-US" sz="1400"/>
+              <a:t>.</a:t>
+            </a:r>
+            <a:endParaRPr lang="pt-PT" altLang="en-US" sz="1400"/>
+          </a:p>
+          <a:p>
+            <a:pPr marL="285750" indent="-285750">
+              <a:buFont typeface="Arial" panose="020B0604020202020204" pitchFamily="34" charset="0"/>
+              <a:buChar char="•"/>
+            </a:pPr>
+            <a:endParaRPr lang="pt-PT" altLang="en-US" sz="1400" baseline="-25000"/>
+          </a:p>
+          <a:p>
+            <a:pPr marL="285750" indent="-285750">
+              <a:buFont typeface="Arial" panose="020B0604020202020204" pitchFamily="34" charset="0"/>
+              <a:buChar char="•"/>
+            </a:pPr>
+            <a:r>
+              <a:rPr lang="pt-PT" altLang="en-US" sz="1400"/>
+              <a:t>A-GEO</a:t>
+            </a:r>
+            <a:r>
+              <a:rPr lang="pt-PT" altLang="en-US" sz="1400" baseline="-25000"/>
+              <a:t>2</a:t>
+            </a:r>
+            <a:r>
+              <a:rPr lang="pt-PT" altLang="en-US" sz="1400"/>
+              <a:t>var foi melhor que A-GEO</a:t>
+            </a:r>
+            <a:r>
+              <a:rPr lang="pt-PT" altLang="en-US" sz="1400" baseline="-25000"/>
+              <a:t>2 </a:t>
+            </a:r>
+            <a:r>
+              <a:rPr lang="pt-PT" altLang="en-US" sz="1400"/>
+              <a:t>em todas as funções, exceto na Ackley e na Rosenbrock</a:t>
+            </a:r>
+            <a:endParaRPr lang="pt-PT" altLang="en-US" sz="1400"/>
+          </a:p>
+        </p:txBody>
+      </p:sp>
+      <p:grpSp>
+        <p:nvGrpSpPr>
+          <p:cNvPr id="58" name="Group 57"/>
+          <p:cNvGrpSpPr/>
+          <p:nvPr/>
+        </p:nvGrpSpPr>
+        <p:grpSpPr>
+          <a:xfrm>
+            <a:off x="755015" y="2305685"/>
+            <a:ext cx="3816350" cy="1943100"/>
+            <a:chOff x="282" y="85"/>
+            <a:chExt cx="6010" cy="3060"/>
+          </a:xfrm>
+        </p:grpSpPr>
+        <p:sp>
+          <p:nvSpPr>
+            <p:cNvPr id="2" name="CaixaDeTexto 9"/>
+            <p:cNvSpPr txBox="1"/>
+            <p:nvPr/>
+          </p:nvSpPr>
+          <p:spPr>
+            <a:xfrm>
+              <a:off x="622" y="312"/>
+              <a:ext cx="813" cy="471"/>
+            </a:xfrm>
+            <a:prstGeom prst="rect">
+              <a:avLst/>
+            </a:prstGeom>
+            <a:noFill/>
+            <a:ln>
+              <a:solidFill>
+                <a:schemeClr val="tx1"/>
+              </a:solidFill>
+            </a:ln>
+          </p:spPr>
+          <p:txBody>
+            <a:bodyPr wrap="none" rtlCol="0">
+              <a:spAutoFit/>
+            </a:bodyPr>
+            <a:p>
+              <a:r>
+                <a:rPr lang="pt-BR" sz="1350" b="1" dirty="0" smtClean="0"/>
+                <a:t>GEO</a:t>
+              </a:r>
+              <a:endParaRPr lang="pt-BR" sz="1350" b="1" dirty="0"/>
+            </a:p>
+          </p:txBody>
+        </p:sp>
+        <p:sp>
+          <p:nvSpPr>
+            <p:cNvPr id="11" name="CaixaDeTexto 10"/>
+            <p:cNvSpPr txBox="1"/>
+            <p:nvPr/>
+          </p:nvSpPr>
+          <p:spPr>
+            <a:xfrm>
+              <a:off x="1353" y="1164"/>
+              <a:ext cx="1186" cy="471"/>
+            </a:xfrm>
+            <a:prstGeom prst="rect">
+              <a:avLst/>
+            </a:prstGeom>
+            <a:noFill/>
+            <a:ln>
+              <a:solidFill>
+                <a:schemeClr val="tx1"/>
+              </a:solidFill>
+            </a:ln>
+          </p:spPr>
+          <p:txBody>
+            <a:bodyPr wrap="none" rtlCol="0">
+              <a:spAutoFit/>
+            </a:bodyPr>
+            <a:p>
+              <a:r>
+                <a:rPr lang="pt-BR" sz="1350" b="1" dirty="0" smtClean="0">
+                  <a:solidFill>
+                    <a:srgbClr val="FF0000"/>
+                  </a:solidFill>
+                </a:rPr>
+                <a:t>A-GEO</a:t>
+              </a:r>
+              <a:r>
+                <a:rPr lang="pt-BR" sz="1350" b="1" baseline="-25000" dirty="0" smtClean="0">
+                  <a:solidFill>
+                    <a:srgbClr val="FF0000"/>
+                  </a:solidFill>
+                </a:rPr>
+                <a:t>1</a:t>
+              </a:r>
+              <a:endParaRPr lang="pt-BR" sz="1350" b="1" baseline="-25000" dirty="0">
+                <a:solidFill>
+                  <a:srgbClr val="FF0000"/>
+                </a:solidFill>
+              </a:endParaRPr>
+            </a:p>
+          </p:txBody>
+        </p:sp>
+        <p:sp>
+          <p:nvSpPr>
+            <p:cNvPr id="12" name="CaixaDeTexto 11"/>
+            <p:cNvSpPr txBox="1"/>
+            <p:nvPr/>
+          </p:nvSpPr>
+          <p:spPr>
+            <a:xfrm>
+              <a:off x="1353" y="1731"/>
+              <a:ext cx="1186" cy="471"/>
+            </a:xfrm>
+            <a:prstGeom prst="rect">
+              <a:avLst/>
+            </a:prstGeom>
+            <a:noFill/>
+            <a:ln>
+              <a:solidFill>
+                <a:schemeClr val="tx1"/>
+              </a:solidFill>
+            </a:ln>
+          </p:spPr>
+          <p:txBody>
+            <a:bodyPr wrap="none" rtlCol="0">
+              <a:spAutoFit/>
+            </a:bodyPr>
+            <a:p>
+              <a:r>
+                <a:rPr lang="pt-BR" sz="1350" b="1" dirty="0" smtClean="0">
+                  <a:solidFill>
+                    <a:schemeClr val="accent3">
+                      <a:lumMod val="75000"/>
+                    </a:schemeClr>
+                  </a:solidFill>
+                </a:rPr>
+                <a:t>A-GEO</a:t>
+              </a:r>
+              <a:r>
+                <a:rPr lang="pt-BR" sz="1350" b="1" baseline="-25000" dirty="0" smtClean="0">
+                  <a:solidFill>
+                    <a:schemeClr val="accent3">
+                      <a:lumMod val="75000"/>
+                    </a:schemeClr>
+                  </a:solidFill>
+                </a:rPr>
+                <a:t>2</a:t>
+              </a:r>
+              <a:endParaRPr lang="pt-BR" sz="1350" b="1" baseline="-25000" dirty="0" smtClean="0">
+                <a:solidFill>
+                  <a:schemeClr val="accent3">
+                    <a:lumMod val="75000"/>
+                  </a:schemeClr>
+                </a:solidFill>
+              </a:endParaRPr>
+            </a:p>
+          </p:txBody>
+        </p:sp>
+        <p:cxnSp>
+          <p:nvCxnSpPr>
+            <p:cNvPr id="15" name="Conector angulado 14"/>
+            <p:cNvCxnSpPr>
+              <a:stCxn id="2" idx="2"/>
+              <a:endCxn id="12" idx="1"/>
+            </p:cNvCxnSpPr>
+            <p:nvPr/>
+          </p:nvCxnSpPr>
+          <p:spPr>
+            <a:xfrm rot="5400000" flipV="1">
+              <a:off x="600" y="1212"/>
+              <a:ext cx="1183" cy="324"/>
+            </a:xfrm>
+            <a:prstGeom prst="bentConnector2">
+              <a:avLst/>
+            </a:prstGeom>
+            <a:ln>
+              <a:solidFill>
+                <a:schemeClr val="tx1"/>
+              </a:solidFill>
+              <a:tailEnd type="arrow"/>
+            </a:ln>
+          </p:spPr>
+          <p:style>
+            <a:lnRef idx="1">
+              <a:schemeClr val="accent1"/>
+            </a:lnRef>
+            <a:fillRef idx="0">
+              <a:schemeClr val="accent1"/>
+            </a:fillRef>
+            <a:effectRef idx="0">
+              <a:schemeClr val="accent1"/>
+            </a:effectRef>
+            <a:fontRef idx="minor">
+              <a:schemeClr val="tx1"/>
+            </a:fontRef>
+          </p:style>
+        </p:cxnSp>
+        <p:cxnSp>
+          <p:nvCxnSpPr>
+            <p:cNvPr id="3" name="Conector angulado 14"/>
+            <p:cNvCxnSpPr>
+              <a:stCxn id="2" idx="2"/>
+              <a:endCxn id="11" idx="1"/>
+            </p:cNvCxnSpPr>
+            <p:nvPr/>
+          </p:nvCxnSpPr>
+          <p:spPr>
+            <a:xfrm rot="5400000" flipV="1">
+              <a:off x="883" y="930"/>
+              <a:ext cx="617" cy="324"/>
+            </a:xfrm>
+            <a:prstGeom prst="bentConnector2">
+              <a:avLst/>
+            </a:prstGeom>
+            <a:ln>
+              <a:solidFill>
+                <a:schemeClr val="tx1"/>
+              </a:solidFill>
+              <a:tailEnd type="arrow"/>
+            </a:ln>
+          </p:spPr>
+          <p:style>
+            <a:lnRef idx="1">
+              <a:schemeClr val="accent1"/>
+            </a:lnRef>
+            <a:fillRef idx="0">
+              <a:schemeClr val="accent1"/>
+            </a:fillRef>
+            <a:effectRef idx="0">
+              <a:schemeClr val="accent1"/>
+            </a:effectRef>
+            <a:fontRef idx="minor">
+              <a:schemeClr val="tx1"/>
+            </a:fontRef>
+          </p:style>
+        </p:cxnSp>
+        <p:sp>
+          <p:nvSpPr>
+            <p:cNvPr id="5" name="CaixaDeTexto 9"/>
+            <p:cNvSpPr txBox="1"/>
+            <p:nvPr/>
+          </p:nvSpPr>
+          <p:spPr>
+            <a:xfrm>
+              <a:off x="4801" y="312"/>
+              <a:ext cx="1214" cy="471"/>
+            </a:xfrm>
+            <a:prstGeom prst="rect">
+              <a:avLst/>
+            </a:prstGeom>
+            <a:noFill/>
+            <a:ln>
+              <a:solidFill>
+                <a:schemeClr val="tx1"/>
+              </a:solidFill>
+            </a:ln>
+          </p:spPr>
+          <p:txBody>
+            <a:bodyPr wrap="none" rtlCol="0">
+              <a:spAutoFit/>
+            </a:bodyPr>
+            <a:p>
+              <a:r>
+                <a:rPr lang="pt-BR" sz="1350" b="1" dirty="0" smtClean="0"/>
+                <a:t>GEO</a:t>
+              </a:r>
+              <a:r>
+                <a:rPr lang="pt-PT" altLang="pt-BR" sz="1350" b="1" dirty="0" smtClean="0"/>
+                <a:t>var</a:t>
+              </a:r>
+              <a:endParaRPr lang="pt-PT" altLang="pt-BR" sz="1350" b="1" dirty="0" smtClean="0"/>
+            </a:p>
+          </p:txBody>
+        </p:sp>
+        <p:sp>
+          <p:nvSpPr>
+            <p:cNvPr id="6" name="CaixaDeTexto 10"/>
+            <p:cNvSpPr txBox="1"/>
+            <p:nvPr/>
+          </p:nvSpPr>
+          <p:spPr>
+            <a:xfrm>
+              <a:off x="3554" y="1164"/>
+              <a:ext cx="1587" cy="471"/>
+            </a:xfrm>
+            <a:prstGeom prst="rect">
+              <a:avLst/>
+            </a:prstGeom>
+            <a:noFill/>
+            <a:ln>
+              <a:solidFill>
+                <a:schemeClr val="tx1"/>
+              </a:solidFill>
+            </a:ln>
+          </p:spPr>
+          <p:txBody>
+            <a:bodyPr wrap="none" rtlCol="0">
+              <a:spAutoFit/>
+            </a:bodyPr>
+            <a:p>
+              <a:r>
+                <a:rPr lang="pt-BR" sz="1350" b="1" dirty="0" smtClean="0">
+                  <a:solidFill>
+                    <a:srgbClr val="FF0000"/>
+                  </a:solidFill>
+                </a:rPr>
+                <a:t>A-GEO</a:t>
+              </a:r>
+              <a:r>
+                <a:rPr lang="pt-BR" sz="1350" b="1" baseline="-25000" dirty="0" smtClean="0">
+                  <a:solidFill>
+                    <a:srgbClr val="FF0000"/>
+                  </a:solidFill>
+                </a:rPr>
+                <a:t>1</a:t>
+              </a:r>
+              <a:r>
+                <a:rPr lang="pt-PT" altLang="pt-BR" sz="1350" b="1" dirty="0" smtClean="0">
+                  <a:solidFill>
+                    <a:srgbClr val="FF0000"/>
+                  </a:solidFill>
+                </a:rPr>
+                <a:t>var</a:t>
+              </a:r>
+              <a:endParaRPr lang="pt-PT" altLang="pt-BR" sz="1350" b="1" dirty="0" smtClean="0">
+                <a:solidFill>
+                  <a:srgbClr val="FF0000"/>
+                </a:solidFill>
+              </a:endParaRPr>
+            </a:p>
+          </p:txBody>
+        </p:sp>
+        <p:sp>
+          <p:nvSpPr>
+            <p:cNvPr id="7" name="CaixaDeTexto 11"/>
+            <p:cNvSpPr txBox="1"/>
+            <p:nvPr/>
+          </p:nvSpPr>
+          <p:spPr>
+            <a:xfrm>
+              <a:off x="3554" y="1731"/>
+              <a:ext cx="1587" cy="471"/>
+            </a:xfrm>
+            <a:prstGeom prst="rect">
+              <a:avLst/>
+            </a:prstGeom>
+            <a:noFill/>
+            <a:ln>
+              <a:solidFill>
+                <a:schemeClr val="tx1"/>
+              </a:solidFill>
+            </a:ln>
+          </p:spPr>
+          <p:txBody>
+            <a:bodyPr wrap="none" rtlCol="0">
+              <a:spAutoFit/>
+            </a:bodyPr>
+            <a:p>
+              <a:r>
+                <a:rPr lang="pt-BR" sz="1350" b="1" dirty="0" smtClean="0">
+                  <a:solidFill>
+                    <a:schemeClr val="accent3">
+                      <a:lumMod val="75000"/>
+                    </a:schemeClr>
+                  </a:solidFill>
+                </a:rPr>
+                <a:t>A-GEO</a:t>
+              </a:r>
+              <a:r>
+                <a:rPr lang="pt-BR" sz="1350" b="1" baseline="-25000" dirty="0" smtClean="0">
+                  <a:solidFill>
+                    <a:schemeClr val="accent3">
+                      <a:lumMod val="75000"/>
+                    </a:schemeClr>
+                  </a:solidFill>
+                </a:rPr>
+                <a:t>2</a:t>
+              </a:r>
+              <a:r>
+                <a:rPr lang="pt-PT" altLang="pt-BR" sz="1350" b="1" dirty="0" smtClean="0">
+                  <a:solidFill>
+                    <a:schemeClr val="accent3">
+                      <a:lumMod val="75000"/>
+                    </a:schemeClr>
+                  </a:solidFill>
+                </a:rPr>
+                <a:t>var</a:t>
+              </a:r>
+              <a:endParaRPr lang="pt-PT" altLang="pt-BR" sz="1350" b="1" dirty="0" smtClean="0">
+                <a:solidFill>
+                  <a:schemeClr val="accent3">
+                    <a:lumMod val="75000"/>
+                  </a:schemeClr>
+                </a:solidFill>
+              </a:endParaRPr>
+            </a:p>
+          </p:txBody>
+        </p:sp>
+        <p:cxnSp>
+          <p:nvCxnSpPr>
+            <p:cNvPr id="8" name="Conector angulado 14"/>
+            <p:cNvCxnSpPr>
+              <a:stCxn id="5" idx="2"/>
+              <a:endCxn id="7" idx="3"/>
+            </p:cNvCxnSpPr>
+            <p:nvPr/>
+          </p:nvCxnSpPr>
+          <p:spPr>
+            <a:xfrm rot="5400000">
+              <a:off x="4683" y="1242"/>
+              <a:ext cx="1184" cy="267"/>
+            </a:xfrm>
+            <a:prstGeom prst="bentConnector2">
+              <a:avLst/>
+            </a:prstGeom>
+            <a:ln>
+              <a:solidFill>
+                <a:schemeClr val="tx1"/>
+              </a:solidFill>
+              <a:tailEnd type="arrow"/>
+            </a:ln>
+          </p:spPr>
+          <p:style>
+            <a:lnRef idx="1">
+              <a:schemeClr val="accent1"/>
+            </a:lnRef>
+            <a:fillRef idx="0">
+              <a:schemeClr val="accent1"/>
+            </a:fillRef>
+            <a:effectRef idx="0">
+              <a:schemeClr val="accent1"/>
+            </a:effectRef>
+            <a:fontRef idx="minor">
+              <a:schemeClr val="tx1"/>
+            </a:fontRef>
+          </p:style>
+        </p:cxnSp>
+        <p:cxnSp>
+          <p:nvCxnSpPr>
+            <p:cNvPr id="9" name="Conector angulado 14"/>
+            <p:cNvCxnSpPr>
+              <a:stCxn id="5" idx="2"/>
+              <a:endCxn id="6" idx="3"/>
+            </p:cNvCxnSpPr>
+            <p:nvPr/>
+          </p:nvCxnSpPr>
+          <p:spPr>
+            <a:xfrm rot="5400000">
+              <a:off x="4966" y="957"/>
+              <a:ext cx="616" cy="267"/>
+            </a:xfrm>
+            <a:prstGeom prst="bentConnector2">
+              <a:avLst/>
+            </a:prstGeom>
+            <a:ln>
+              <a:solidFill>
+                <a:schemeClr val="tx1"/>
+              </a:solidFill>
+              <a:tailEnd type="arrow"/>
+            </a:ln>
+          </p:spPr>
+          <p:style>
+            <a:lnRef idx="1">
+              <a:schemeClr val="accent1"/>
+            </a:lnRef>
+            <a:fillRef idx="0">
+              <a:schemeClr val="accent1"/>
+            </a:fillRef>
+            <a:effectRef idx="0">
+              <a:schemeClr val="accent1"/>
+            </a:effectRef>
+            <a:fontRef idx="minor">
+              <a:schemeClr val="tx1"/>
+            </a:fontRef>
+          </p:style>
+        </p:cxnSp>
+        <p:sp>
+          <p:nvSpPr>
+            <p:cNvPr id="13" name="CaixaDeTexto 10"/>
+            <p:cNvSpPr txBox="1"/>
+            <p:nvPr/>
+          </p:nvSpPr>
+          <p:spPr>
+            <a:xfrm>
+              <a:off x="2306" y="2412"/>
+              <a:ext cx="1587" cy="471"/>
+            </a:xfrm>
+            <a:prstGeom prst="rect">
+              <a:avLst/>
+            </a:prstGeom>
+            <a:noFill/>
+            <a:ln>
+              <a:solidFill>
+                <a:schemeClr val="tx1"/>
+              </a:solidFill>
+            </a:ln>
+          </p:spPr>
+          <p:txBody>
+            <a:bodyPr wrap="none" rtlCol="0">
+              <a:spAutoFit/>
+            </a:bodyPr>
+            <a:p>
+              <a:r>
+                <a:rPr lang="pt-BR" sz="1350" b="1" dirty="0" smtClean="0">
+                  <a:solidFill>
+                    <a:schemeClr val="accent3">
+                      <a:lumMod val="75000"/>
+                    </a:schemeClr>
+                  </a:solidFill>
+                </a:rPr>
+                <a:t>A-GEO</a:t>
+              </a:r>
+              <a:r>
+                <a:rPr lang="pt-PT" altLang="pt-BR" sz="1350" b="1" baseline="-25000" dirty="0" smtClean="0">
+                  <a:solidFill>
+                    <a:schemeClr val="accent3">
+                      <a:lumMod val="75000"/>
+                    </a:schemeClr>
+                  </a:solidFill>
+                </a:rPr>
+                <a:t>2</a:t>
+              </a:r>
+              <a:r>
+                <a:rPr lang="pt-PT" altLang="pt-BR" sz="1350" b="1" dirty="0" smtClean="0">
+                  <a:solidFill>
+                    <a:schemeClr val="accent3">
+                      <a:lumMod val="75000"/>
+                    </a:schemeClr>
+                  </a:solidFill>
+                </a:rPr>
+                <a:t>var</a:t>
+              </a:r>
+              <a:endParaRPr lang="pt-PT" altLang="pt-BR" sz="1350" b="1" dirty="0" smtClean="0">
+                <a:solidFill>
+                  <a:schemeClr val="accent3">
+                    <a:lumMod val="75000"/>
+                  </a:schemeClr>
+                </a:solidFill>
+              </a:endParaRPr>
+            </a:p>
+          </p:txBody>
+        </p:sp>
+        <p:cxnSp>
+          <p:nvCxnSpPr>
+            <p:cNvPr id="14" name="Conector angulado 14"/>
+            <p:cNvCxnSpPr>
+              <a:stCxn id="12" idx="3"/>
+              <a:endCxn id="13" idx="0"/>
+            </p:cNvCxnSpPr>
+            <p:nvPr/>
+          </p:nvCxnSpPr>
+          <p:spPr>
+            <a:xfrm>
+              <a:off x="2539" y="1967"/>
+              <a:ext cx="561" cy="445"/>
+            </a:xfrm>
+            <a:prstGeom prst="bentConnector2">
+              <a:avLst/>
+            </a:prstGeom>
+            <a:ln>
+              <a:solidFill>
+                <a:schemeClr val="tx1"/>
+              </a:solidFill>
+              <a:tailEnd type="arrow"/>
+            </a:ln>
+          </p:spPr>
+          <p:style>
+            <a:lnRef idx="1">
+              <a:schemeClr val="accent1"/>
+            </a:lnRef>
+            <a:fillRef idx="0">
+              <a:schemeClr val="accent1"/>
+            </a:fillRef>
+            <a:effectRef idx="0">
+              <a:schemeClr val="accent1"/>
+            </a:effectRef>
+            <a:fontRef idx="minor">
+              <a:schemeClr val="tx1"/>
+            </a:fontRef>
+          </p:style>
+        </p:cxnSp>
+        <p:cxnSp>
+          <p:nvCxnSpPr>
+            <p:cNvPr id="19" name="Conector angulado 14"/>
+            <p:cNvCxnSpPr>
+              <a:stCxn id="7" idx="1"/>
+              <a:endCxn id="13" idx="0"/>
+            </p:cNvCxnSpPr>
+            <p:nvPr/>
+          </p:nvCxnSpPr>
+          <p:spPr>
+            <a:xfrm rot="10800000" flipV="1">
+              <a:off x="3100" y="1967"/>
+              <a:ext cx="454" cy="445"/>
+            </a:xfrm>
+            <a:prstGeom prst="bentConnector2">
+              <a:avLst/>
+            </a:prstGeom>
+            <a:ln>
+              <a:solidFill>
+                <a:schemeClr val="tx1"/>
+              </a:solidFill>
+              <a:tailEnd type="arrow"/>
+            </a:ln>
+          </p:spPr>
+          <p:style>
+            <a:lnRef idx="1">
+              <a:schemeClr val="accent1"/>
+            </a:lnRef>
+            <a:fillRef idx="0">
+              <a:schemeClr val="accent1"/>
+            </a:fillRef>
+            <a:effectRef idx="0">
+              <a:schemeClr val="accent1"/>
+            </a:effectRef>
+            <a:fontRef idx="minor">
+              <a:schemeClr val="tx1"/>
+            </a:fontRef>
+          </p:style>
+        </p:cxnSp>
+        <p:sp>
+          <p:nvSpPr>
+            <p:cNvPr id="24" name="Rectangles 23"/>
+            <p:cNvSpPr/>
+            <p:nvPr/>
+          </p:nvSpPr>
+          <p:spPr>
+            <a:xfrm>
+              <a:off x="282" y="85"/>
+              <a:ext cx="6010" cy="3061"/>
+            </a:xfrm>
+            <a:prstGeom prst="rect">
+              <a:avLst/>
+            </a:prstGeom>
+            <a:noFill/>
+            <a:ln w="28575">
+              <a:solidFill>
+                <a:srgbClr val="0070C0"/>
+              </a:solidFill>
+              <a:prstDash val="dash"/>
+            </a:ln>
+            <a:extLst>
+              <a:ext uri="{909E8E84-426E-40DD-AFC4-6F175D3DCCD1}">
+                <a14:hiddenFill xmlns:a14="http://schemas.microsoft.com/office/drawing/2010/main">
+                  <a:solidFill>
+                    <a:schemeClr val="accent1"/>
+                  </a:solidFill>
+                </a14:hiddenFill>
+              </a:ext>
+            </a:extLst>
+          </p:spPr>
+          <p:style>
+            <a:lnRef idx="2">
+              <a:schemeClr val="accent1">
+                <a:shade val="50000"/>
+              </a:schemeClr>
+            </a:lnRef>
+            <a:fillRef idx="1">
+              <a:schemeClr val="accent1"/>
+            </a:fillRef>
+            <a:effectRef idx="0">
+              <a:schemeClr val="accent1"/>
+            </a:effectRef>
+            <a:fontRef idx="minor">
+              <a:schemeClr val="lt1"/>
+            </a:fontRef>
+          </p:style>
+          <p:txBody>
+            <a:bodyPr rtlCol="0" anchor="ctr"/>
+            <a:p>
+              <a:pPr algn="ctr"/>
+              <a:endParaRPr lang="en-US"/>
+            </a:p>
+          </p:txBody>
+        </p:sp>
+      </p:grpSp>
+      <p:sp>
+        <p:nvSpPr>
+          <p:cNvPr id="16" name="Text Box 15"/>
+          <p:cNvSpPr txBox="1"/>
+          <p:nvPr/>
+        </p:nvSpPr>
+        <p:spPr>
+          <a:xfrm>
+            <a:off x="5075555" y="2542540"/>
+            <a:ext cx="3649345" cy="1706880"/>
+          </a:xfrm>
+          <a:prstGeom prst="rect">
+            <a:avLst/>
+          </a:prstGeom>
+          <a:noFill/>
+          <a:ln>
+            <a:solidFill>
+              <a:srgbClr val="FF0000"/>
+            </a:solidFill>
+          </a:ln>
+        </p:spPr>
+        <p:txBody>
+          <a:bodyPr wrap="square" rtlCol="0">
+            <a:spAutoFit/>
+          </a:bodyPr>
+          <a:p>
+            <a:pPr indent="0" algn="ctr" fontAlgn="auto">
               <a:lnSpc>
                 <a:spcPct val="150000"/>
               </a:lnSpc>
@@ -36314,141 +35082,50 @@
                 <a:spcPts val="0"/>
               </a:spcAft>
               <a:buFont typeface="Arial" panose="020B0604020202020204" pitchFamily="34" charset="0"/>
-              <a:buChar char="•"/>
+              <a:buNone/>
             </a:pPr>
             <a:r>
-              <a:rPr lang="pt-PT" sz="1200">
+              <a:rPr lang="pt-PT" sz="1400" b="1">
+                <a:solidFill>
+                  <a:srgbClr val="FF0000"/>
+                </a:solidFill>
                 <a:sym typeface="+mn-ea"/>
               </a:rPr>
-              <a:t>blábláblá</a:t>
+              <a:t>Essas são conclusões foram feitas em FEV/21 e publicadas no CSBC. Porém, um erro foi encontrado na implementação e novas conclusões foram geradas, que serão apresentadas a seguir.</a:t>
             </a:r>
-            <a:endParaRPr lang="pt-PT" sz="1200">
+            <a:endParaRPr lang="pt-PT" sz="1400" b="1">
+              <a:solidFill>
+                <a:srgbClr val="FF0000"/>
+              </a:solidFill>
               <a:sym typeface="+mn-ea"/>
-            </a:endParaRPr>
-          </a:p>
-          <a:p>
-            <a:pPr marL="171450" indent="-171450" algn="l" fontAlgn="auto">
-              <a:lnSpc>
-                <a:spcPct val="150000"/>
-              </a:lnSpc>
-              <a:spcAft>
-                <a:spcPts val="0"/>
-              </a:spcAft>
-              <a:buFont typeface="Arial" panose="020B0604020202020204" pitchFamily="34" charset="0"/>
-              <a:buChar char="•"/>
-            </a:pPr>
-            <a:r>
-              <a:rPr lang="pt-PT" sz="1200">
-                <a:sym typeface="+mn-ea"/>
-              </a:rPr>
-              <a:t>bláblá</a:t>
-            </a:r>
-            <a:endParaRPr lang="pt-PT" sz="1200">
-              <a:sym typeface="+mn-ea"/>
-            </a:endParaRPr>
-          </a:p>
-          <a:p>
-            <a:pPr marL="171450" indent="-171450" algn="l" fontAlgn="auto">
-              <a:lnSpc>
-                <a:spcPct val="150000"/>
-              </a:lnSpc>
-              <a:spcAft>
-                <a:spcPts val="0"/>
-              </a:spcAft>
-              <a:buFont typeface="Arial" panose="020B0604020202020204" pitchFamily="34" charset="0"/>
-              <a:buChar char="•"/>
-            </a:pPr>
-            <a:r>
-              <a:rPr lang="pt-PT" sz="1200">
-                <a:sym typeface="+mn-ea"/>
-              </a:rPr>
-              <a:t>blá</a:t>
-            </a:r>
-            <a:endParaRPr lang="pt-PT" sz="1200">
-              <a:sym typeface="+mn-ea"/>
-            </a:endParaRPr>
-          </a:p>
-          <a:p>
-            <a:pPr marL="171450" indent="-171450" algn="l" fontAlgn="auto">
-              <a:lnSpc>
-                <a:spcPct val="150000"/>
-              </a:lnSpc>
-              <a:spcAft>
-                <a:spcPts val="0"/>
-              </a:spcAft>
-              <a:buFont typeface="Arial" panose="020B0604020202020204" pitchFamily="34" charset="0"/>
-              <a:buChar char="•"/>
-            </a:pPr>
-            <a:endParaRPr lang="pt-PT" sz="1200">
-              <a:sym typeface="+mn-ea"/>
-            </a:endParaRPr>
-          </a:p>
-          <a:p>
-            <a:pPr marL="171450" indent="-171450" algn="l" fontAlgn="auto">
-              <a:lnSpc>
-                <a:spcPct val="150000"/>
-              </a:lnSpc>
-              <a:spcAft>
-                <a:spcPts val="0"/>
-              </a:spcAft>
-              <a:buFont typeface="Arial" panose="020B0604020202020204" pitchFamily="34" charset="0"/>
-              <a:buChar char="•"/>
-            </a:pPr>
-            <a:endParaRPr lang="pt-PT" sz="1200">
-              <a:sym typeface="+mn-ea"/>
-            </a:endParaRPr>
-          </a:p>
-          <a:p>
-            <a:pPr marL="171450" indent="-171450" algn="l" fontAlgn="auto">
-              <a:lnSpc>
-                <a:spcPct val="150000"/>
-              </a:lnSpc>
-              <a:spcAft>
-                <a:spcPts val="0"/>
-              </a:spcAft>
-              <a:buFont typeface="Arial" panose="020B0604020202020204" pitchFamily="34" charset="0"/>
-              <a:buChar char="•"/>
-            </a:pPr>
-            <a:r>
-              <a:rPr lang="pt-PT" sz="1200">
-                <a:sym typeface="+mn-ea"/>
-              </a:rPr>
-              <a:t>Esses resultados foram pro CSBC (A-GEOvar errado)</a:t>
-            </a:r>
-            <a:endParaRPr lang="pt-PT" sz="1200">
-              <a:solidFill>
-                <a:schemeClr val="accent1">
-                  <a:lumMod val="75000"/>
-                </a:schemeClr>
-              </a:solidFill>
             </a:endParaRPr>
           </a:p>
         </p:txBody>
       </p:sp>
       <p:grpSp>
         <p:nvGrpSpPr>
-          <p:cNvPr id="3" name="Group 2"/>
+          <p:cNvPr id="17" name="Group 16"/>
           <p:cNvGrpSpPr/>
           <p:nvPr/>
         </p:nvGrpSpPr>
         <p:grpSpPr>
           <a:xfrm>
             <a:off x="467360" y="269875"/>
-            <a:ext cx="6412230" cy="431800"/>
-            <a:chOff x="4024" y="765"/>
-            <a:chExt cx="10098" cy="680"/>
+            <a:ext cx="6287135" cy="431800"/>
+            <a:chOff x="736" y="425"/>
+            <a:chExt cx="9901" cy="680"/>
           </a:xfrm>
         </p:grpSpPr>
         <p:sp>
           <p:nvSpPr>
-            <p:cNvPr id="5" name="Text Box 4"/>
+            <p:cNvPr id="18" name="Text Box 17"/>
             <p:cNvSpPr txBox="1"/>
             <p:nvPr/>
           </p:nvSpPr>
           <p:spPr>
             <a:xfrm>
-              <a:off x="4024" y="765"/>
-              <a:ext cx="10098" cy="531"/>
+              <a:off x="736" y="425"/>
+              <a:ext cx="9901" cy="531"/>
             </a:xfrm>
             <a:prstGeom prst="rect">
               <a:avLst/>
@@ -36475,13 +35152,13 @@
         </p:sp>
         <p:cxnSp>
           <p:nvCxnSpPr>
-            <p:cNvPr id="6" name="Straight Connector 5"/>
+            <p:cNvPr id="20" name="Straight Connector 19"/>
             <p:cNvCxnSpPr/>
             <p:nvPr/>
           </p:nvCxnSpPr>
           <p:spPr>
             <a:xfrm>
-              <a:off x="4136" y="1445"/>
+              <a:off x="848" y="1105"/>
               <a:ext cx="9527" cy="0"/>
             </a:xfrm>
             <a:prstGeom prst="line">
@@ -36528,24 +35205,17 @@
         <p:cNvGrpSpPr/>
         <p:nvPr/>
       </p:nvGrpSpPr>
-      <p:grpSpPr>
-        <a:xfrm>
-          <a:off x="0" y="0"/>
-          <a:ext cx="0" cy="0"/>
-          <a:chOff x="0" y="0"/>
-          <a:chExt cx="0" cy="0"/>
-        </a:xfrm>
-      </p:grpSpPr>
+      <p:grpSpPr/>
       <p:sp>
         <p:nvSpPr>
-          <p:cNvPr id="4" name="CaixaDeTexto 3"/>
+          <p:cNvPr id="7" name="Text Box 6"/>
           <p:cNvSpPr txBox="1"/>
           <p:nvPr/>
         </p:nvSpPr>
         <p:spPr>
           <a:xfrm>
-            <a:off x="7308315" y="395173"/>
-            <a:ext cx="1560195" cy="306705"/>
+            <a:off x="538480" y="989965"/>
+            <a:ext cx="7993380" cy="3784600"/>
           </a:xfrm>
           <a:prstGeom prst="rect">
             <a:avLst/>
@@ -36553,175 +35223,229 @@
           <a:noFill/>
         </p:spPr>
         <p:txBody>
-          <a:bodyPr wrap="none" rtlCol="0">
+          <a:bodyPr wrap="square" rtlCol="0">
             <a:spAutoFit/>
           </a:bodyPr>
-          <a:lstStyle/>
           <a:p>
+            <a:pPr indent="0" algn="l" fontAlgn="auto">
+              <a:lnSpc>
+                <a:spcPct val="100000"/>
+              </a:lnSpc>
+              <a:spcAft>
+                <a:spcPts val="1200"/>
+              </a:spcAft>
+              <a:buFont typeface="Arial" panose="020B0604020202020204" pitchFamily="34" charset="0"/>
+              <a:buNone/>
+            </a:pPr>
             <a:r>
-              <a:rPr lang="pt-BR" sz="1400" b="1" dirty="0" smtClean="0"/>
-              <a:t>A-GEO</a:t>
+              <a:rPr lang="pt-PT" altLang="en-US" sz="1200" b="1">
+                <a:sym typeface="+mn-ea"/>
+              </a:rPr>
+              <a:t>1) População binária vinha sendo passada por referência (modificada dentro do algoritmo) e o próximo algoritmo perdia a população gerada originalmente.</a:t>
+            </a:r>
+            <a:endParaRPr lang="pt-PT" altLang="en-US" sz="1200" b="1">
+              <a:sym typeface="+mn-ea"/>
+            </a:endParaRPr>
+          </a:p>
+          <a:p>
+            <a:pPr marL="628650" lvl="1" indent="-171450" algn="l" fontAlgn="auto">
+              <a:lnSpc>
+                <a:spcPct val="100000"/>
+              </a:lnSpc>
+              <a:spcAft>
+                <a:spcPts val="1200"/>
+              </a:spcAft>
+              <a:buFont typeface="Arial" panose="020B0604020202020204" pitchFamily="34" charset="0"/>
+              <a:buChar char="•"/>
+            </a:pPr>
+            <a:r>
+              <a:rPr lang="pt-PT" altLang="en-US" sz="1200">
+                <a:sym typeface="+mn-ea"/>
+              </a:rPr>
+              <a:t>Esse problema só acontecia agora, e não na geração dos resultados do CSBC, pois há pouco tempo eu alterei o algoritmo para passar a população inicial como parâmetro de entrada. Na época do CSBC eu gerava a população dentro do algoritmo, então na média todos partiam dos mesmos pontos.</a:t>
+            </a:r>
+            <a:endParaRPr lang="pt-PT" altLang="en-US" sz="1200">
+              <a:sym typeface="+mn-ea"/>
+            </a:endParaRPr>
+          </a:p>
+          <a:p>
+            <a:pPr marL="171450" indent="-171450" algn="l" fontAlgn="auto">
+              <a:lnSpc>
+                <a:spcPct val="100000"/>
+              </a:lnSpc>
+              <a:spcAft>
+                <a:spcPts val="1200"/>
+              </a:spcAft>
+              <a:buFont typeface="Arial" panose="020B0604020202020204" pitchFamily="34" charset="0"/>
+              <a:buNone/>
+            </a:pPr>
+            <a:r>
+              <a:rPr lang="pt-PT" altLang="en-US" sz="1200" b="1">
+                <a:sym typeface="+mn-ea"/>
+              </a:rPr>
+              <a:t>2) CoI</a:t>
             </a:r>
             <a:r>
-              <a:rPr lang="pt-BR" sz="1400" b="1" baseline="-25000" dirty="0" smtClean="0"/>
-              <a:t>1</a:t>
+              <a:rPr lang="pt-PT" altLang="en-US" sz="1200" b="1" baseline="-25000">
+                <a:sym typeface="+mn-ea"/>
+              </a:rPr>
+              <a:t>i-1</a:t>
             </a:r>
             <a:r>
-              <a:rPr lang="pt-BR" sz="1400" b="1" dirty="0" smtClean="0"/>
-              <a:t> x A-GEO</a:t>
+              <a:rPr lang="pt-PT" altLang="en-US" sz="1200" b="1">
+                <a:sym typeface="+mn-ea"/>
+              </a:rPr>
+              <a:t> vinha sendo atualizado antes do cálculo do tau. Apesar do erro no código, os resultados continuaram iguais porque continuava entrando em “if(CoI</a:t>
             </a:r>
             <a:r>
-              <a:rPr lang="pt-BR" sz="1400" b="1" baseline="-25000" dirty="0" smtClean="0"/>
-              <a:t>2</a:t>
+              <a:rPr lang="pt-PT" altLang="en-US" sz="1200" b="1" baseline="-25000">
+                <a:sym typeface="+mn-ea"/>
+              </a:rPr>
+              <a:t>i</a:t>
             </a:r>
-            <a:endParaRPr lang="pt-BR" sz="1400" b="1" baseline="-25000" dirty="0" smtClean="0"/>
+            <a:r>
+              <a:rPr lang="pt-PT" altLang="en-US" sz="1200" b="1">
+                <a:sym typeface="+mn-ea"/>
+              </a:rPr>
+              <a:t>&lt;=CoI</a:t>
+            </a:r>
+            <a:r>
+              <a:rPr lang="pt-PT" altLang="en-US" sz="1200" b="1" baseline="-25000">
+                <a:sym typeface="+mn-ea"/>
+              </a:rPr>
+              <a:t>i-1</a:t>
+            </a:r>
+            <a:r>
+              <a:rPr lang="pt-PT" altLang="en-US" sz="1200" b="1">
+                <a:sym typeface="+mn-ea"/>
+              </a:rPr>
+              <a:t>)” a não ser que entrasse em “if(CoI==0)”. </a:t>
+            </a:r>
+            <a:endParaRPr lang="pt-PT" altLang="en-US" sz="1200" b="1">
+              <a:sym typeface="+mn-ea"/>
+            </a:endParaRPr>
+          </a:p>
+          <a:p>
+            <a:pPr marL="628650" lvl="1" indent="-171450" algn="l" fontAlgn="auto">
+              <a:lnSpc>
+                <a:spcPct val="100000"/>
+              </a:lnSpc>
+              <a:spcAft>
+                <a:spcPts val="1200"/>
+              </a:spcAft>
+              <a:buFont typeface="Arial" panose="020B0604020202020204" pitchFamily="34" charset="0"/>
+              <a:buChar char="•"/>
+            </a:pPr>
+            <a:r>
+              <a:rPr lang="pt-PT" altLang="en-US" sz="1200">
+                <a:sym typeface="+mn-ea"/>
+              </a:rPr>
+              <a:t>Esse problema também não influenciou em nada o resultado, pois se o CoI não for 0, cai na outra condição. Só prejudicava nas poucas vezes onde CoI</a:t>
+            </a:r>
+            <a:r>
+              <a:rPr lang="pt-PT" altLang="en-US" sz="1200" baseline="-25000">
+                <a:sym typeface="+mn-ea"/>
+              </a:rPr>
+              <a:t>i </a:t>
+            </a:r>
+            <a:r>
+              <a:rPr lang="pt-PT" altLang="en-US" sz="1200">
+                <a:sym typeface="+mn-ea"/>
+              </a:rPr>
+              <a:t>era maior que </a:t>
+            </a:r>
+            <a:r>
+              <a:rPr lang="pt-PT" altLang="en-US" sz="1200">
+                <a:sym typeface="+mn-ea"/>
+              </a:rPr>
+              <a:t>CoI</a:t>
+            </a:r>
+            <a:r>
+              <a:rPr lang="pt-PT" altLang="en-US" sz="1200" baseline="-25000">
+                <a:sym typeface="+mn-ea"/>
+              </a:rPr>
+              <a:t>i-1</a:t>
+            </a:r>
+            <a:r>
+              <a:rPr lang="pt-PT" altLang="en-US" sz="1200">
+                <a:sym typeface="+mn-ea"/>
+              </a:rPr>
+              <a:t>.</a:t>
+            </a:r>
+            <a:endParaRPr lang="pt-PT" altLang="en-US" sz="1200">
+              <a:sym typeface="+mn-ea"/>
+            </a:endParaRPr>
+          </a:p>
+          <a:p>
+            <a:pPr indent="0" algn="l" fontAlgn="auto">
+              <a:lnSpc>
+                <a:spcPct val="100000"/>
+              </a:lnSpc>
+              <a:spcAft>
+                <a:spcPts val="1200"/>
+              </a:spcAft>
+              <a:buFont typeface="Arial" panose="020B0604020202020204" pitchFamily="34" charset="0"/>
+              <a:buNone/>
+            </a:pPr>
+            <a:r>
+              <a:rPr lang="pt-PT" altLang="en-US" sz="1200" b="1">
+                <a:sym typeface="+mn-ea"/>
+              </a:rPr>
+              <a:t>3) No A-GEOvar, após confirmar a mutação de um bit por variável, não era feito o cálculo da população atual pra atualizar, então o o f(x) atual permanecia sempre o mesmo. </a:t>
+            </a:r>
+            <a:endParaRPr lang="pt-PT" altLang="en-US" sz="1200" b="1">
+              <a:sym typeface="+mn-ea"/>
+            </a:endParaRPr>
+          </a:p>
+          <a:p>
+            <a:pPr marL="628650" lvl="1" indent="-171450" algn="l" fontAlgn="auto">
+              <a:lnSpc>
+                <a:spcPct val="100000"/>
+              </a:lnSpc>
+              <a:spcAft>
+                <a:spcPts val="1200"/>
+              </a:spcAft>
+              <a:buFont typeface="Arial" panose="020B0604020202020204" pitchFamily="34" charset="0"/>
+              <a:buChar char="•"/>
+            </a:pPr>
+            <a:r>
+              <a:rPr lang="pt-PT" altLang="en-US" sz="1200">
+                <a:sym typeface="+mn-ea"/>
+              </a:rPr>
+              <a:t>Esses resultados também não influenciaram no CSBC, pois há pouco tempo quando eu vinha mexendo nas versões reais eu alterei uma lógica do binário por questãode padrão.</a:t>
+            </a:r>
+            <a:endParaRPr lang="pt-PT" altLang="en-US" sz="1200">
+              <a:sym typeface="+mn-ea"/>
+            </a:endParaRPr>
+          </a:p>
+          <a:p>
+            <a:pPr indent="0" algn="l" fontAlgn="auto">
+              <a:lnSpc>
+                <a:spcPct val="100000"/>
+              </a:lnSpc>
+              <a:spcAft>
+                <a:spcPts val="1200"/>
+              </a:spcAft>
+              <a:buFont typeface="Arial" panose="020B0604020202020204" pitchFamily="34" charset="0"/>
+              <a:buNone/>
+            </a:pPr>
+            <a:r>
+              <a:rPr lang="pt-PT" altLang="en-US" sz="1200" b="1">
+                <a:sym typeface="+mn-ea"/>
+              </a:rPr>
+              <a:t>Esses problemas só aconteciam nas versões binárias, então não afetam todos os resultados das versões com codificação real.</a:t>
+            </a:r>
+            <a:endParaRPr lang="pt-PT" altLang="en-US" sz="1200" b="1">
+              <a:solidFill>
+                <a:schemeClr val="accent1">
+                  <a:lumMod val="75000"/>
+                </a:schemeClr>
+              </a:solidFill>
+              <a:sym typeface="+mn-ea"/>
+            </a:endParaRPr>
           </a:p>
         </p:txBody>
       </p:sp>
-      <p:pic>
-        <p:nvPicPr>
-          <p:cNvPr id="2" name="Picture 1" descr="AGEO_ACK"/>
-          <p:cNvPicPr>
-            <a:picLocks noChangeAspect="1"/>
-          </p:cNvPicPr>
-          <p:nvPr/>
-        </p:nvPicPr>
-        <p:blipFill>
-          <a:blip r:embed="rId1"/>
-          <a:stretch>
-            <a:fillRect/>
-          </a:stretch>
-        </p:blipFill>
-        <p:spPr>
-          <a:xfrm>
-            <a:off x="5939790" y="936625"/>
-            <a:ext cx="2705100" cy="1997075"/>
-          </a:xfrm>
-          <a:prstGeom prst="rect">
-            <a:avLst/>
-          </a:prstGeom>
-        </p:spPr>
-      </p:pic>
-      <p:pic>
-        <p:nvPicPr>
-          <p:cNvPr id="3" name="Picture 2" descr="AGEO_BEA"/>
-          <p:cNvPicPr>
-            <a:picLocks noChangeAspect="1"/>
-          </p:cNvPicPr>
-          <p:nvPr/>
-        </p:nvPicPr>
-        <p:blipFill>
-          <a:blip r:embed="rId2"/>
-          <a:stretch>
-            <a:fillRect/>
-          </a:stretch>
-        </p:blipFill>
-        <p:spPr>
-          <a:xfrm>
-            <a:off x="5939790" y="2933700"/>
-            <a:ext cx="2705100" cy="1997075"/>
-          </a:xfrm>
-          <a:prstGeom prst="rect">
-            <a:avLst/>
-          </a:prstGeom>
-        </p:spPr>
-      </p:pic>
-      <p:pic>
-        <p:nvPicPr>
-          <p:cNvPr id="5" name="Picture 4" descr="AGEO_GRI"/>
-          <p:cNvPicPr>
-            <a:picLocks noChangeAspect="1"/>
-          </p:cNvPicPr>
-          <p:nvPr/>
-        </p:nvPicPr>
-        <p:blipFill>
-          <a:blip r:embed="rId3"/>
-          <a:stretch>
-            <a:fillRect/>
-          </a:stretch>
-        </p:blipFill>
-        <p:spPr>
-          <a:xfrm>
-            <a:off x="538480" y="936625"/>
-            <a:ext cx="2700655" cy="1997075"/>
-          </a:xfrm>
-          <a:prstGeom prst="rect">
-            <a:avLst/>
-          </a:prstGeom>
-        </p:spPr>
-      </p:pic>
-      <p:pic>
-        <p:nvPicPr>
-          <p:cNvPr id="6" name="Picture 5" descr="AGEO_RAS"/>
-          <p:cNvPicPr>
-            <a:picLocks noChangeAspect="1"/>
-          </p:cNvPicPr>
-          <p:nvPr/>
-        </p:nvPicPr>
-        <p:blipFill>
-          <a:blip r:embed="rId4"/>
-          <a:stretch>
-            <a:fillRect/>
-          </a:stretch>
-        </p:blipFill>
-        <p:spPr>
-          <a:xfrm>
-            <a:off x="3239135" y="936625"/>
-            <a:ext cx="2700655" cy="1997075"/>
-          </a:xfrm>
-          <a:prstGeom prst="rect">
-            <a:avLst/>
-          </a:prstGeom>
-        </p:spPr>
-      </p:pic>
-      <p:pic>
-        <p:nvPicPr>
-          <p:cNvPr id="7" name="Picture 6" descr="AGEO_ROS"/>
-          <p:cNvPicPr>
-            <a:picLocks noChangeAspect="1"/>
-          </p:cNvPicPr>
-          <p:nvPr/>
-        </p:nvPicPr>
-        <p:blipFill>
-          <a:blip r:embed="rId5"/>
-          <a:stretch>
-            <a:fillRect/>
-          </a:stretch>
-        </p:blipFill>
-        <p:spPr>
-          <a:xfrm>
-            <a:off x="538480" y="2933700"/>
-            <a:ext cx="2700655" cy="1997075"/>
-          </a:xfrm>
-          <a:prstGeom prst="rect">
-            <a:avLst/>
-          </a:prstGeom>
-        </p:spPr>
-      </p:pic>
-      <p:pic>
-        <p:nvPicPr>
-          <p:cNvPr id="8" name="Picture 7" descr="AGEO_SCH"/>
-          <p:cNvPicPr>
-            <a:picLocks noChangeAspect="1"/>
-          </p:cNvPicPr>
-          <p:nvPr/>
-        </p:nvPicPr>
-        <p:blipFill>
-          <a:blip r:embed="rId6"/>
-          <a:stretch>
-            <a:fillRect/>
-          </a:stretch>
-        </p:blipFill>
-        <p:spPr>
-          <a:xfrm>
-            <a:off x="3239135" y="2933700"/>
-            <a:ext cx="2700655" cy="1997075"/>
-          </a:xfrm>
-          <a:prstGeom prst="rect">
-            <a:avLst/>
-          </a:prstGeom>
-        </p:spPr>
-      </p:pic>
       <p:grpSp>
         <p:nvGrpSpPr>
           <p:cNvPr id="17" name="Group 16"/>
@@ -36731,21 +35455,21 @@
         <p:grpSpPr>
           <a:xfrm>
             <a:off x="467360" y="269875"/>
-            <a:ext cx="6253480" cy="431800"/>
+            <a:ext cx="7691120" cy="431800"/>
             <a:chOff x="736" y="425"/>
-            <a:chExt cx="9848" cy="680"/>
+            <a:chExt cx="12112" cy="680"/>
           </a:xfrm>
         </p:grpSpPr>
         <p:sp>
           <p:nvSpPr>
-            <p:cNvPr id="11" name="Text Box 10"/>
+            <p:cNvPr id="18" name="Text Box 17"/>
             <p:cNvSpPr txBox="1"/>
             <p:nvPr/>
           </p:nvSpPr>
           <p:spPr>
             <a:xfrm>
               <a:off x="736" y="425"/>
-              <a:ext cx="9848" cy="531"/>
+              <a:ext cx="12112" cy="531"/>
             </a:xfrm>
             <a:prstGeom prst="rect">
               <a:avLst/>
@@ -36762,7 +35486,7 @@
                 <a:rPr lang="pt-PT" altLang="en-US" sz="1600">
                   <a:sym typeface="+mn-ea"/>
                 </a:rPr>
-                <a:t>3.1 Implementação das versões A-GEO e A-GEOvar (fev/21)</a:t>
+                <a:t>EXTRA: Correções importantes, mas que não alteraram os resultados originais</a:t>
               </a:r>
               <a:endParaRPr lang="pt-PT" altLang="en-US" sz="1600">
                 <a:sym typeface="+mn-ea"/>
@@ -36772,7 +35496,7 @@
         </p:sp>
         <p:cxnSp>
           <p:nvCxnSpPr>
-            <p:cNvPr id="16" name="Straight Connector 15"/>
+            <p:cNvPr id="20" name="Straight Connector 19"/>
             <p:cNvCxnSpPr/>
             <p:nvPr/>
           </p:nvCxnSpPr>
@@ -36833,160 +35557,16 @@
           <a:chExt cx="0" cy="0"/>
         </a:xfrm>
       </p:grpSpPr>
-      <p:pic>
-        <p:nvPicPr>
-          <p:cNvPr id="15" name="Picture 14" descr="AGEOvar_ACK"/>
-          <p:cNvPicPr>
-            <a:picLocks noChangeAspect="1"/>
-          </p:cNvPicPr>
-          <p:nvPr/>
-        </p:nvPicPr>
-        <p:blipFill>
-          <a:blip r:embed="rId1"/>
-          <a:stretch>
-            <a:fillRect/>
-          </a:stretch>
-        </p:blipFill>
-        <p:spPr>
-          <a:xfrm>
-            <a:off x="5939790" y="917575"/>
-            <a:ext cx="2687955" cy="1979930"/>
-          </a:xfrm>
-          <a:prstGeom prst="rect">
-            <a:avLst/>
-          </a:prstGeom>
-        </p:spPr>
-      </p:pic>
-      <p:pic>
-        <p:nvPicPr>
-          <p:cNvPr id="16" name="Picture 15" descr="AGEOvar_BEA"/>
-          <p:cNvPicPr>
-            <a:picLocks noChangeAspect="1"/>
-          </p:cNvPicPr>
-          <p:nvPr/>
-        </p:nvPicPr>
-        <p:blipFill>
-          <a:blip r:embed="rId2"/>
-          <a:stretch>
-            <a:fillRect/>
-          </a:stretch>
-        </p:blipFill>
-        <p:spPr>
-          <a:xfrm>
-            <a:off x="5938520" y="2893060"/>
-            <a:ext cx="2689225" cy="1976755"/>
-          </a:xfrm>
-          <a:prstGeom prst="rect">
-            <a:avLst/>
-          </a:prstGeom>
-        </p:spPr>
-      </p:pic>
-      <p:pic>
-        <p:nvPicPr>
-          <p:cNvPr id="17" name="Picture 16" descr="AGEOvar_GRI"/>
-          <p:cNvPicPr>
-            <a:picLocks noChangeAspect="1"/>
-          </p:cNvPicPr>
-          <p:nvPr/>
-        </p:nvPicPr>
-        <p:blipFill>
-          <a:blip r:embed="rId3"/>
-          <a:stretch>
-            <a:fillRect/>
-          </a:stretch>
-        </p:blipFill>
-        <p:spPr>
-          <a:xfrm>
-            <a:off x="610235" y="917575"/>
-            <a:ext cx="2684145" cy="1976120"/>
-          </a:xfrm>
-          <a:prstGeom prst="rect">
-            <a:avLst/>
-          </a:prstGeom>
-        </p:spPr>
-      </p:pic>
-      <p:pic>
-        <p:nvPicPr>
-          <p:cNvPr id="18" name="Picture 17" descr="AGEOvar_RAS"/>
-          <p:cNvPicPr>
-            <a:picLocks noChangeAspect="1"/>
-          </p:cNvPicPr>
-          <p:nvPr/>
-        </p:nvPicPr>
-        <p:blipFill>
-          <a:blip r:embed="rId4"/>
-          <a:stretch>
-            <a:fillRect/>
-          </a:stretch>
-        </p:blipFill>
-        <p:spPr>
-          <a:xfrm>
-            <a:off x="3274695" y="917575"/>
-            <a:ext cx="2684145" cy="1976120"/>
-          </a:xfrm>
-          <a:prstGeom prst="rect">
-            <a:avLst/>
-          </a:prstGeom>
-        </p:spPr>
-      </p:pic>
-      <p:pic>
-        <p:nvPicPr>
-          <p:cNvPr id="19" name="Picture 18" descr="AGEOvar_ROS"/>
-          <p:cNvPicPr>
-            <a:picLocks noChangeAspect="1"/>
-          </p:cNvPicPr>
-          <p:nvPr/>
-        </p:nvPicPr>
-        <p:blipFill>
-          <a:blip r:embed="rId5"/>
-          <a:stretch>
-            <a:fillRect/>
-          </a:stretch>
-        </p:blipFill>
-        <p:spPr>
-          <a:xfrm>
-            <a:off x="610235" y="2893695"/>
-            <a:ext cx="2684145" cy="1976120"/>
-          </a:xfrm>
-          <a:prstGeom prst="rect">
-            <a:avLst/>
-          </a:prstGeom>
-        </p:spPr>
-      </p:pic>
-      <p:pic>
-        <p:nvPicPr>
-          <p:cNvPr id="20" name="Picture 19" descr="AGEOvar_SCH"/>
-          <p:cNvPicPr>
-            <a:picLocks noChangeAspect="1"/>
-          </p:cNvPicPr>
-          <p:nvPr/>
-        </p:nvPicPr>
-        <p:blipFill>
-          <a:blip r:embed="rId6"/>
-          <a:stretch>
-            <a:fillRect/>
-          </a:stretch>
-        </p:blipFill>
-        <p:spPr>
-          <a:xfrm>
-            <a:off x="3274695" y="2893695"/>
-            <a:ext cx="2684145" cy="1979930"/>
-          </a:xfrm>
-          <a:prstGeom prst="rect">
-            <a:avLst/>
-          </a:prstGeom>
-        </p:spPr>
-      </p:pic>
       <p:sp>
         <p:nvSpPr>
-          <p:cNvPr id="2" name="CaixaDeTexto 3"/>
+          <p:cNvPr id="7" name="Text Box 6"/>
           <p:cNvSpPr txBox="1"/>
           <p:nvPr/>
         </p:nvSpPr>
         <p:spPr>
           <a:xfrm>
-            <a:off x="6804125" y="395173"/>
-            <a:ext cx="2089785" cy="306705"/>
+            <a:off x="755015" y="1061720"/>
+            <a:ext cx="8066405" cy="2922905"/>
           </a:xfrm>
           <a:prstGeom prst="rect">
             <a:avLst/>
@@ -36994,42 +35574,143 @@
           <a:noFill/>
         </p:spPr>
         <p:txBody>
-          <a:bodyPr wrap="none" rtlCol="0">
+          <a:bodyPr wrap="square" rtlCol="0">
             <a:spAutoFit/>
           </a:bodyPr>
           <a:p>
-            <a:pPr algn="l"/>
+            <a:pPr indent="0" algn="l" fontAlgn="auto">
+              <a:lnSpc>
+                <a:spcPct val="200000"/>
+              </a:lnSpc>
+              <a:spcAft>
+                <a:spcPts val="1200"/>
+              </a:spcAft>
+              <a:buFont typeface="Arial" panose="020B0604020202020204" pitchFamily="34" charset="0"/>
+              <a:buNone/>
+            </a:pPr>
             <a:r>
-              <a:rPr lang="pt-BR" sz="1400" b="1" dirty="0" smtClean="0">
+              <a:rPr lang="pt-PT" altLang="en-US" sz="1200" b="1">
                 <a:sym typeface="+mn-ea"/>
               </a:rPr>
-              <a:t>A-GEO</a:t>
+              <a:t>Principal Problema:</a:t>
+            </a:r>
+            <a:endParaRPr lang="pt-PT" altLang="en-US" sz="1200" b="1">
+              <a:sym typeface="+mn-ea"/>
+            </a:endParaRPr>
+          </a:p>
+          <a:p>
+            <a:pPr marL="171450" indent="-171450" algn="l" fontAlgn="auto">
+              <a:lnSpc>
+                <a:spcPct val="200000"/>
+              </a:lnSpc>
+              <a:spcAft>
+                <a:spcPts val="1200"/>
+              </a:spcAft>
+              <a:buFont typeface="Arial" panose="020B0604020202020204" pitchFamily="34" charset="0"/>
+              <a:buChar char="•"/>
+            </a:pPr>
+            <a:r>
+              <a:rPr lang="pt-PT" altLang="en-US" sz="1200">
+                <a:sym typeface="+mn-ea"/>
+              </a:rPr>
+              <a:t>Foi descoberto que a lógica de resetar o tau do A-GEOvar desde o início havia sido implementado com </a:t>
             </a:r>
             <a:r>
-              <a:rPr lang="pt-BR" sz="1400" b="1" baseline="-25000" dirty="0" smtClean="0">
+              <a:rPr lang="pt-PT" altLang="en-US" sz="1200">
+                <a:solidFill>
+                  <a:schemeClr val="tx1"/>
+                </a:solidFill>
                 <a:sym typeface="+mn-ea"/>
               </a:rPr>
-              <a:t>1</a:t>
+              <a:t>“if (CoI==0 || tau&gt;5)” ao invés de “if (CoI==0)”</a:t>
             </a:r>
+            <a:endParaRPr lang="pt-PT" altLang="en-US" sz="1200">
+              <a:solidFill>
+                <a:schemeClr val="tx1"/>
+              </a:solidFill>
+              <a:sym typeface="+mn-ea"/>
+            </a:endParaRPr>
+          </a:p>
+          <a:p>
+            <a:pPr marL="628650" lvl="1" indent="-171450" algn="l" fontAlgn="auto">
+              <a:lnSpc>
+                <a:spcPct val="200000"/>
+              </a:lnSpc>
+              <a:spcAft>
+                <a:spcPts val="1200"/>
+              </a:spcAft>
+              <a:buFont typeface="Arial" panose="020B0604020202020204" pitchFamily="34" charset="0"/>
+              <a:buChar char="•"/>
+            </a:pPr>
             <a:r>
-              <a:rPr lang="pt-BR" sz="1400" b="1" dirty="0" smtClean="0">
+              <a:rPr lang="pt-PT" altLang="en-US" sz="1200">
+                <a:solidFill>
+                  <a:schemeClr val="tx1"/>
+                </a:solidFill>
                 <a:sym typeface="+mn-ea"/>
               </a:rPr>
-              <a:t>var x A-GEO</a:t>
+              <a:t>Ao corrigir isso, a versão A-GEOvar apresentou resultados piores quando comparado ao A-GEO. </a:t>
             </a:r>
+            <a:endParaRPr lang="pt-PT" altLang="en-US" sz="1200">
+              <a:solidFill>
+                <a:schemeClr val="tx1"/>
+              </a:solidFill>
+              <a:sym typeface="+mn-ea"/>
+            </a:endParaRPr>
+          </a:p>
+          <a:p>
+            <a:pPr marL="1085850" lvl="2" indent="-171450" algn="l" fontAlgn="auto">
+              <a:lnSpc>
+                <a:spcPct val="200000"/>
+              </a:lnSpc>
+              <a:spcAft>
+                <a:spcPts val="1200"/>
+              </a:spcAft>
+              <a:buFont typeface="Arial" panose="020B0604020202020204" pitchFamily="34" charset="0"/>
+              <a:buChar char="•"/>
+            </a:pPr>
             <a:r>
-              <a:rPr lang="pt-BR" sz="1400" b="1" baseline="-25000" dirty="0" smtClean="0">
+              <a:rPr lang="pt-PT" altLang="en-US" sz="1200">
+                <a:solidFill>
+                  <a:schemeClr val="tx1"/>
+                </a:solidFill>
                 <a:sym typeface="+mn-ea"/>
               </a:rPr>
-              <a:t>2</a:t>
+              <a:t>Esse resultado vai na contramão das conclusões do trabalho do CSBC.</a:t>
             </a:r>
+            <a:endParaRPr lang="pt-PT" altLang="en-US" sz="1200">
+              <a:solidFill>
+                <a:schemeClr val="tx1"/>
+              </a:solidFill>
+              <a:sym typeface="+mn-ea"/>
+            </a:endParaRPr>
+          </a:p>
+          <a:p>
+            <a:pPr marL="1085850" lvl="2" indent="-171450" algn="l" fontAlgn="auto">
+              <a:lnSpc>
+                <a:spcPct val="200000"/>
+              </a:lnSpc>
+              <a:spcAft>
+                <a:spcPts val="1200"/>
+              </a:spcAft>
+              <a:buFont typeface="Arial" panose="020B0604020202020204" pitchFamily="34" charset="0"/>
+              <a:buChar char="•"/>
+            </a:pPr>
             <a:r>
-              <a:rPr lang="pt-BR" sz="1400" b="1" dirty="0" smtClean="0">
+              <a:rPr lang="pt-PT" altLang="en-US" sz="1200">
+                <a:solidFill>
+                  <a:schemeClr val="tx1"/>
+                </a:solidFill>
                 <a:sym typeface="+mn-ea"/>
               </a:rPr>
-              <a:t>var</a:t>
+              <a:t>Com esse conserto, passamos a conhecer o verdadeiro A-GEOvar</a:t>
             </a:r>
-            <a:endParaRPr lang="pt-BR" sz="1400" b="1" baseline="-25000" dirty="0" smtClean="0">
+            <a:endParaRPr lang="pt-PT" altLang="en-US" sz="1200">
+              <a:solidFill>
+                <a:schemeClr val="accent1">
+                  <a:lumMod val="75000"/>
+                </a:schemeClr>
+              </a:solidFill>
               <a:sym typeface="+mn-ea"/>
             </a:endParaRPr>
           </a:p>
@@ -37037,28 +35718,28 @@
       </p:sp>
       <p:grpSp>
         <p:nvGrpSpPr>
-          <p:cNvPr id="7" name="Group 6"/>
+          <p:cNvPr id="17" name="Group 16"/>
           <p:cNvGrpSpPr/>
           <p:nvPr/>
         </p:nvGrpSpPr>
         <p:grpSpPr>
           <a:xfrm>
             <a:off x="467360" y="269875"/>
-            <a:ext cx="6236970" cy="431800"/>
+            <a:ext cx="6638290" cy="431800"/>
             <a:chOff x="736" y="425"/>
-            <a:chExt cx="9822" cy="680"/>
+            <a:chExt cx="10454" cy="680"/>
           </a:xfrm>
         </p:grpSpPr>
         <p:sp>
           <p:nvSpPr>
-            <p:cNvPr id="11" name="Text Box 10"/>
+            <p:cNvPr id="18" name="Text Box 17"/>
             <p:cNvSpPr txBox="1"/>
             <p:nvPr/>
           </p:nvSpPr>
           <p:spPr>
             <a:xfrm>
               <a:off x="736" y="425"/>
-              <a:ext cx="9822" cy="531"/>
+              <a:ext cx="10454" cy="531"/>
             </a:xfrm>
             <a:prstGeom prst="rect">
               <a:avLst/>
@@ -37075,7 +35756,13 @@
                 <a:rPr lang="pt-PT" altLang="en-US" sz="1600">
                   <a:sym typeface="+mn-ea"/>
                 </a:rPr>
-                <a:t>3.1 Implementação das versões A-GEO e A-GEOvar (fev/21)</a:t>
+                <a:t>3.2 Correção das implementações </a:t>
+              </a:r>
+              <a:r>
+                <a:rPr lang="pt-PT" altLang="en-US" sz="1600">
+                  <a:sym typeface="+mn-ea"/>
+                </a:rPr>
+                <a:t>A-GEO e A-GEOvar (nov/21)</a:t>
               </a:r>
               <a:endParaRPr lang="pt-PT" altLang="en-US" sz="1600">
                 <a:sym typeface="+mn-ea"/>
@@ -37085,7 +35772,7 @@
         </p:sp>
         <p:cxnSp>
           <p:nvCxnSpPr>
-            <p:cNvPr id="5" name="Straight Connector 4"/>
+            <p:cNvPr id="20" name="Straight Connector 19"/>
             <p:cNvCxnSpPr/>
             <p:nvPr/>
           </p:nvCxnSpPr>
@@ -37146,219 +35833,30 @@
           <a:chExt cx="0" cy="0"/>
         </a:xfrm>
       </p:grpSpPr>
-      <p:sp>
-        <p:nvSpPr>
-          <p:cNvPr id="4" name="CaixaDeTexto 3"/>
-          <p:cNvSpPr txBox="1"/>
-          <p:nvPr/>
-        </p:nvSpPr>
-        <p:spPr>
-          <a:xfrm>
-            <a:off x="7019711" y="395173"/>
-            <a:ext cx="1828800" cy="306705"/>
-          </a:xfrm>
-          <a:prstGeom prst="rect">
-            <a:avLst/>
-          </a:prstGeom>
-          <a:noFill/>
-        </p:spPr>
-        <p:txBody>
-          <a:bodyPr wrap="none" rtlCol="0">
-            <a:spAutoFit/>
-          </a:bodyPr>
-          <a:p>
-            <a:r>
-              <a:rPr lang="pt-PT" altLang="pt-BR" sz="1400" b="1" dirty="0" smtClean="0"/>
-              <a:t>A-GEO</a:t>
-            </a:r>
-            <a:r>
-              <a:rPr lang="pt-PT" altLang="pt-BR" sz="1400" b="1" baseline="-25000" dirty="0" smtClean="0"/>
-              <a:t>2</a:t>
-            </a:r>
-            <a:r>
-              <a:rPr lang="pt-PT" altLang="pt-BR" sz="1400" b="1" dirty="0" smtClean="0"/>
-              <a:t> e A-GEO</a:t>
-            </a:r>
-            <a:r>
-              <a:rPr lang="pt-PT" altLang="pt-BR" sz="1400" b="1" baseline="-25000" dirty="0" smtClean="0"/>
-              <a:t>2</a:t>
-            </a:r>
-            <a:r>
-              <a:rPr lang="pt-PT" altLang="pt-BR" sz="1400" b="1" dirty="0" smtClean="0"/>
-              <a:t>var</a:t>
-            </a:r>
-            <a:endParaRPr lang="pt-PT" altLang="pt-BR" sz="1400" b="1" dirty="0" smtClean="0"/>
-          </a:p>
-        </p:txBody>
-      </p:sp>
-      <p:pic>
-        <p:nvPicPr>
-          <p:cNvPr id="2" name="Picture 1" descr="AGEOvsAGEOvar_ACK"/>
-          <p:cNvPicPr>
-            <a:picLocks noChangeAspect="1"/>
-          </p:cNvPicPr>
-          <p:nvPr/>
-        </p:nvPicPr>
-        <p:blipFill>
-          <a:blip r:embed="rId1"/>
-          <a:stretch>
-            <a:fillRect/>
-          </a:stretch>
-        </p:blipFill>
-        <p:spPr>
-          <a:xfrm>
-            <a:off x="5902960" y="916940"/>
-            <a:ext cx="2687320" cy="1979295"/>
-          </a:xfrm>
-          <a:prstGeom prst="rect">
-            <a:avLst/>
-          </a:prstGeom>
-        </p:spPr>
-      </p:pic>
-      <p:pic>
-        <p:nvPicPr>
-          <p:cNvPr id="3" name="Picture 2" descr="AGEOvsAGEOvar_BEA"/>
-          <p:cNvPicPr>
-            <a:picLocks noChangeAspect="1"/>
-          </p:cNvPicPr>
-          <p:nvPr/>
-        </p:nvPicPr>
-        <p:blipFill>
-          <a:blip r:embed="rId2"/>
-          <a:stretch>
-            <a:fillRect/>
-          </a:stretch>
-        </p:blipFill>
-        <p:spPr>
-          <a:xfrm>
-            <a:off x="5902960" y="2896235"/>
-            <a:ext cx="2687320" cy="1979295"/>
-          </a:xfrm>
-          <a:prstGeom prst="rect">
-            <a:avLst/>
-          </a:prstGeom>
-        </p:spPr>
-      </p:pic>
-      <p:pic>
-        <p:nvPicPr>
-          <p:cNvPr id="5" name="Picture 4" descr="AGEOvsAGEOvar_GRI"/>
-          <p:cNvPicPr>
-            <a:picLocks noChangeAspect="1"/>
-          </p:cNvPicPr>
-          <p:nvPr/>
-        </p:nvPicPr>
-        <p:blipFill>
-          <a:blip r:embed="rId3"/>
-          <a:stretch>
-            <a:fillRect/>
-          </a:stretch>
-        </p:blipFill>
-        <p:spPr>
-          <a:xfrm>
-            <a:off x="538480" y="917575"/>
-            <a:ext cx="2682240" cy="1978660"/>
-          </a:xfrm>
-          <a:prstGeom prst="rect">
-            <a:avLst/>
-          </a:prstGeom>
-        </p:spPr>
-      </p:pic>
-      <p:pic>
-        <p:nvPicPr>
-          <p:cNvPr id="6" name="Picture 5" descr="AGEOvsAGEOvar_RAS"/>
-          <p:cNvPicPr>
-            <a:picLocks noChangeAspect="1"/>
-          </p:cNvPicPr>
-          <p:nvPr/>
-        </p:nvPicPr>
-        <p:blipFill>
-          <a:blip r:embed="rId4"/>
-          <a:stretch>
-            <a:fillRect/>
-          </a:stretch>
-        </p:blipFill>
-        <p:spPr>
-          <a:xfrm>
-            <a:off x="3220720" y="917575"/>
-            <a:ext cx="2682240" cy="1978660"/>
-          </a:xfrm>
-          <a:prstGeom prst="rect">
-            <a:avLst/>
-          </a:prstGeom>
-        </p:spPr>
-      </p:pic>
-      <p:pic>
-        <p:nvPicPr>
-          <p:cNvPr id="7" name="Picture 6" descr="AGEOvsAGEOvar_ROS"/>
-          <p:cNvPicPr>
-            <a:picLocks noChangeAspect="1"/>
-          </p:cNvPicPr>
-          <p:nvPr/>
-        </p:nvPicPr>
-        <p:blipFill>
-          <a:blip r:embed="rId5"/>
-          <a:stretch>
-            <a:fillRect/>
-          </a:stretch>
-        </p:blipFill>
-        <p:spPr>
-          <a:xfrm>
-            <a:off x="538480" y="2896235"/>
-            <a:ext cx="2682240" cy="1978660"/>
-          </a:xfrm>
-          <a:prstGeom prst="rect">
-            <a:avLst/>
-          </a:prstGeom>
-        </p:spPr>
-      </p:pic>
-      <p:pic>
-        <p:nvPicPr>
-          <p:cNvPr id="8" name="Picture 7" descr="AGEOvsAGEOvar_SCH"/>
-          <p:cNvPicPr>
-            <a:picLocks noChangeAspect="1"/>
-          </p:cNvPicPr>
-          <p:nvPr/>
-        </p:nvPicPr>
-        <p:blipFill>
-          <a:blip r:embed="rId6"/>
-          <a:stretch>
-            <a:fillRect/>
-          </a:stretch>
-        </p:blipFill>
-        <p:spPr>
-          <a:xfrm>
-            <a:off x="3220720" y="2896235"/>
-            <a:ext cx="2682240" cy="1978660"/>
-          </a:xfrm>
-          <a:prstGeom prst="rect">
-            <a:avLst/>
-          </a:prstGeom>
-        </p:spPr>
-      </p:pic>
       <p:grpSp>
         <p:nvGrpSpPr>
-          <p:cNvPr id="10" name="Group 9"/>
+          <p:cNvPr id="17" name="Group 16"/>
           <p:cNvGrpSpPr/>
           <p:nvPr/>
         </p:nvGrpSpPr>
         <p:grpSpPr>
           <a:xfrm>
             <a:off x="467360" y="269875"/>
-            <a:ext cx="6257290" cy="431800"/>
+            <a:ext cx="6638290" cy="431800"/>
             <a:chOff x="736" y="425"/>
-            <a:chExt cx="9854" cy="680"/>
+            <a:chExt cx="10454" cy="680"/>
           </a:xfrm>
         </p:grpSpPr>
         <p:sp>
           <p:nvSpPr>
-            <p:cNvPr id="11" name="Text Box 10"/>
+            <p:cNvPr id="18" name="Text Box 17"/>
             <p:cNvSpPr txBox="1"/>
             <p:nvPr/>
           </p:nvSpPr>
           <p:spPr>
             <a:xfrm>
               <a:off x="736" y="425"/>
-              <a:ext cx="9854" cy="531"/>
+              <a:ext cx="10454" cy="531"/>
             </a:xfrm>
             <a:prstGeom prst="rect">
               <a:avLst/>
@@ -37375,7 +35873,13 @@
                 <a:rPr lang="pt-PT" altLang="en-US" sz="1600">
                   <a:sym typeface="+mn-ea"/>
                 </a:rPr>
-                <a:t>3.1 Implementação das versões A-GEO e A-GEOvar (fev/21)</a:t>
+                <a:t>3.2 Correção das implementações </a:t>
+              </a:r>
+              <a:r>
+                <a:rPr lang="pt-PT" altLang="en-US" sz="1600">
+                  <a:sym typeface="+mn-ea"/>
+                </a:rPr>
+                <a:t>A-GEO e A-GEOvar (nov/21)</a:t>
               </a:r>
               <a:endParaRPr lang="pt-PT" altLang="en-US" sz="1600">
                 <a:sym typeface="+mn-ea"/>
@@ -37385,7 +35889,7 @@
         </p:sp>
         <p:cxnSp>
           <p:nvCxnSpPr>
-            <p:cNvPr id="12" name="Straight Connector 11"/>
+            <p:cNvPr id="20" name="Straight Connector 19"/>
             <p:cNvCxnSpPr/>
             <p:nvPr/>
           </p:nvCxnSpPr>
@@ -37421,6 +35925,193 @@
           </p:style>
         </p:cxnSp>
       </p:grpSp>
+      <p:pic>
+        <p:nvPicPr>
+          <p:cNvPr id="2" name="Picture 1" descr="AGEOvar129_ACK"/>
+          <p:cNvPicPr>
+            <a:picLocks noChangeAspect="1"/>
+          </p:cNvPicPr>
+          <p:nvPr/>
+        </p:nvPicPr>
+        <p:blipFill>
+          <a:blip r:embed="rId1"/>
+          <a:stretch>
+            <a:fillRect/>
+          </a:stretch>
+        </p:blipFill>
+        <p:spPr>
+          <a:xfrm>
+            <a:off x="5939790" y="1205865"/>
+            <a:ext cx="2899410" cy="1882775"/>
+          </a:xfrm>
+          <a:prstGeom prst="rect">
+            <a:avLst/>
+          </a:prstGeom>
+        </p:spPr>
+      </p:pic>
+      <p:pic>
+        <p:nvPicPr>
+          <p:cNvPr id="3" name="Picture 2" descr="AGEOvar129_BEA"/>
+          <p:cNvPicPr>
+            <a:picLocks noChangeAspect="1"/>
+          </p:cNvPicPr>
+          <p:nvPr/>
+        </p:nvPicPr>
+        <p:blipFill>
+          <a:blip r:embed="rId2"/>
+          <a:stretch>
+            <a:fillRect/>
+          </a:stretch>
+        </p:blipFill>
+        <p:spPr>
+          <a:xfrm>
+            <a:off x="5939790" y="3088640"/>
+            <a:ext cx="2899410" cy="1882775"/>
+          </a:xfrm>
+          <a:prstGeom prst="rect">
+            <a:avLst/>
+          </a:prstGeom>
+        </p:spPr>
+      </p:pic>
+      <p:pic>
+        <p:nvPicPr>
+          <p:cNvPr id="4" name="Picture 3" descr="AGEOvar129_GRI"/>
+          <p:cNvPicPr>
+            <a:picLocks noChangeAspect="1"/>
+          </p:cNvPicPr>
+          <p:nvPr/>
+        </p:nvPicPr>
+        <p:blipFill>
+          <a:blip r:embed="rId3"/>
+          <a:stretch>
+            <a:fillRect/>
+          </a:stretch>
+        </p:blipFill>
+        <p:spPr>
+          <a:xfrm>
+            <a:off x="179705" y="1205865"/>
+            <a:ext cx="2899410" cy="1882775"/>
+          </a:xfrm>
+          <a:prstGeom prst="rect">
+            <a:avLst/>
+          </a:prstGeom>
+        </p:spPr>
+      </p:pic>
+      <p:pic>
+        <p:nvPicPr>
+          <p:cNvPr id="5" name="Picture 4" descr="AGEOvar129_RAS"/>
+          <p:cNvPicPr>
+            <a:picLocks noChangeAspect="1"/>
+          </p:cNvPicPr>
+          <p:nvPr/>
+        </p:nvPicPr>
+        <p:blipFill>
+          <a:blip r:embed="rId4"/>
+          <a:stretch>
+            <a:fillRect/>
+          </a:stretch>
+        </p:blipFill>
+        <p:spPr>
+          <a:xfrm>
+            <a:off x="3059430" y="1205865"/>
+            <a:ext cx="2899410" cy="1882775"/>
+          </a:xfrm>
+          <a:prstGeom prst="rect">
+            <a:avLst/>
+          </a:prstGeom>
+        </p:spPr>
+      </p:pic>
+      <p:pic>
+        <p:nvPicPr>
+          <p:cNvPr id="6" name="Picture 5" descr="AGEOvar129_ROS"/>
+          <p:cNvPicPr>
+            <a:picLocks noChangeAspect="1"/>
+          </p:cNvPicPr>
+          <p:nvPr/>
+        </p:nvPicPr>
+        <p:blipFill>
+          <a:blip r:embed="rId5"/>
+          <a:stretch>
+            <a:fillRect/>
+          </a:stretch>
+        </p:blipFill>
+        <p:spPr>
+          <a:xfrm>
+            <a:off x="179705" y="3088640"/>
+            <a:ext cx="2899410" cy="1882775"/>
+          </a:xfrm>
+          <a:prstGeom prst="rect">
+            <a:avLst/>
+          </a:prstGeom>
+        </p:spPr>
+      </p:pic>
+      <p:pic>
+        <p:nvPicPr>
+          <p:cNvPr id="8" name="Picture 7" descr="AGEOvar129_SCH"/>
+          <p:cNvPicPr>
+            <a:picLocks noChangeAspect="1"/>
+          </p:cNvPicPr>
+          <p:nvPr/>
+        </p:nvPicPr>
+        <p:blipFill>
+          <a:blip r:embed="rId6"/>
+          <a:stretch>
+            <a:fillRect/>
+          </a:stretch>
+        </p:blipFill>
+        <p:spPr>
+          <a:xfrm>
+            <a:off x="3059430" y="3088640"/>
+            <a:ext cx="2899410" cy="1882775"/>
+          </a:xfrm>
+          <a:prstGeom prst="rect">
+            <a:avLst/>
+          </a:prstGeom>
+        </p:spPr>
+      </p:pic>
+      <p:sp>
+        <p:nvSpPr>
+          <p:cNvPr id="9" name="Text Box 8"/>
+          <p:cNvSpPr txBox="1"/>
+          <p:nvPr/>
+        </p:nvSpPr>
+        <p:spPr>
+          <a:xfrm>
+            <a:off x="251460" y="845820"/>
+            <a:ext cx="8587740" cy="275590"/>
+          </a:xfrm>
+          <a:prstGeom prst="rect">
+            <a:avLst/>
+          </a:prstGeom>
+          <a:noFill/>
+        </p:spPr>
+        <p:txBody>
+          <a:bodyPr wrap="square" rtlCol="0">
+            <a:spAutoFit/>
+          </a:bodyPr>
+          <a:p>
+            <a:pPr indent="0" algn="l" fontAlgn="auto">
+              <a:lnSpc>
+                <a:spcPct val="100000"/>
+              </a:lnSpc>
+              <a:spcAft>
+                <a:spcPts val="0"/>
+              </a:spcAft>
+              <a:buFont typeface="Arial" panose="020B0604020202020204" pitchFamily="34" charset="0"/>
+              <a:buNone/>
+            </a:pPr>
+            <a:r>
+              <a:rPr lang="pt-PT" altLang="en-US" sz="1200" b="1">
+                <a:sym typeface="+mn-ea"/>
+              </a:rPr>
+              <a:t>Comparação das versões A-GEO1var e A-GEO2var com a que foi gerada no CSBC (vamos chamar de A-GEO9var)</a:t>
+            </a:r>
+            <a:endParaRPr lang="pt-PT" altLang="en-US" sz="1200" b="1">
+              <a:sym typeface="+mn-ea"/>
+            </a:endParaRPr>
+          </a:p>
+        </p:txBody>
+      </p:sp>
     </p:spTree>
   </p:cSld>
   <p:clrMapOvr>
